--- a/Glarchiv poster.pptx
+++ b/Glarchiv poster.pptx
@@ -121,6 +121,4496 @@
     </p:ext>
   </p:extLst>
 </p:presentation>
+</file>
+
+<file path=ppt/charts/chart1.xml><?xml version="1.0" encoding="utf-8"?>
+<c:chartSpace xmlns:c="http://schemas.openxmlformats.org/drawingml/2006/chart" xmlns:a="http://schemas.openxmlformats.org/drawingml/2006/main" xmlns:r="http://schemas.openxmlformats.org/officeDocument/2006/relationships">
+  <c:date1904 val="0"/>
+  <c:lang val="sk-SK"/>
+  <c:roundedCorners val="0"/>
+  <mc:AlternateContent xmlns:mc="http://schemas.openxmlformats.org/markup-compatibility/2006">
+    <mc:Choice xmlns:c14="http://schemas.microsoft.com/office/drawing/2007/8/2/chart" Requires="c14">
+      <c14:style val="102"/>
+    </mc:Choice>
+    <mc:Fallback>
+      <c:style val="2"/>
+    </mc:Fallback>
+  </mc:AlternateContent>
+  <c:chart>
+    <c:title>
+      <c:tx>
+        <c:rich>
+          <a:bodyPr rot="0" spcFirstLastPara="1" vertOverflow="ellipsis" vert="horz" wrap="square" anchor="ctr" anchorCtr="1"/>
+          <a:lstStyle/>
+          <a:p>
+            <a:pPr>
+              <a:defRPr sz="4400" b="0" i="0" u="none" strike="noStrike" kern="1200" spc="0" baseline="0">
+                <a:solidFill>
+                  <a:schemeClr val="bg1"/>
+                </a:solidFill>
+                <a:latin typeface="+mn-lt"/>
+                <a:ea typeface="+mn-ea"/>
+                <a:cs typeface="+mn-cs"/>
+              </a:defRPr>
+            </a:pPr>
+            <a:r>
+              <a:rPr lang="en-US" sz="3600" dirty="0">
+                <a:solidFill>
+                  <a:schemeClr val="bg1"/>
+                </a:solidFill>
+              </a:rPr>
+              <a:t>Je pre </a:t>
+            </a:r>
+            <a:r>
+              <a:rPr lang="en-US" sz="3600" dirty="0" err="1">
+                <a:solidFill>
+                  <a:schemeClr val="bg1"/>
+                </a:solidFill>
+              </a:rPr>
+              <a:t>Vás</a:t>
+            </a:r>
+            <a:r>
+              <a:rPr lang="en-US" sz="3600" dirty="0">
+                <a:solidFill>
+                  <a:schemeClr val="bg1"/>
+                </a:solidFill>
+              </a:rPr>
+              <a:t> </a:t>
+            </a:r>
+            <a:r>
+              <a:rPr lang="en-US" sz="3600" dirty="0" err="1">
+                <a:solidFill>
+                  <a:schemeClr val="bg1"/>
+                </a:solidFill>
+              </a:rPr>
+              <a:t>GlArchív</a:t>
+            </a:r>
+            <a:r>
+              <a:rPr lang="en-US" sz="3600" dirty="0">
+                <a:solidFill>
+                  <a:schemeClr val="bg1"/>
+                </a:solidFill>
+              </a:rPr>
+              <a:t> </a:t>
+            </a:r>
+            <a:r>
+              <a:rPr lang="en-US" sz="3600" dirty="0" err="1">
+                <a:solidFill>
+                  <a:schemeClr val="bg1"/>
+                </a:solidFill>
+              </a:rPr>
+              <a:t>užitočný</a:t>
+            </a:r>
+            <a:r>
+              <a:rPr lang="sk-SK" sz="3600" dirty="0">
+                <a:solidFill>
+                  <a:schemeClr val="bg1"/>
+                </a:solidFill>
+              </a:rPr>
+              <a:t>?</a:t>
+            </a:r>
+            <a:endParaRPr lang="en-US" sz="3600" dirty="0">
+              <a:solidFill>
+                <a:schemeClr val="bg1"/>
+              </a:solidFill>
+            </a:endParaRPr>
+          </a:p>
+        </c:rich>
+      </c:tx>
+      <c:layout/>
+      <c:overlay val="0"/>
+      <c:spPr>
+        <a:noFill/>
+        <a:ln>
+          <a:noFill/>
+        </a:ln>
+        <a:effectLst/>
+      </c:spPr>
+      <c:txPr>
+        <a:bodyPr rot="0" spcFirstLastPara="1" vertOverflow="ellipsis" vert="horz" wrap="square" anchor="ctr" anchorCtr="1"/>
+        <a:lstStyle/>
+        <a:p>
+          <a:pPr>
+            <a:defRPr sz="4400" b="0" i="0" u="none" strike="noStrike" kern="1200" spc="0" baseline="0">
+              <a:solidFill>
+                <a:schemeClr val="bg1"/>
+              </a:solidFill>
+              <a:latin typeface="+mn-lt"/>
+              <a:ea typeface="+mn-ea"/>
+              <a:cs typeface="+mn-cs"/>
+            </a:defRPr>
+          </a:pPr>
+          <a:endParaRPr lang="sk-SK"/>
+        </a:p>
+      </c:txPr>
+    </c:title>
+    <c:autoTitleDeleted val="0"/>
+    <c:plotArea>
+      <c:layout/>
+      <c:pieChart>
+        <c:varyColors val="1"/>
+        <c:ser>
+          <c:idx val="0"/>
+          <c:order val="0"/>
+          <c:tx>
+            <c:strRef>
+              <c:f>Hárok1!$B$1</c:f>
+              <c:strCache>
+                <c:ptCount val="1"/>
+                <c:pt idx="0">
+                  <c:v>Je pre Vás GlArchív užitočný</c:v>
+                </c:pt>
+              </c:strCache>
+            </c:strRef>
+          </c:tx>
+          <c:dPt>
+            <c:idx val="0"/>
+            <c:bubble3D val="0"/>
+            <c:spPr>
+              <a:solidFill>
+                <a:schemeClr val="accent1"/>
+              </a:solidFill>
+              <a:ln w="19050">
+                <a:solidFill>
+                  <a:schemeClr val="lt1"/>
+                </a:solidFill>
+              </a:ln>
+              <a:effectLst/>
+            </c:spPr>
+          </c:dPt>
+          <c:dPt>
+            <c:idx val="1"/>
+            <c:bubble3D val="0"/>
+            <c:spPr>
+              <a:solidFill>
+                <a:schemeClr val="accent2"/>
+              </a:solidFill>
+              <a:ln w="19050">
+                <a:solidFill>
+                  <a:schemeClr val="lt1"/>
+                </a:solidFill>
+              </a:ln>
+              <a:effectLst/>
+            </c:spPr>
+          </c:dPt>
+          <c:dLbls>
+            <c:spPr>
+              <a:noFill/>
+              <a:ln>
+                <a:noFill/>
+              </a:ln>
+              <a:effectLst/>
+            </c:spPr>
+            <c:txPr>
+              <a:bodyPr rot="0" spcFirstLastPara="1" vertOverflow="ellipsis" vert="horz" wrap="square" lIns="38100" tIns="19050" rIns="38100" bIns="19050" anchor="ctr" anchorCtr="1">
+                <a:spAutoFit/>
+              </a:bodyPr>
+              <a:lstStyle/>
+              <a:p>
+                <a:pPr>
+                  <a:defRPr sz="1197" b="0" i="0" u="none" strike="noStrike" kern="1200" baseline="0">
+                    <a:solidFill>
+                      <a:schemeClr val="tx1">
+                        <a:lumMod val="75000"/>
+                        <a:lumOff val="25000"/>
+                      </a:schemeClr>
+                    </a:solidFill>
+                    <a:latin typeface="+mn-lt"/>
+                    <a:ea typeface="+mn-ea"/>
+                    <a:cs typeface="+mn-cs"/>
+                  </a:defRPr>
+                </a:pPr>
+                <a:endParaRPr lang="sk-SK"/>
+              </a:p>
+            </c:txPr>
+            <c:showLegendKey val="0"/>
+            <c:showVal val="0"/>
+            <c:showCatName val="0"/>
+            <c:showSerName val="0"/>
+            <c:showPercent val="1"/>
+            <c:showBubbleSize val="0"/>
+            <c:showLeaderLines val="1"/>
+            <c:leaderLines>
+              <c:spPr>
+                <a:ln w="9525" cap="flat" cmpd="sng" algn="ctr">
+                  <a:solidFill>
+                    <a:schemeClr val="tx1">
+                      <a:lumMod val="35000"/>
+                      <a:lumOff val="65000"/>
+                    </a:schemeClr>
+                  </a:solidFill>
+                  <a:round/>
+                </a:ln>
+                <a:effectLst/>
+              </c:spPr>
+            </c:leaderLines>
+            <c:extLst xmlns:c16r2="http://schemas.microsoft.com/office/drawing/2015/06/chart">
+              <c:ext xmlns:c15="http://schemas.microsoft.com/office/drawing/2012/chart" uri="{CE6537A1-D6FC-4f65-9D91-7224C49458BB}">
+                <c15:layout/>
+              </c:ext>
+            </c:extLst>
+          </c:dLbls>
+          <c:cat>
+            <c:strRef>
+              <c:f>Hárok1!$A$2:$A$3</c:f>
+              <c:strCache>
+                <c:ptCount val="2"/>
+                <c:pt idx="0">
+                  <c:v>Áno</c:v>
+                </c:pt>
+                <c:pt idx="1">
+                  <c:v>Nie</c:v>
+                </c:pt>
+              </c:strCache>
+            </c:strRef>
+          </c:cat>
+          <c:val>
+            <c:numRef>
+              <c:f>Hárok1!$B$2:$B$3</c:f>
+              <c:numCache>
+                <c:formatCode>General</c:formatCode>
+                <c:ptCount val="2"/>
+                <c:pt idx="0">
+                  <c:v>18</c:v>
+                </c:pt>
+                <c:pt idx="1">
+                  <c:v>0</c:v>
+                </c:pt>
+              </c:numCache>
+            </c:numRef>
+          </c:val>
+          <c:extLst xmlns:c16r2="http://schemas.microsoft.com/office/drawing/2015/06/chart">
+            <c:ext xmlns:c16="http://schemas.microsoft.com/office/drawing/2014/chart" uri="{C3380CC4-5D6E-409C-BE32-E72D297353CC}">
+              <c16:uniqueId val="{00000000-51C6-47C6-8146-C3C92E26E979}"/>
+            </c:ext>
+          </c:extLst>
+        </c:ser>
+        <c:dLbls>
+          <c:showLegendKey val="0"/>
+          <c:showVal val="0"/>
+          <c:showCatName val="0"/>
+          <c:showSerName val="0"/>
+          <c:showPercent val="1"/>
+          <c:showBubbleSize val="0"/>
+          <c:showLeaderLines val="1"/>
+        </c:dLbls>
+        <c:firstSliceAng val="0"/>
+      </c:pieChart>
+      <c:spPr>
+        <a:noFill/>
+        <a:ln>
+          <a:noFill/>
+        </a:ln>
+        <a:effectLst/>
+      </c:spPr>
+    </c:plotArea>
+    <c:legend>
+      <c:legendPos val="t"/>
+      <c:layout/>
+      <c:overlay val="0"/>
+      <c:spPr>
+        <a:noFill/>
+        <a:ln>
+          <a:noFill/>
+        </a:ln>
+        <a:effectLst/>
+      </c:spPr>
+      <c:txPr>
+        <a:bodyPr rot="0" spcFirstLastPara="1" vertOverflow="ellipsis" vert="horz" wrap="square" anchor="ctr" anchorCtr="1"/>
+        <a:lstStyle/>
+        <a:p>
+          <a:pPr>
+            <a:defRPr sz="4800" b="0" i="0" u="none" strike="noStrike" kern="1200" baseline="0">
+              <a:solidFill>
+                <a:schemeClr val="bg1"/>
+              </a:solidFill>
+              <a:latin typeface="+mn-lt"/>
+              <a:ea typeface="+mn-ea"/>
+              <a:cs typeface="+mn-cs"/>
+            </a:defRPr>
+          </a:pPr>
+          <a:endParaRPr lang="sk-SK"/>
+        </a:p>
+      </c:txPr>
+    </c:legend>
+    <c:plotVisOnly val="1"/>
+    <c:dispBlanksAs val="gap"/>
+    <c:showDLblsOverMax val="0"/>
+    <c:extLst xmlns:c16r2="http://schemas.microsoft.com/office/drawing/2015/06/chart">
+      <c:ext xmlns:c16r3="http://schemas.microsoft.com/office/drawing/2017/03/chart" uri="{56B9EC1D-385E-4148-901F-78D8002777C0}">
+        <c16r3:dataDisplayOptions16>
+          <c16r3:dispNaAsBlank val="1"/>
+        </c16r3:dataDisplayOptions16>
+      </c:ext>
+    </c:extLst>
+  </c:chart>
+  <c:spPr>
+    <a:noFill/>
+    <a:ln>
+      <a:noFill/>
+    </a:ln>
+    <a:effectLst/>
+  </c:spPr>
+  <c:txPr>
+    <a:bodyPr/>
+    <a:lstStyle/>
+    <a:p>
+      <a:pPr>
+        <a:defRPr/>
+      </a:pPr>
+      <a:endParaRPr lang="sk-SK"/>
+    </a:p>
+  </c:txPr>
+  <c:externalData r:id="rId3">
+    <c:autoUpdate val="0"/>
+  </c:externalData>
+</c:chartSpace>
+</file>
+
+<file path=ppt/charts/chart2.xml><?xml version="1.0" encoding="utf-8"?>
+<c:chartSpace xmlns:c="http://schemas.openxmlformats.org/drawingml/2006/chart" xmlns:a="http://schemas.openxmlformats.org/drawingml/2006/main" xmlns:r="http://schemas.openxmlformats.org/officeDocument/2006/relationships">
+  <c:date1904 val="0"/>
+  <c:lang val="sk-SK"/>
+  <c:roundedCorners val="0"/>
+  <mc:AlternateContent xmlns:mc="http://schemas.openxmlformats.org/markup-compatibility/2006">
+    <mc:Choice xmlns:c14="http://schemas.microsoft.com/office/drawing/2007/8/2/chart" Requires="c14">
+      <c14:style val="102"/>
+    </mc:Choice>
+    <mc:Fallback>
+      <c:style val="2"/>
+    </mc:Fallback>
+  </mc:AlternateContent>
+  <c:chart>
+    <c:title>
+      <c:tx>
+        <c:rich>
+          <a:bodyPr rot="0" spcFirstLastPara="1" vertOverflow="ellipsis" vert="horz" wrap="square" anchor="ctr" anchorCtr="1"/>
+          <a:lstStyle/>
+          <a:p>
+            <a:pPr>
+              <a:defRPr sz="4400" b="0" i="0" u="none" strike="noStrike" kern="1200" spc="0" baseline="0">
+                <a:solidFill>
+                  <a:schemeClr val="bg1"/>
+                </a:solidFill>
+                <a:latin typeface="+mn-lt"/>
+                <a:ea typeface="+mn-ea"/>
+                <a:cs typeface="+mn-cs"/>
+              </a:defRPr>
+            </a:pPr>
+            <a:r>
+              <a:rPr lang="en-US" sz="3600" dirty="0" err="1">
+                <a:solidFill>
+                  <a:schemeClr val="bg1"/>
+                </a:solidFill>
+              </a:rPr>
+              <a:t>Ako</a:t>
+            </a:r>
+            <a:r>
+              <a:rPr lang="en-US" sz="3600" dirty="0">
+                <a:solidFill>
+                  <a:schemeClr val="bg1"/>
+                </a:solidFill>
+              </a:rPr>
+              <a:t> </a:t>
+            </a:r>
+            <a:r>
+              <a:rPr lang="en-US" sz="3600" dirty="0" err="1">
+                <a:solidFill>
+                  <a:schemeClr val="bg1"/>
+                </a:solidFill>
+              </a:rPr>
+              <a:t>často</a:t>
+            </a:r>
+            <a:r>
+              <a:rPr lang="en-US" sz="3600" dirty="0">
+                <a:solidFill>
+                  <a:schemeClr val="bg1"/>
+                </a:solidFill>
+              </a:rPr>
+              <a:t> </a:t>
+            </a:r>
+            <a:r>
+              <a:rPr lang="en-US" sz="3600" dirty="0" err="1">
+                <a:solidFill>
+                  <a:schemeClr val="bg1"/>
+                </a:solidFill>
+              </a:rPr>
+              <a:t>využívate</a:t>
+            </a:r>
+            <a:r>
+              <a:rPr lang="en-US" sz="3600" dirty="0">
+                <a:solidFill>
+                  <a:schemeClr val="bg1"/>
+                </a:solidFill>
+              </a:rPr>
+              <a:t> </a:t>
+            </a:r>
+            <a:r>
+              <a:rPr lang="en-US" sz="3600" dirty="0" err="1">
+                <a:solidFill>
+                  <a:schemeClr val="bg1"/>
+                </a:solidFill>
+              </a:rPr>
+              <a:t>GlArchív</a:t>
+            </a:r>
+            <a:r>
+              <a:rPr lang="sk-SK" sz="3600" dirty="0">
+                <a:solidFill>
+                  <a:schemeClr val="bg1"/>
+                </a:solidFill>
+              </a:rPr>
+              <a:t>?</a:t>
+            </a:r>
+            <a:endParaRPr lang="en-US" sz="3600" dirty="0">
+              <a:solidFill>
+                <a:schemeClr val="bg1"/>
+              </a:solidFill>
+            </a:endParaRPr>
+          </a:p>
+        </c:rich>
+      </c:tx>
+      <c:layout/>
+      <c:overlay val="0"/>
+      <c:spPr>
+        <a:noFill/>
+        <a:ln>
+          <a:noFill/>
+        </a:ln>
+        <a:effectLst/>
+      </c:spPr>
+      <c:txPr>
+        <a:bodyPr rot="0" spcFirstLastPara="1" vertOverflow="ellipsis" vert="horz" wrap="square" anchor="ctr" anchorCtr="1"/>
+        <a:lstStyle/>
+        <a:p>
+          <a:pPr>
+            <a:defRPr sz="4400" b="0" i="0" u="none" strike="noStrike" kern="1200" spc="0" baseline="0">
+              <a:solidFill>
+                <a:schemeClr val="bg1"/>
+              </a:solidFill>
+              <a:latin typeface="+mn-lt"/>
+              <a:ea typeface="+mn-ea"/>
+              <a:cs typeface="+mn-cs"/>
+            </a:defRPr>
+          </a:pPr>
+          <a:endParaRPr lang="sk-SK"/>
+        </a:p>
+      </c:txPr>
+    </c:title>
+    <c:autoTitleDeleted val="0"/>
+    <c:plotArea>
+      <c:layout/>
+      <c:pieChart>
+        <c:varyColors val="1"/>
+        <c:ser>
+          <c:idx val="0"/>
+          <c:order val="0"/>
+          <c:tx>
+            <c:strRef>
+              <c:f>Hárok1!$B$1</c:f>
+              <c:strCache>
+                <c:ptCount val="1"/>
+                <c:pt idx="0">
+                  <c:v>Ako často využívate GlArchív</c:v>
+                </c:pt>
+              </c:strCache>
+            </c:strRef>
+          </c:tx>
+          <c:dPt>
+            <c:idx val="0"/>
+            <c:bubble3D val="0"/>
+            <c:spPr>
+              <a:solidFill>
+                <a:schemeClr val="accent1"/>
+              </a:solidFill>
+              <a:ln w="19050">
+                <a:solidFill>
+                  <a:schemeClr val="lt1"/>
+                </a:solidFill>
+              </a:ln>
+              <a:effectLst/>
+            </c:spPr>
+            <c:extLst xmlns:c16r2="http://schemas.microsoft.com/office/drawing/2015/06/chart">
+              <c:ext xmlns:c16="http://schemas.microsoft.com/office/drawing/2014/chart" uri="{C3380CC4-5D6E-409C-BE32-E72D297353CC}">
+                <c16:uniqueId val="{00000001-55DF-41AA-A29E-B6732B872189}"/>
+              </c:ext>
+            </c:extLst>
+          </c:dPt>
+          <c:dPt>
+            <c:idx val="1"/>
+            <c:bubble3D val="0"/>
+            <c:spPr>
+              <a:solidFill>
+                <a:schemeClr val="accent2"/>
+              </a:solidFill>
+              <a:ln w="19050">
+                <a:solidFill>
+                  <a:schemeClr val="lt1"/>
+                </a:solidFill>
+              </a:ln>
+              <a:effectLst/>
+            </c:spPr>
+            <c:extLst xmlns:c16r2="http://schemas.microsoft.com/office/drawing/2015/06/chart">
+              <c:ext xmlns:c16="http://schemas.microsoft.com/office/drawing/2014/chart" uri="{C3380CC4-5D6E-409C-BE32-E72D297353CC}">
+                <c16:uniqueId val="{00000003-55DF-41AA-A29E-B6732B872189}"/>
+              </c:ext>
+            </c:extLst>
+          </c:dPt>
+          <c:dLbls>
+            <c:spPr>
+              <a:noFill/>
+              <a:ln>
+                <a:noFill/>
+              </a:ln>
+              <a:effectLst/>
+            </c:spPr>
+            <c:txPr>
+              <a:bodyPr rot="0" spcFirstLastPara="1" vertOverflow="ellipsis" vert="horz" wrap="square" lIns="38100" tIns="19050" rIns="38100" bIns="19050" anchor="ctr" anchorCtr="1">
+                <a:spAutoFit/>
+              </a:bodyPr>
+              <a:lstStyle/>
+              <a:p>
+                <a:pPr>
+                  <a:defRPr sz="1197" b="0" i="0" u="none" strike="noStrike" kern="1200" baseline="0">
+                    <a:solidFill>
+                      <a:schemeClr val="tx1">
+                        <a:lumMod val="75000"/>
+                        <a:lumOff val="25000"/>
+                      </a:schemeClr>
+                    </a:solidFill>
+                    <a:latin typeface="+mn-lt"/>
+                    <a:ea typeface="+mn-ea"/>
+                    <a:cs typeface="+mn-cs"/>
+                  </a:defRPr>
+                </a:pPr>
+                <a:endParaRPr lang="sk-SK"/>
+              </a:p>
+            </c:txPr>
+            <c:showLegendKey val="0"/>
+            <c:showVal val="0"/>
+            <c:showCatName val="0"/>
+            <c:showSerName val="0"/>
+            <c:showPercent val="1"/>
+            <c:showBubbleSize val="0"/>
+            <c:showLeaderLines val="1"/>
+            <c:leaderLines>
+              <c:spPr>
+                <a:ln w="9525" cap="flat" cmpd="sng" algn="ctr">
+                  <a:solidFill>
+                    <a:schemeClr val="tx1">
+                      <a:lumMod val="35000"/>
+                      <a:lumOff val="65000"/>
+                    </a:schemeClr>
+                  </a:solidFill>
+                  <a:round/>
+                </a:ln>
+                <a:effectLst/>
+              </c:spPr>
+            </c:leaderLines>
+            <c:extLst xmlns:c16r2="http://schemas.microsoft.com/office/drawing/2015/06/chart">
+              <c:ext xmlns:c15="http://schemas.microsoft.com/office/drawing/2012/chart" uri="{CE6537A1-D6FC-4f65-9D91-7224C49458BB}">
+                <c15:layout/>
+              </c:ext>
+            </c:extLst>
+          </c:dLbls>
+          <c:cat>
+            <c:strRef>
+              <c:f>Hárok1!$A$2:$A$3</c:f>
+              <c:strCache>
+                <c:ptCount val="2"/>
+                <c:pt idx="0">
+                  <c:v>Každý deň</c:v>
+                </c:pt>
+                <c:pt idx="1">
+                  <c:v>Menej často</c:v>
+                </c:pt>
+              </c:strCache>
+            </c:strRef>
+          </c:cat>
+          <c:val>
+            <c:numRef>
+              <c:f>Hárok1!$B$2:$B$3</c:f>
+              <c:numCache>
+                <c:formatCode>General</c:formatCode>
+                <c:ptCount val="2"/>
+                <c:pt idx="0">
+                  <c:v>14</c:v>
+                </c:pt>
+                <c:pt idx="1">
+                  <c:v>4</c:v>
+                </c:pt>
+              </c:numCache>
+            </c:numRef>
+          </c:val>
+          <c:extLst xmlns:c16r2="http://schemas.microsoft.com/office/drawing/2015/06/chart">
+            <c:ext xmlns:c16="http://schemas.microsoft.com/office/drawing/2014/chart" uri="{C3380CC4-5D6E-409C-BE32-E72D297353CC}">
+              <c16:uniqueId val="{00000004-55DF-41AA-A29E-B6732B872189}"/>
+            </c:ext>
+          </c:extLst>
+        </c:ser>
+        <c:dLbls>
+          <c:showLegendKey val="0"/>
+          <c:showVal val="0"/>
+          <c:showCatName val="0"/>
+          <c:showSerName val="0"/>
+          <c:showPercent val="1"/>
+          <c:showBubbleSize val="0"/>
+          <c:showLeaderLines val="1"/>
+        </c:dLbls>
+        <c:firstSliceAng val="0"/>
+      </c:pieChart>
+      <c:spPr>
+        <a:noFill/>
+        <a:ln>
+          <a:noFill/>
+        </a:ln>
+        <a:effectLst/>
+      </c:spPr>
+    </c:plotArea>
+    <c:legend>
+      <c:legendPos val="t"/>
+      <c:layout/>
+      <c:overlay val="0"/>
+      <c:spPr>
+        <a:noFill/>
+        <a:ln>
+          <a:noFill/>
+        </a:ln>
+        <a:effectLst/>
+      </c:spPr>
+      <c:txPr>
+        <a:bodyPr rot="0" spcFirstLastPara="1" vertOverflow="ellipsis" vert="horz" wrap="square" anchor="ctr" anchorCtr="1"/>
+        <a:lstStyle/>
+        <a:p>
+          <a:pPr>
+            <a:defRPr sz="4800" b="0" i="0" u="none" strike="noStrike" kern="1200" baseline="0">
+              <a:solidFill>
+                <a:schemeClr val="bg1"/>
+              </a:solidFill>
+              <a:latin typeface="+mn-lt"/>
+              <a:ea typeface="+mn-ea"/>
+              <a:cs typeface="+mn-cs"/>
+            </a:defRPr>
+          </a:pPr>
+          <a:endParaRPr lang="sk-SK"/>
+        </a:p>
+      </c:txPr>
+    </c:legend>
+    <c:plotVisOnly val="1"/>
+    <c:dispBlanksAs val="gap"/>
+    <c:showDLblsOverMax val="0"/>
+    <c:extLst xmlns:c16r2="http://schemas.microsoft.com/office/drawing/2015/06/chart">
+      <c:ext xmlns:c16r3="http://schemas.microsoft.com/office/drawing/2017/03/chart" uri="{56B9EC1D-385E-4148-901F-78D8002777C0}">
+        <c16r3:dataDisplayOptions16>
+          <c16r3:dispNaAsBlank val="1"/>
+        </c16r3:dataDisplayOptions16>
+      </c:ext>
+    </c:extLst>
+  </c:chart>
+  <c:spPr>
+    <a:noFill/>
+    <a:ln>
+      <a:noFill/>
+    </a:ln>
+    <a:effectLst/>
+  </c:spPr>
+  <c:txPr>
+    <a:bodyPr/>
+    <a:lstStyle/>
+    <a:p>
+      <a:pPr>
+        <a:defRPr/>
+      </a:pPr>
+      <a:endParaRPr lang="sk-SK"/>
+    </a:p>
+  </c:txPr>
+  <c:externalData r:id="rId3">
+    <c:autoUpdate val="0"/>
+  </c:externalData>
+</c:chartSpace>
+</file>
+
+<file path=ppt/charts/chart3.xml><?xml version="1.0" encoding="utf-8"?>
+<c:chartSpace xmlns:c="http://schemas.openxmlformats.org/drawingml/2006/chart" xmlns:a="http://schemas.openxmlformats.org/drawingml/2006/main" xmlns:r="http://schemas.openxmlformats.org/officeDocument/2006/relationships">
+  <c:date1904 val="0"/>
+  <c:lang val="sk-SK"/>
+  <c:roundedCorners val="0"/>
+  <mc:AlternateContent xmlns:mc="http://schemas.openxmlformats.org/markup-compatibility/2006">
+    <mc:Choice xmlns:c14="http://schemas.microsoft.com/office/drawing/2007/8/2/chart" Requires="c14">
+      <c14:style val="102"/>
+    </mc:Choice>
+    <mc:Fallback>
+      <c:style val="2"/>
+    </mc:Fallback>
+  </mc:AlternateContent>
+  <c:chart>
+    <c:title>
+      <c:tx>
+        <c:rich>
+          <a:bodyPr rot="0" spcFirstLastPara="1" vertOverflow="ellipsis" vert="horz" wrap="square" anchor="ctr" anchorCtr="1"/>
+          <a:lstStyle/>
+          <a:p>
+            <a:pPr>
+              <a:defRPr sz="3200" b="0" i="0" u="none" strike="noStrike" kern="1200" spc="0" baseline="0">
+                <a:solidFill>
+                  <a:schemeClr val="bg1"/>
+                </a:solidFill>
+                <a:latin typeface="+mn-lt"/>
+                <a:ea typeface="+mn-ea"/>
+                <a:cs typeface="+mn-cs"/>
+              </a:defRPr>
+            </a:pPr>
+            <a:r>
+              <a:rPr lang="sk-SK" sz="3200" dirty="0">
+                <a:solidFill>
+                  <a:schemeClr val="bg1"/>
+                </a:solidFill>
+              </a:rPr>
+              <a:t>Nájdete na stránke </a:t>
+            </a:r>
+            <a:r>
+              <a:rPr lang="sk-SK" sz="3200" dirty="0" smtClean="0">
+                <a:solidFill>
+                  <a:schemeClr val="bg1"/>
+                </a:solidFill>
+              </a:rPr>
+              <a:t>všetko</a:t>
+            </a:r>
+            <a:r>
+              <a:rPr lang="sk-SK" sz="3200" baseline="0" dirty="0" smtClean="0">
+                <a:solidFill>
+                  <a:schemeClr val="bg1"/>
+                </a:solidFill>
+              </a:rPr>
+              <a:t>, čo </a:t>
+            </a:r>
+            <a:r>
+              <a:rPr lang="sk-SK" sz="3200" baseline="0" dirty="0">
+                <a:solidFill>
+                  <a:schemeClr val="bg1"/>
+                </a:solidFill>
+              </a:rPr>
+              <a:t>hľadáte?</a:t>
+            </a:r>
+            <a:endParaRPr lang="en-US" sz="3200" dirty="0">
+              <a:solidFill>
+                <a:schemeClr val="bg1"/>
+              </a:solidFill>
+            </a:endParaRPr>
+          </a:p>
+        </c:rich>
+      </c:tx>
+      <c:layout/>
+      <c:overlay val="0"/>
+      <c:spPr>
+        <a:noFill/>
+        <a:ln>
+          <a:noFill/>
+        </a:ln>
+        <a:effectLst/>
+      </c:spPr>
+      <c:txPr>
+        <a:bodyPr rot="0" spcFirstLastPara="1" vertOverflow="ellipsis" vert="horz" wrap="square" anchor="ctr" anchorCtr="1"/>
+        <a:lstStyle/>
+        <a:p>
+          <a:pPr>
+            <a:defRPr sz="3200" b="0" i="0" u="none" strike="noStrike" kern="1200" spc="0" baseline="0">
+              <a:solidFill>
+                <a:schemeClr val="bg1"/>
+              </a:solidFill>
+              <a:latin typeface="+mn-lt"/>
+              <a:ea typeface="+mn-ea"/>
+              <a:cs typeface="+mn-cs"/>
+            </a:defRPr>
+          </a:pPr>
+          <a:endParaRPr lang="sk-SK"/>
+        </a:p>
+      </c:txPr>
+    </c:title>
+    <c:autoTitleDeleted val="0"/>
+    <c:plotArea>
+      <c:layout/>
+      <c:pieChart>
+        <c:varyColors val="1"/>
+        <c:ser>
+          <c:idx val="0"/>
+          <c:order val="0"/>
+          <c:tx>
+            <c:strRef>
+              <c:f>Hárok1!$B$1</c:f>
+              <c:strCache>
+                <c:ptCount val="1"/>
+                <c:pt idx="0">
+                  <c:v>Je pre Vás GlArchív užitočný</c:v>
+                </c:pt>
+              </c:strCache>
+            </c:strRef>
+          </c:tx>
+          <c:dPt>
+            <c:idx val="0"/>
+            <c:bubble3D val="0"/>
+            <c:spPr>
+              <a:solidFill>
+                <a:schemeClr val="accent1"/>
+              </a:solidFill>
+              <a:ln w="19050">
+                <a:solidFill>
+                  <a:schemeClr val="lt1"/>
+                </a:solidFill>
+              </a:ln>
+              <a:effectLst/>
+            </c:spPr>
+            <c:extLst xmlns:c16r2="http://schemas.microsoft.com/office/drawing/2015/06/chart">
+              <c:ext xmlns:c16="http://schemas.microsoft.com/office/drawing/2014/chart" uri="{C3380CC4-5D6E-409C-BE32-E72D297353CC}">
+                <c16:uniqueId val="{00000001-0CC4-4A59-A24A-F4A15110FAE0}"/>
+              </c:ext>
+            </c:extLst>
+          </c:dPt>
+          <c:dPt>
+            <c:idx val="1"/>
+            <c:bubble3D val="0"/>
+            <c:spPr>
+              <a:solidFill>
+                <a:schemeClr val="accent2"/>
+              </a:solidFill>
+              <a:ln w="19050">
+                <a:solidFill>
+                  <a:schemeClr val="lt1"/>
+                </a:solidFill>
+              </a:ln>
+              <a:effectLst/>
+            </c:spPr>
+            <c:extLst xmlns:c16r2="http://schemas.microsoft.com/office/drawing/2015/06/chart">
+              <c:ext xmlns:c16="http://schemas.microsoft.com/office/drawing/2014/chart" uri="{C3380CC4-5D6E-409C-BE32-E72D297353CC}">
+                <c16:uniqueId val="{00000003-0CC4-4A59-A24A-F4A15110FAE0}"/>
+              </c:ext>
+            </c:extLst>
+          </c:dPt>
+          <c:dLbls>
+            <c:spPr>
+              <a:noFill/>
+              <a:ln>
+                <a:noFill/>
+              </a:ln>
+              <a:effectLst/>
+            </c:spPr>
+            <c:txPr>
+              <a:bodyPr rot="0" spcFirstLastPara="1" vertOverflow="ellipsis" vert="horz" wrap="square" lIns="38100" tIns="19050" rIns="38100" bIns="19050" anchor="ctr" anchorCtr="1">
+                <a:spAutoFit/>
+              </a:bodyPr>
+              <a:lstStyle/>
+              <a:p>
+                <a:pPr>
+                  <a:defRPr sz="1197" b="0" i="0" u="none" strike="noStrike" kern="1200" baseline="0">
+                    <a:solidFill>
+                      <a:schemeClr val="tx1">
+                        <a:lumMod val="75000"/>
+                        <a:lumOff val="25000"/>
+                      </a:schemeClr>
+                    </a:solidFill>
+                    <a:latin typeface="+mn-lt"/>
+                    <a:ea typeface="+mn-ea"/>
+                    <a:cs typeface="+mn-cs"/>
+                  </a:defRPr>
+                </a:pPr>
+                <a:endParaRPr lang="sk-SK"/>
+              </a:p>
+            </c:txPr>
+            <c:showLegendKey val="0"/>
+            <c:showVal val="0"/>
+            <c:showCatName val="0"/>
+            <c:showSerName val="0"/>
+            <c:showPercent val="1"/>
+            <c:showBubbleSize val="0"/>
+            <c:showLeaderLines val="1"/>
+            <c:leaderLines>
+              <c:spPr>
+                <a:ln w="9525" cap="flat" cmpd="sng" algn="ctr">
+                  <a:solidFill>
+                    <a:schemeClr val="tx1">
+                      <a:lumMod val="35000"/>
+                      <a:lumOff val="65000"/>
+                    </a:schemeClr>
+                  </a:solidFill>
+                  <a:round/>
+                </a:ln>
+                <a:effectLst/>
+              </c:spPr>
+            </c:leaderLines>
+            <c:extLst xmlns:c16r2="http://schemas.microsoft.com/office/drawing/2015/06/chart">
+              <c:ext xmlns:c15="http://schemas.microsoft.com/office/drawing/2012/chart" uri="{CE6537A1-D6FC-4f65-9D91-7224C49458BB}">
+                <c15:layout/>
+              </c:ext>
+            </c:extLst>
+          </c:dLbls>
+          <c:cat>
+            <c:strRef>
+              <c:f>Hárok1!$A$2:$A$3</c:f>
+              <c:strCache>
+                <c:ptCount val="2"/>
+                <c:pt idx="0">
+                  <c:v>Áno</c:v>
+                </c:pt>
+                <c:pt idx="1">
+                  <c:v>Nie</c:v>
+                </c:pt>
+              </c:strCache>
+            </c:strRef>
+          </c:cat>
+          <c:val>
+            <c:numRef>
+              <c:f>Hárok1!$B$2:$B$3</c:f>
+              <c:numCache>
+                <c:formatCode>General</c:formatCode>
+                <c:ptCount val="2"/>
+                <c:pt idx="0">
+                  <c:v>18</c:v>
+                </c:pt>
+                <c:pt idx="1">
+                  <c:v>0</c:v>
+                </c:pt>
+              </c:numCache>
+            </c:numRef>
+          </c:val>
+          <c:extLst xmlns:c16r2="http://schemas.microsoft.com/office/drawing/2015/06/chart">
+            <c:ext xmlns:c16="http://schemas.microsoft.com/office/drawing/2014/chart" uri="{C3380CC4-5D6E-409C-BE32-E72D297353CC}">
+              <c16:uniqueId val="{00000000-51C6-47C6-8146-C3C92E26E979}"/>
+            </c:ext>
+          </c:extLst>
+        </c:ser>
+        <c:dLbls>
+          <c:showLegendKey val="0"/>
+          <c:showVal val="0"/>
+          <c:showCatName val="0"/>
+          <c:showSerName val="0"/>
+          <c:showPercent val="1"/>
+          <c:showBubbleSize val="0"/>
+          <c:showLeaderLines val="1"/>
+        </c:dLbls>
+        <c:firstSliceAng val="0"/>
+      </c:pieChart>
+      <c:spPr>
+        <a:noFill/>
+        <a:ln>
+          <a:noFill/>
+        </a:ln>
+        <a:effectLst/>
+      </c:spPr>
+    </c:plotArea>
+    <c:legend>
+      <c:legendPos val="t"/>
+      <c:layout/>
+      <c:overlay val="0"/>
+      <c:spPr>
+        <a:noFill/>
+        <a:ln>
+          <a:noFill/>
+        </a:ln>
+        <a:effectLst/>
+      </c:spPr>
+      <c:txPr>
+        <a:bodyPr rot="0" spcFirstLastPara="1" vertOverflow="ellipsis" vert="horz" wrap="square" anchor="ctr" anchorCtr="1"/>
+        <a:lstStyle/>
+        <a:p>
+          <a:pPr>
+            <a:defRPr sz="4800" b="0" i="0" u="none" strike="noStrike" kern="1200" baseline="0">
+              <a:solidFill>
+                <a:schemeClr val="bg1"/>
+              </a:solidFill>
+              <a:latin typeface="+mn-lt"/>
+              <a:ea typeface="+mn-ea"/>
+              <a:cs typeface="+mn-cs"/>
+            </a:defRPr>
+          </a:pPr>
+          <a:endParaRPr lang="sk-SK"/>
+        </a:p>
+      </c:txPr>
+    </c:legend>
+    <c:plotVisOnly val="1"/>
+    <c:dispBlanksAs val="gap"/>
+    <c:showDLblsOverMax val="0"/>
+    <c:extLst xmlns:c16r2="http://schemas.microsoft.com/office/drawing/2015/06/chart">
+      <c:ext xmlns:c16r3="http://schemas.microsoft.com/office/drawing/2017/03/chart" uri="{56B9EC1D-385E-4148-901F-78D8002777C0}">
+        <c16r3:dataDisplayOptions16>
+          <c16r3:dispNaAsBlank val="1"/>
+        </c16r3:dataDisplayOptions16>
+      </c:ext>
+    </c:extLst>
+  </c:chart>
+  <c:spPr>
+    <a:noFill/>
+    <a:ln>
+      <a:noFill/>
+    </a:ln>
+    <a:effectLst/>
+  </c:spPr>
+  <c:txPr>
+    <a:bodyPr/>
+    <a:lstStyle/>
+    <a:p>
+      <a:pPr>
+        <a:defRPr/>
+      </a:pPr>
+      <a:endParaRPr lang="sk-SK"/>
+    </a:p>
+  </c:txPr>
+  <c:externalData r:id="rId3">
+    <c:autoUpdate val="0"/>
+  </c:externalData>
+</c:chartSpace>
+</file>
+
+<file path=ppt/charts/chart4.xml><?xml version="1.0" encoding="utf-8"?>
+<c:chartSpace xmlns:c="http://schemas.openxmlformats.org/drawingml/2006/chart" xmlns:a="http://schemas.openxmlformats.org/drawingml/2006/main" xmlns:r="http://schemas.openxmlformats.org/officeDocument/2006/relationships">
+  <c:date1904 val="0"/>
+  <c:lang val="sk-SK"/>
+  <c:roundedCorners val="0"/>
+  <mc:AlternateContent xmlns:mc="http://schemas.openxmlformats.org/markup-compatibility/2006">
+    <mc:Choice xmlns:c14="http://schemas.microsoft.com/office/drawing/2007/8/2/chart" Requires="c14">
+      <c14:style val="102"/>
+    </mc:Choice>
+    <mc:Fallback>
+      <c:style val="2"/>
+    </mc:Fallback>
+  </mc:AlternateContent>
+  <c:chart>
+    <c:title>
+      <c:tx>
+        <c:rich>
+          <a:bodyPr rot="0" spcFirstLastPara="1" vertOverflow="ellipsis" vert="horz" wrap="square" anchor="ctr" anchorCtr="1"/>
+          <a:lstStyle/>
+          <a:p>
+            <a:pPr>
+              <a:defRPr sz="3600" b="0" i="0" u="none" strike="noStrike" kern="1200" spc="0" baseline="0">
+                <a:solidFill>
+                  <a:schemeClr val="bg1"/>
+                </a:solidFill>
+                <a:latin typeface="+mn-lt"/>
+                <a:ea typeface="+mn-ea"/>
+                <a:cs typeface="+mn-cs"/>
+              </a:defRPr>
+            </a:pPr>
+            <a:r>
+              <a:rPr lang="sk-SK" sz="3200" noProof="0" dirty="0">
+                <a:solidFill>
+                  <a:schemeClr val="bg1"/>
+                </a:solidFill>
+              </a:rPr>
+              <a:t>Je v poznámkach</a:t>
+            </a:r>
+            <a:r>
+              <a:rPr lang="sk-SK" sz="3200" baseline="0" noProof="0" dirty="0">
+                <a:solidFill>
+                  <a:schemeClr val="bg1"/>
+                </a:solidFill>
+              </a:rPr>
+              <a:t> na stránke </a:t>
+            </a:r>
+            <a:r>
+              <a:rPr lang="sk-SK" sz="3200" baseline="0" noProof="0" dirty="0" smtClean="0">
+                <a:solidFill>
+                  <a:schemeClr val="bg1"/>
+                </a:solidFill>
+              </a:rPr>
+              <a:t>všetko, </a:t>
+            </a:r>
+            <a:r>
+              <a:rPr lang="sk-SK" sz="3200" baseline="0" noProof="0" dirty="0">
+                <a:solidFill>
+                  <a:schemeClr val="bg1"/>
+                </a:solidFill>
+              </a:rPr>
+              <a:t>čo bolo na hodinu potrebné?</a:t>
+            </a:r>
+            <a:endParaRPr lang="sk-SK" sz="3200" noProof="0" dirty="0">
+              <a:solidFill>
+                <a:schemeClr val="bg1"/>
+              </a:solidFill>
+            </a:endParaRPr>
+          </a:p>
+        </c:rich>
+      </c:tx>
+      <c:layout>
+        <c:manualLayout>
+          <c:xMode val="edge"/>
+          <c:yMode val="edge"/>
+          <c:x val="2.5585740896816551E-2"/>
+          <c:y val="9.5966777575403145E-2"/>
+        </c:manualLayout>
+      </c:layout>
+      <c:overlay val="0"/>
+      <c:spPr>
+        <a:noFill/>
+        <a:ln>
+          <a:noFill/>
+        </a:ln>
+        <a:effectLst/>
+      </c:spPr>
+      <c:txPr>
+        <a:bodyPr rot="0" spcFirstLastPara="1" vertOverflow="ellipsis" vert="horz" wrap="square" anchor="ctr" anchorCtr="1"/>
+        <a:lstStyle/>
+        <a:p>
+          <a:pPr>
+            <a:defRPr sz="3600" b="0" i="0" u="none" strike="noStrike" kern="1200" spc="0" baseline="0">
+              <a:solidFill>
+                <a:schemeClr val="bg1"/>
+              </a:solidFill>
+              <a:latin typeface="+mn-lt"/>
+              <a:ea typeface="+mn-ea"/>
+              <a:cs typeface="+mn-cs"/>
+            </a:defRPr>
+          </a:pPr>
+          <a:endParaRPr lang="sk-SK"/>
+        </a:p>
+      </c:txPr>
+    </c:title>
+    <c:autoTitleDeleted val="0"/>
+    <c:plotArea>
+      <c:layout/>
+      <c:pieChart>
+        <c:varyColors val="1"/>
+        <c:ser>
+          <c:idx val="0"/>
+          <c:order val="0"/>
+          <c:tx>
+            <c:strRef>
+              <c:f>Hárok1!$B$1</c:f>
+              <c:strCache>
+                <c:ptCount val="1"/>
+                <c:pt idx="0">
+                  <c:v>Je pre Vás GlArchív užitočný</c:v>
+                </c:pt>
+              </c:strCache>
+            </c:strRef>
+          </c:tx>
+          <c:dPt>
+            <c:idx val="0"/>
+            <c:bubble3D val="0"/>
+            <c:spPr>
+              <a:solidFill>
+                <a:schemeClr val="accent1"/>
+              </a:solidFill>
+              <a:ln w="19050">
+                <a:solidFill>
+                  <a:schemeClr val="lt1"/>
+                </a:solidFill>
+              </a:ln>
+              <a:effectLst/>
+            </c:spPr>
+            <c:extLst xmlns:c16r2="http://schemas.microsoft.com/office/drawing/2015/06/chart">
+              <c:ext xmlns:c16="http://schemas.microsoft.com/office/drawing/2014/chart" uri="{C3380CC4-5D6E-409C-BE32-E72D297353CC}">
+                <c16:uniqueId val="{00000001-0CC4-4A59-A24A-F4A15110FAE0}"/>
+              </c:ext>
+            </c:extLst>
+          </c:dPt>
+          <c:dPt>
+            <c:idx val="1"/>
+            <c:bubble3D val="0"/>
+            <c:spPr>
+              <a:solidFill>
+                <a:schemeClr val="accent2"/>
+              </a:solidFill>
+              <a:ln w="19050">
+                <a:solidFill>
+                  <a:schemeClr val="lt1"/>
+                </a:solidFill>
+              </a:ln>
+              <a:effectLst/>
+            </c:spPr>
+            <c:extLst xmlns:c16r2="http://schemas.microsoft.com/office/drawing/2015/06/chart">
+              <c:ext xmlns:c16="http://schemas.microsoft.com/office/drawing/2014/chart" uri="{C3380CC4-5D6E-409C-BE32-E72D297353CC}">
+                <c16:uniqueId val="{00000003-0CC4-4A59-A24A-F4A15110FAE0}"/>
+              </c:ext>
+            </c:extLst>
+          </c:dPt>
+          <c:dLbls>
+            <c:spPr>
+              <a:noFill/>
+              <a:ln>
+                <a:noFill/>
+              </a:ln>
+              <a:effectLst/>
+            </c:spPr>
+            <c:txPr>
+              <a:bodyPr rot="0" spcFirstLastPara="1" vertOverflow="ellipsis" vert="horz" wrap="square" lIns="38100" tIns="19050" rIns="38100" bIns="19050" anchor="ctr" anchorCtr="1">
+                <a:spAutoFit/>
+              </a:bodyPr>
+              <a:lstStyle/>
+              <a:p>
+                <a:pPr>
+                  <a:defRPr sz="1197" b="0" i="0" u="none" strike="noStrike" kern="1200" baseline="0">
+                    <a:solidFill>
+                      <a:schemeClr val="tx1">
+                        <a:lumMod val="75000"/>
+                        <a:lumOff val="25000"/>
+                      </a:schemeClr>
+                    </a:solidFill>
+                    <a:latin typeface="+mn-lt"/>
+                    <a:ea typeface="+mn-ea"/>
+                    <a:cs typeface="+mn-cs"/>
+                  </a:defRPr>
+                </a:pPr>
+                <a:endParaRPr lang="sk-SK"/>
+              </a:p>
+            </c:txPr>
+            <c:showLegendKey val="0"/>
+            <c:showVal val="0"/>
+            <c:showCatName val="0"/>
+            <c:showSerName val="0"/>
+            <c:showPercent val="1"/>
+            <c:showBubbleSize val="0"/>
+            <c:showLeaderLines val="1"/>
+            <c:leaderLines>
+              <c:spPr>
+                <a:ln w="9525" cap="flat" cmpd="sng" algn="ctr">
+                  <a:solidFill>
+                    <a:schemeClr val="tx1">
+                      <a:lumMod val="35000"/>
+                      <a:lumOff val="65000"/>
+                    </a:schemeClr>
+                  </a:solidFill>
+                  <a:round/>
+                </a:ln>
+                <a:effectLst/>
+              </c:spPr>
+            </c:leaderLines>
+            <c:extLst xmlns:c16r2="http://schemas.microsoft.com/office/drawing/2015/06/chart">
+              <c:ext xmlns:c15="http://schemas.microsoft.com/office/drawing/2012/chart" uri="{CE6537A1-D6FC-4f65-9D91-7224C49458BB}">
+                <c15:layout/>
+              </c:ext>
+            </c:extLst>
+          </c:dLbls>
+          <c:cat>
+            <c:strRef>
+              <c:f>Hárok1!$A$2:$A$3</c:f>
+              <c:strCache>
+                <c:ptCount val="2"/>
+                <c:pt idx="0">
+                  <c:v>Áno</c:v>
+                </c:pt>
+                <c:pt idx="1">
+                  <c:v>Nie</c:v>
+                </c:pt>
+              </c:strCache>
+            </c:strRef>
+          </c:cat>
+          <c:val>
+            <c:numRef>
+              <c:f>Hárok1!$B$2:$B$3</c:f>
+              <c:numCache>
+                <c:formatCode>General</c:formatCode>
+                <c:ptCount val="2"/>
+                <c:pt idx="0">
+                  <c:v>18</c:v>
+                </c:pt>
+                <c:pt idx="1">
+                  <c:v>0</c:v>
+                </c:pt>
+              </c:numCache>
+            </c:numRef>
+          </c:val>
+          <c:extLst xmlns:c16r2="http://schemas.microsoft.com/office/drawing/2015/06/chart">
+            <c:ext xmlns:c16="http://schemas.microsoft.com/office/drawing/2014/chart" uri="{C3380CC4-5D6E-409C-BE32-E72D297353CC}">
+              <c16:uniqueId val="{00000000-51C6-47C6-8146-C3C92E26E979}"/>
+            </c:ext>
+          </c:extLst>
+        </c:ser>
+        <c:dLbls>
+          <c:showLegendKey val="0"/>
+          <c:showVal val="0"/>
+          <c:showCatName val="0"/>
+          <c:showSerName val="0"/>
+          <c:showPercent val="1"/>
+          <c:showBubbleSize val="0"/>
+          <c:showLeaderLines val="1"/>
+        </c:dLbls>
+        <c:firstSliceAng val="0"/>
+      </c:pieChart>
+      <c:spPr>
+        <a:noFill/>
+        <a:ln>
+          <a:noFill/>
+        </a:ln>
+        <a:effectLst/>
+      </c:spPr>
+    </c:plotArea>
+    <c:legend>
+      <c:legendPos val="t"/>
+      <c:layout/>
+      <c:overlay val="0"/>
+      <c:spPr>
+        <a:noFill/>
+        <a:ln>
+          <a:noFill/>
+        </a:ln>
+        <a:effectLst/>
+      </c:spPr>
+      <c:txPr>
+        <a:bodyPr rot="0" spcFirstLastPara="1" vertOverflow="ellipsis" vert="horz" wrap="square" anchor="ctr" anchorCtr="1"/>
+        <a:lstStyle/>
+        <a:p>
+          <a:pPr>
+            <a:defRPr sz="3600" b="0" i="0" u="none" strike="noStrike" kern="1200" baseline="0">
+              <a:solidFill>
+                <a:schemeClr val="bg1"/>
+              </a:solidFill>
+              <a:latin typeface="+mn-lt"/>
+              <a:ea typeface="+mn-ea"/>
+              <a:cs typeface="+mn-cs"/>
+            </a:defRPr>
+          </a:pPr>
+          <a:endParaRPr lang="sk-SK"/>
+        </a:p>
+      </c:txPr>
+    </c:legend>
+    <c:plotVisOnly val="1"/>
+    <c:dispBlanksAs val="gap"/>
+    <c:showDLblsOverMax val="0"/>
+    <c:extLst xmlns:c16r2="http://schemas.microsoft.com/office/drawing/2015/06/chart">
+      <c:ext xmlns:c16r3="http://schemas.microsoft.com/office/drawing/2017/03/chart" uri="{56B9EC1D-385E-4148-901F-78D8002777C0}">
+        <c16r3:dataDisplayOptions16>
+          <c16r3:dispNaAsBlank val="1"/>
+        </c16r3:dataDisplayOptions16>
+      </c:ext>
+    </c:extLst>
+  </c:chart>
+  <c:spPr>
+    <a:noFill/>
+    <a:ln>
+      <a:noFill/>
+    </a:ln>
+    <a:effectLst/>
+  </c:spPr>
+  <c:txPr>
+    <a:bodyPr/>
+    <a:lstStyle/>
+    <a:p>
+      <a:pPr>
+        <a:defRPr/>
+      </a:pPr>
+      <a:endParaRPr lang="sk-SK"/>
+    </a:p>
+  </c:txPr>
+  <c:externalData r:id="rId3">
+    <c:autoUpdate val="0"/>
+  </c:externalData>
+</c:chartSpace>
+</file>
+
+<file path=ppt/charts/chart5.xml><?xml version="1.0" encoding="utf-8"?>
+<c:chartSpace xmlns:c="http://schemas.openxmlformats.org/drawingml/2006/chart" xmlns:a="http://schemas.openxmlformats.org/drawingml/2006/main" xmlns:r="http://schemas.openxmlformats.org/officeDocument/2006/relationships">
+  <c:date1904 val="0"/>
+  <c:lang val="sk-SK"/>
+  <c:roundedCorners val="0"/>
+  <mc:AlternateContent xmlns:mc="http://schemas.openxmlformats.org/markup-compatibility/2006">
+    <mc:Choice xmlns:c14="http://schemas.microsoft.com/office/drawing/2007/8/2/chart" Requires="c14">
+      <c14:style val="102"/>
+    </mc:Choice>
+    <mc:Fallback>
+      <c:style val="2"/>
+    </mc:Fallback>
+  </mc:AlternateContent>
+  <c:chart>
+    <c:title>
+      <c:tx>
+        <c:rich>
+          <a:bodyPr rot="0" spcFirstLastPara="1" vertOverflow="ellipsis" vert="horz" wrap="square" anchor="ctr" anchorCtr="1"/>
+          <a:lstStyle/>
+          <a:p>
+            <a:pPr>
+              <a:defRPr sz="4400" b="0" i="0" u="none" strike="noStrike" kern="1200" spc="0" baseline="0">
+                <a:solidFill>
+                  <a:schemeClr val="bg1"/>
+                </a:solidFill>
+                <a:latin typeface="+mn-lt"/>
+                <a:ea typeface="+mn-ea"/>
+                <a:cs typeface="+mn-cs"/>
+              </a:defRPr>
+            </a:pPr>
+            <a:r>
+              <a:rPr lang="sk-SK" sz="3200" dirty="0" smtClean="0">
+                <a:solidFill>
+                  <a:schemeClr val="bg1"/>
+                </a:solidFill>
+              </a:rPr>
+              <a:t>Je </a:t>
+            </a:r>
+            <a:r>
+              <a:rPr lang="sk-SK" sz="3200" baseline="0" dirty="0" smtClean="0">
+                <a:solidFill>
+                  <a:schemeClr val="bg1"/>
+                </a:solidFill>
+              </a:rPr>
+              <a:t>stránka prehľadná a </a:t>
+            </a:r>
+            <a:r>
+              <a:rPr lang="sk-SK" sz="3200" baseline="0" dirty="0">
+                <a:solidFill>
+                  <a:schemeClr val="bg1"/>
+                </a:solidFill>
+              </a:rPr>
+              <a:t>informácie ľahko nájdené?</a:t>
+            </a:r>
+            <a:endParaRPr lang="en-US" sz="3200" dirty="0">
+              <a:solidFill>
+                <a:schemeClr val="bg1"/>
+              </a:solidFill>
+            </a:endParaRPr>
+          </a:p>
+        </c:rich>
+      </c:tx>
+      <c:layout/>
+      <c:overlay val="0"/>
+      <c:spPr>
+        <a:noFill/>
+        <a:ln>
+          <a:noFill/>
+        </a:ln>
+        <a:effectLst/>
+      </c:spPr>
+      <c:txPr>
+        <a:bodyPr rot="0" spcFirstLastPara="1" vertOverflow="ellipsis" vert="horz" wrap="square" anchor="ctr" anchorCtr="1"/>
+        <a:lstStyle/>
+        <a:p>
+          <a:pPr>
+            <a:defRPr sz="4400" b="0" i="0" u="none" strike="noStrike" kern="1200" spc="0" baseline="0">
+              <a:solidFill>
+                <a:schemeClr val="bg1"/>
+              </a:solidFill>
+              <a:latin typeface="+mn-lt"/>
+              <a:ea typeface="+mn-ea"/>
+              <a:cs typeface="+mn-cs"/>
+            </a:defRPr>
+          </a:pPr>
+          <a:endParaRPr lang="sk-SK"/>
+        </a:p>
+      </c:txPr>
+    </c:title>
+    <c:autoTitleDeleted val="0"/>
+    <c:plotArea>
+      <c:layout/>
+      <c:pieChart>
+        <c:varyColors val="1"/>
+        <c:ser>
+          <c:idx val="0"/>
+          <c:order val="0"/>
+          <c:tx>
+            <c:strRef>
+              <c:f>Hárok1!$B$1</c:f>
+              <c:strCache>
+                <c:ptCount val="1"/>
+                <c:pt idx="0">
+                  <c:v>Je pre Vás GlArchív užitočný</c:v>
+                </c:pt>
+              </c:strCache>
+            </c:strRef>
+          </c:tx>
+          <c:dPt>
+            <c:idx val="0"/>
+            <c:bubble3D val="0"/>
+            <c:spPr>
+              <a:solidFill>
+                <a:schemeClr val="accent1"/>
+              </a:solidFill>
+              <a:ln w="19050">
+                <a:solidFill>
+                  <a:schemeClr val="lt1"/>
+                </a:solidFill>
+              </a:ln>
+              <a:effectLst/>
+            </c:spPr>
+            <c:extLst xmlns:c16r2="http://schemas.microsoft.com/office/drawing/2015/06/chart">
+              <c:ext xmlns:c16="http://schemas.microsoft.com/office/drawing/2014/chart" uri="{C3380CC4-5D6E-409C-BE32-E72D297353CC}">
+                <c16:uniqueId val="{00000001-0CC4-4A59-A24A-F4A15110FAE0}"/>
+              </c:ext>
+            </c:extLst>
+          </c:dPt>
+          <c:dPt>
+            <c:idx val="1"/>
+            <c:bubble3D val="0"/>
+            <c:spPr>
+              <a:solidFill>
+                <a:schemeClr val="accent2"/>
+              </a:solidFill>
+              <a:ln w="19050">
+                <a:solidFill>
+                  <a:schemeClr val="lt1"/>
+                </a:solidFill>
+              </a:ln>
+              <a:effectLst/>
+            </c:spPr>
+            <c:extLst xmlns:c16r2="http://schemas.microsoft.com/office/drawing/2015/06/chart">
+              <c:ext xmlns:c16="http://schemas.microsoft.com/office/drawing/2014/chart" uri="{C3380CC4-5D6E-409C-BE32-E72D297353CC}">
+                <c16:uniqueId val="{00000003-0CC4-4A59-A24A-F4A15110FAE0}"/>
+              </c:ext>
+            </c:extLst>
+          </c:dPt>
+          <c:dLbls>
+            <c:spPr>
+              <a:noFill/>
+              <a:ln>
+                <a:noFill/>
+              </a:ln>
+              <a:effectLst/>
+            </c:spPr>
+            <c:txPr>
+              <a:bodyPr rot="0" spcFirstLastPara="1" vertOverflow="ellipsis" vert="horz" wrap="square" lIns="38100" tIns="19050" rIns="38100" bIns="19050" anchor="ctr" anchorCtr="1">
+                <a:spAutoFit/>
+              </a:bodyPr>
+              <a:lstStyle/>
+              <a:p>
+                <a:pPr>
+                  <a:defRPr sz="1197" b="0" i="0" u="none" strike="noStrike" kern="1200" baseline="0">
+                    <a:solidFill>
+                      <a:schemeClr val="tx1">
+                        <a:lumMod val="75000"/>
+                        <a:lumOff val="25000"/>
+                      </a:schemeClr>
+                    </a:solidFill>
+                    <a:latin typeface="+mn-lt"/>
+                    <a:ea typeface="+mn-ea"/>
+                    <a:cs typeface="+mn-cs"/>
+                  </a:defRPr>
+                </a:pPr>
+                <a:endParaRPr lang="sk-SK"/>
+              </a:p>
+            </c:txPr>
+            <c:showLegendKey val="0"/>
+            <c:showVal val="0"/>
+            <c:showCatName val="0"/>
+            <c:showSerName val="0"/>
+            <c:showPercent val="1"/>
+            <c:showBubbleSize val="0"/>
+            <c:showLeaderLines val="1"/>
+            <c:leaderLines>
+              <c:spPr>
+                <a:ln w="9525" cap="flat" cmpd="sng" algn="ctr">
+                  <a:solidFill>
+                    <a:schemeClr val="tx1">
+                      <a:lumMod val="35000"/>
+                      <a:lumOff val="65000"/>
+                    </a:schemeClr>
+                  </a:solidFill>
+                  <a:round/>
+                </a:ln>
+                <a:effectLst/>
+              </c:spPr>
+            </c:leaderLines>
+            <c:extLst xmlns:c16r2="http://schemas.microsoft.com/office/drawing/2015/06/chart">
+              <c:ext xmlns:c15="http://schemas.microsoft.com/office/drawing/2012/chart" uri="{CE6537A1-D6FC-4f65-9D91-7224C49458BB}">
+                <c15:layout/>
+              </c:ext>
+            </c:extLst>
+          </c:dLbls>
+          <c:cat>
+            <c:strRef>
+              <c:f>Hárok1!$A$2:$A$3</c:f>
+              <c:strCache>
+                <c:ptCount val="2"/>
+                <c:pt idx="0">
+                  <c:v>Áno</c:v>
+                </c:pt>
+                <c:pt idx="1">
+                  <c:v>Nie</c:v>
+                </c:pt>
+              </c:strCache>
+            </c:strRef>
+          </c:cat>
+          <c:val>
+            <c:numRef>
+              <c:f>Hárok1!$B$2:$B$3</c:f>
+              <c:numCache>
+                <c:formatCode>General</c:formatCode>
+                <c:ptCount val="2"/>
+                <c:pt idx="0">
+                  <c:v>18</c:v>
+                </c:pt>
+                <c:pt idx="1">
+                  <c:v>0</c:v>
+                </c:pt>
+              </c:numCache>
+            </c:numRef>
+          </c:val>
+          <c:extLst xmlns:c16r2="http://schemas.microsoft.com/office/drawing/2015/06/chart">
+            <c:ext xmlns:c16="http://schemas.microsoft.com/office/drawing/2014/chart" uri="{C3380CC4-5D6E-409C-BE32-E72D297353CC}">
+              <c16:uniqueId val="{00000000-51C6-47C6-8146-C3C92E26E979}"/>
+            </c:ext>
+          </c:extLst>
+        </c:ser>
+        <c:dLbls>
+          <c:showLegendKey val="0"/>
+          <c:showVal val="0"/>
+          <c:showCatName val="0"/>
+          <c:showSerName val="0"/>
+          <c:showPercent val="1"/>
+          <c:showBubbleSize val="0"/>
+          <c:showLeaderLines val="1"/>
+        </c:dLbls>
+        <c:firstSliceAng val="0"/>
+      </c:pieChart>
+      <c:spPr>
+        <a:noFill/>
+        <a:ln>
+          <a:noFill/>
+        </a:ln>
+        <a:effectLst/>
+      </c:spPr>
+    </c:plotArea>
+    <c:legend>
+      <c:legendPos val="t"/>
+      <c:layout/>
+      <c:overlay val="0"/>
+      <c:spPr>
+        <a:noFill/>
+        <a:ln>
+          <a:noFill/>
+        </a:ln>
+        <a:effectLst/>
+      </c:spPr>
+      <c:txPr>
+        <a:bodyPr rot="0" spcFirstLastPara="1" vertOverflow="ellipsis" vert="horz" wrap="square" anchor="ctr" anchorCtr="1"/>
+        <a:lstStyle/>
+        <a:p>
+          <a:pPr>
+            <a:defRPr sz="4800" b="0" i="0" u="none" strike="noStrike" kern="1200" baseline="0">
+              <a:solidFill>
+                <a:schemeClr val="bg1"/>
+              </a:solidFill>
+              <a:latin typeface="+mn-lt"/>
+              <a:ea typeface="+mn-ea"/>
+              <a:cs typeface="+mn-cs"/>
+            </a:defRPr>
+          </a:pPr>
+          <a:endParaRPr lang="sk-SK"/>
+        </a:p>
+      </c:txPr>
+    </c:legend>
+    <c:plotVisOnly val="1"/>
+    <c:dispBlanksAs val="gap"/>
+    <c:showDLblsOverMax val="0"/>
+    <c:extLst xmlns:c16r2="http://schemas.microsoft.com/office/drawing/2015/06/chart">
+      <c:ext xmlns:c16r3="http://schemas.microsoft.com/office/drawing/2017/03/chart" uri="{56B9EC1D-385E-4148-901F-78D8002777C0}">
+        <c16r3:dataDisplayOptions16>
+          <c16r3:dispNaAsBlank val="1"/>
+        </c16r3:dataDisplayOptions16>
+      </c:ext>
+    </c:extLst>
+  </c:chart>
+  <c:spPr>
+    <a:noFill/>
+    <a:ln>
+      <a:noFill/>
+    </a:ln>
+    <a:effectLst/>
+  </c:spPr>
+  <c:txPr>
+    <a:bodyPr/>
+    <a:lstStyle/>
+    <a:p>
+      <a:pPr>
+        <a:defRPr/>
+      </a:pPr>
+      <a:endParaRPr lang="sk-SK"/>
+    </a:p>
+  </c:txPr>
+  <c:externalData r:id="rId3">
+    <c:autoUpdate val="0"/>
+  </c:externalData>
+</c:chartSpace>
+</file>
+
+<file path=ppt/charts/colors1.xml><?xml version="1.0" encoding="utf-8"?>
+<cs:colorStyle xmlns:cs="http://schemas.microsoft.com/office/drawing/2012/chartStyle" xmlns:a="http://schemas.openxmlformats.org/drawingml/2006/main" meth="cycle" id="10">
+  <a:schemeClr val="accent1"/>
+  <a:schemeClr val="accent2"/>
+  <a:schemeClr val="accent3"/>
+  <a:schemeClr val="accent4"/>
+  <a:schemeClr val="accent5"/>
+  <a:schemeClr val="accent6"/>
+  <cs:variation/>
+  <cs:variation>
+    <a:lumMod val="60000"/>
+  </cs:variation>
+  <cs:variation>
+    <a:lumMod val="80000"/>
+    <a:lumOff val="20000"/>
+  </cs:variation>
+  <cs:variation>
+    <a:lumMod val="80000"/>
+  </cs:variation>
+  <cs:variation>
+    <a:lumMod val="60000"/>
+    <a:lumOff val="40000"/>
+  </cs:variation>
+  <cs:variation>
+    <a:lumMod val="50000"/>
+  </cs:variation>
+  <cs:variation>
+    <a:lumMod val="70000"/>
+    <a:lumOff val="30000"/>
+  </cs:variation>
+  <cs:variation>
+    <a:lumMod val="70000"/>
+  </cs:variation>
+  <cs:variation>
+    <a:lumMod val="50000"/>
+    <a:lumOff val="50000"/>
+  </cs:variation>
+</cs:colorStyle>
+</file>
+
+<file path=ppt/charts/colors2.xml><?xml version="1.0" encoding="utf-8"?>
+<cs:colorStyle xmlns:cs="http://schemas.microsoft.com/office/drawing/2012/chartStyle" xmlns:a="http://schemas.openxmlformats.org/drawingml/2006/main" meth="cycle" id="10">
+  <a:schemeClr val="accent1"/>
+  <a:schemeClr val="accent2"/>
+  <a:schemeClr val="accent3"/>
+  <a:schemeClr val="accent4"/>
+  <a:schemeClr val="accent5"/>
+  <a:schemeClr val="accent6"/>
+  <cs:variation/>
+  <cs:variation>
+    <a:lumMod val="60000"/>
+  </cs:variation>
+  <cs:variation>
+    <a:lumMod val="80000"/>
+    <a:lumOff val="20000"/>
+  </cs:variation>
+  <cs:variation>
+    <a:lumMod val="80000"/>
+  </cs:variation>
+  <cs:variation>
+    <a:lumMod val="60000"/>
+    <a:lumOff val="40000"/>
+  </cs:variation>
+  <cs:variation>
+    <a:lumMod val="50000"/>
+  </cs:variation>
+  <cs:variation>
+    <a:lumMod val="70000"/>
+    <a:lumOff val="30000"/>
+  </cs:variation>
+  <cs:variation>
+    <a:lumMod val="70000"/>
+  </cs:variation>
+  <cs:variation>
+    <a:lumMod val="50000"/>
+    <a:lumOff val="50000"/>
+  </cs:variation>
+</cs:colorStyle>
+</file>
+
+<file path=ppt/charts/colors3.xml><?xml version="1.0" encoding="utf-8"?>
+<cs:colorStyle xmlns:cs="http://schemas.microsoft.com/office/drawing/2012/chartStyle" xmlns:a="http://schemas.openxmlformats.org/drawingml/2006/main" meth="cycle" id="10">
+  <a:schemeClr val="accent1"/>
+  <a:schemeClr val="accent2"/>
+  <a:schemeClr val="accent3"/>
+  <a:schemeClr val="accent4"/>
+  <a:schemeClr val="accent5"/>
+  <a:schemeClr val="accent6"/>
+  <cs:variation/>
+  <cs:variation>
+    <a:lumMod val="60000"/>
+  </cs:variation>
+  <cs:variation>
+    <a:lumMod val="80000"/>
+    <a:lumOff val="20000"/>
+  </cs:variation>
+  <cs:variation>
+    <a:lumMod val="80000"/>
+  </cs:variation>
+  <cs:variation>
+    <a:lumMod val="60000"/>
+    <a:lumOff val="40000"/>
+  </cs:variation>
+  <cs:variation>
+    <a:lumMod val="50000"/>
+  </cs:variation>
+  <cs:variation>
+    <a:lumMod val="70000"/>
+    <a:lumOff val="30000"/>
+  </cs:variation>
+  <cs:variation>
+    <a:lumMod val="70000"/>
+  </cs:variation>
+  <cs:variation>
+    <a:lumMod val="50000"/>
+    <a:lumOff val="50000"/>
+  </cs:variation>
+</cs:colorStyle>
+</file>
+
+<file path=ppt/charts/colors4.xml><?xml version="1.0" encoding="utf-8"?>
+<cs:colorStyle xmlns:cs="http://schemas.microsoft.com/office/drawing/2012/chartStyle" xmlns:a="http://schemas.openxmlformats.org/drawingml/2006/main" meth="cycle" id="10">
+  <a:schemeClr val="accent1"/>
+  <a:schemeClr val="accent2"/>
+  <a:schemeClr val="accent3"/>
+  <a:schemeClr val="accent4"/>
+  <a:schemeClr val="accent5"/>
+  <a:schemeClr val="accent6"/>
+  <cs:variation/>
+  <cs:variation>
+    <a:lumMod val="60000"/>
+  </cs:variation>
+  <cs:variation>
+    <a:lumMod val="80000"/>
+    <a:lumOff val="20000"/>
+  </cs:variation>
+  <cs:variation>
+    <a:lumMod val="80000"/>
+  </cs:variation>
+  <cs:variation>
+    <a:lumMod val="60000"/>
+    <a:lumOff val="40000"/>
+  </cs:variation>
+  <cs:variation>
+    <a:lumMod val="50000"/>
+  </cs:variation>
+  <cs:variation>
+    <a:lumMod val="70000"/>
+    <a:lumOff val="30000"/>
+  </cs:variation>
+  <cs:variation>
+    <a:lumMod val="70000"/>
+  </cs:variation>
+  <cs:variation>
+    <a:lumMod val="50000"/>
+    <a:lumOff val="50000"/>
+  </cs:variation>
+</cs:colorStyle>
+</file>
+
+<file path=ppt/charts/colors5.xml><?xml version="1.0" encoding="utf-8"?>
+<cs:colorStyle xmlns:cs="http://schemas.microsoft.com/office/drawing/2012/chartStyle" xmlns:a="http://schemas.openxmlformats.org/drawingml/2006/main" meth="cycle" id="10">
+  <a:schemeClr val="accent1"/>
+  <a:schemeClr val="accent2"/>
+  <a:schemeClr val="accent3"/>
+  <a:schemeClr val="accent4"/>
+  <a:schemeClr val="accent5"/>
+  <a:schemeClr val="accent6"/>
+  <cs:variation/>
+  <cs:variation>
+    <a:lumMod val="60000"/>
+  </cs:variation>
+  <cs:variation>
+    <a:lumMod val="80000"/>
+    <a:lumOff val="20000"/>
+  </cs:variation>
+  <cs:variation>
+    <a:lumMod val="80000"/>
+  </cs:variation>
+  <cs:variation>
+    <a:lumMod val="60000"/>
+    <a:lumOff val="40000"/>
+  </cs:variation>
+  <cs:variation>
+    <a:lumMod val="50000"/>
+  </cs:variation>
+  <cs:variation>
+    <a:lumMod val="70000"/>
+    <a:lumOff val="30000"/>
+  </cs:variation>
+  <cs:variation>
+    <a:lumMod val="70000"/>
+  </cs:variation>
+  <cs:variation>
+    <a:lumMod val="50000"/>
+    <a:lumOff val="50000"/>
+  </cs:variation>
+</cs:colorStyle>
+</file>
+
+<file path=ppt/charts/style1.xml><?xml version="1.0" encoding="utf-8"?>
+<cs:chartStyle xmlns:cs="http://schemas.microsoft.com/office/drawing/2012/chartStyle" xmlns:a="http://schemas.openxmlformats.org/drawingml/2006/main" id="251">
+  <cs:axisTitle>
+    <cs:lnRef idx="0"/>
+    <cs:fillRef idx="0"/>
+    <cs:effectRef idx="0"/>
+    <cs:fontRef idx="minor">
+      <a:schemeClr val="tx1">
+        <a:lumMod val="65000"/>
+        <a:lumOff val="35000"/>
+      </a:schemeClr>
+    </cs:fontRef>
+    <cs:defRPr sz="1330" kern="1200"/>
+  </cs:axisTitle>
+  <cs:categoryAxis>
+    <cs:lnRef idx="0"/>
+    <cs:fillRef idx="0"/>
+    <cs:effectRef idx="0"/>
+    <cs:fontRef idx="minor">
+      <a:schemeClr val="tx1">
+        <a:lumMod val="65000"/>
+        <a:lumOff val="35000"/>
+      </a:schemeClr>
+    </cs:fontRef>
+    <cs:spPr>
+      <a:ln w="9525" cap="flat" cmpd="sng" algn="ctr">
+        <a:solidFill>
+          <a:schemeClr val="tx1">
+            <a:lumMod val="15000"/>
+            <a:lumOff val="85000"/>
+          </a:schemeClr>
+        </a:solidFill>
+        <a:round/>
+      </a:ln>
+    </cs:spPr>
+    <cs:defRPr sz="1197" kern="1200"/>
+  </cs:categoryAxis>
+  <cs:chartArea mods="allowNoFillOverride allowNoLineOverride">
+    <cs:lnRef idx="0"/>
+    <cs:fillRef idx="0"/>
+    <cs:effectRef idx="0"/>
+    <cs:fontRef idx="minor">
+      <a:schemeClr val="tx1"/>
+    </cs:fontRef>
+    <cs:spPr>
+      <a:solidFill>
+        <a:schemeClr val="bg1"/>
+      </a:solidFill>
+      <a:ln w="9525" cap="flat" cmpd="sng" algn="ctr">
+        <a:solidFill>
+          <a:schemeClr val="tx1">
+            <a:lumMod val="15000"/>
+            <a:lumOff val="85000"/>
+          </a:schemeClr>
+        </a:solidFill>
+        <a:round/>
+      </a:ln>
+    </cs:spPr>
+    <cs:defRPr sz="1197" kern="1200"/>
+  </cs:chartArea>
+  <cs:dataLabel>
+    <cs:lnRef idx="0"/>
+    <cs:fillRef idx="0"/>
+    <cs:effectRef idx="0"/>
+    <cs:fontRef idx="minor">
+      <a:schemeClr val="tx1">
+        <a:lumMod val="75000"/>
+        <a:lumOff val="25000"/>
+      </a:schemeClr>
+    </cs:fontRef>
+    <cs:defRPr sz="1197" kern="1200"/>
+  </cs:dataLabel>
+  <cs:dataLabelCallout>
+    <cs:lnRef idx="0"/>
+    <cs:fillRef idx="0"/>
+    <cs:effectRef idx="0"/>
+    <cs:fontRef idx="minor">
+      <a:schemeClr val="dk1">
+        <a:lumMod val="65000"/>
+        <a:lumOff val="35000"/>
+      </a:schemeClr>
+    </cs:fontRef>
+    <cs:spPr>
+      <a:solidFill>
+        <a:schemeClr val="lt1"/>
+      </a:solidFill>
+      <a:ln>
+        <a:solidFill>
+          <a:schemeClr val="dk1">
+            <a:lumMod val="25000"/>
+            <a:lumOff val="75000"/>
+          </a:schemeClr>
+        </a:solidFill>
+      </a:ln>
+    </cs:spPr>
+    <cs:defRPr sz="1197" kern="1200"/>
+    <cs:bodyPr rot="0" spcFirstLastPara="1" vertOverflow="clip" horzOverflow="clip" vert="horz" wrap="square" lIns="36576" tIns="18288" rIns="36576" bIns="18288" anchor="ctr" anchorCtr="1">
+      <a:spAutoFit/>
+    </cs:bodyPr>
+  </cs:dataLabelCallout>
+  <cs:dataPoint>
+    <cs:lnRef idx="0"/>
+    <cs:fillRef idx="1">
+      <cs:styleClr val="auto"/>
+    </cs:fillRef>
+    <cs:effectRef idx="0"/>
+    <cs:fontRef idx="minor">
+      <a:schemeClr val="tx1"/>
+    </cs:fontRef>
+    <cs:spPr>
+      <a:ln w="19050">
+        <a:solidFill>
+          <a:schemeClr val="lt1"/>
+        </a:solidFill>
+      </a:ln>
+    </cs:spPr>
+  </cs:dataPoint>
+  <cs:dataPoint3D>
+    <cs:lnRef idx="0"/>
+    <cs:fillRef idx="1">
+      <cs:styleClr val="auto"/>
+    </cs:fillRef>
+    <cs:effectRef idx="0"/>
+    <cs:fontRef idx="minor">
+      <a:schemeClr val="tx1"/>
+    </cs:fontRef>
+    <cs:spPr>
+      <a:ln w="25400">
+        <a:solidFill>
+          <a:schemeClr val="lt1"/>
+        </a:solidFill>
+      </a:ln>
+    </cs:spPr>
+  </cs:dataPoint3D>
+  <cs:dataPointLine>
+    <cs:lnRef idx="0">
+      <cs:styleClr val="auto"/>
+    </cs:lnRef>
+    <cs:fillRef idx="0"/>
+    <cs:effectRef idx="0"/>
+    <cs:fontRef idx="minor">
+      <a:schemeClr val="tx1"/>
+    </cs:fontRef>
+    <cs:spPr>
+      <a:ln w="28575" cap="rnd">
+        <a:solidFill>
+          <a:schemeClr val="phClr"/>
+        </a:solidFill>
+        <a:round/>
+      </a:ln>
+    </cs:spPr>
+  </cs:dataPointLine>
+  <cs:dataPointMarker>
+    <cs:lnRef idx="0">
+      <cs:styleClr val="auto"/>
+    </cs:lnRef>
+    <cs:fillRef idx="1">
+      <cs:styleClr val="auto"/>
+    </cs:fillRef>
+    <cs:effectRef idx="0"/>
+    <cs:fontRef idx="minor">
+      <a:schemeClr val="tx1"/>
+    </cs:fontRef>
+    <cs:spPr>
+      <a:ln w="9525">
+        <a:solidFill>
+          <a:schemeClr val="phClr"/>
+        </a:solidFill>
+      </a:ln>
+    </cs:spPr>
+  </cs:dataPointMarker>
+  <cs:dataPointMarkerLayout symbol="circle" size="5"/>
+  <cs:dataPointWireframe>
+    <cs:lnRef idx="0">
+      <cs:styleClr val="auto"/>
+    </cs:lnRef>
+    <cs:fillRef idx="0"/>
+    <cs:effectRef idx="0"/>
+    <cs:fontRef idx="minor">
+      <a:schemeClr val="tx1"/>
+    </cs:fontRef>
+    <cs:spPr>
+      <a:ln w="9525" cap="rnd">
+        <a:solidFill>
+          <a:schemeClr val="phClr"/>
+        </a:solidFill>
+        <a:round/>
+      </a:ln>
+    </cs:spPr>
+  </cs:dataPointWireframe>
+  <cs:dataTable>
+    <cs:lnRef idx="0"/>
+    <cs:fillRef idx="0"/>
+    <cs:effectRef idx="0"/>
+    <cs:fontRef idx="minor">
+      <a:schemeClr val="tx1">
+        <a:lumMod val="65000"/>
+        <a:lumOff val="35000"/>
+      </a:schemeClr>
+    </cs:fontRef>
+    <cs:spPr>
+      <a:noFill/>
+      <a:ln w="9525" cap="flat" cmpd="sng" algn="ctr">
+        <a:solidFill>
+          <a:schemeClr val="tx1">
+            <a:lumMod val="15000"/>
+            <a:lumOff val="85000"/>
+          </a:schemeClr>
+        </a:solidFill>
+        <a:round/>
+      </a:ln>
+    </cs:spPr>
+    <cs:defRPr sz="1197" kern="1200"/>
+  </cs:dataTable>
+  <cs:downBar>
+    <cs:lnRef idx="0"/>
+    <cs:fillRef idx="0"/>
+    <cs:effectRef idx="0"/>
+    <cs:fontRef idx="minor">
+      <a:schemeClr val="tx1"/>
+    </cs:fontRef>
+    <cs:spPr>
+      <a:solidFill>
+        <a:schemeClr val="dk1">
+          <a:lumMod val="75000"/>
+          <a:lumOff val="25000"/>
+        </a:schemeClr>
+      </a:solidFill>
+      <a:ln w="9525" cap="flat" cmpd="sng" algn="ctr">
+        <a:solidFill>
+          <a:schemeClr val="tx1">
+            <a:lumMod val="65000"/>
+            <a:lumOff val="35000"/>
+          </a:schemeClr>
+        </a:solidFill>
+        <a:round/>
+      </a:ln>
+    </cs:spPr>
+  </cs:downBar>
+  <cs:dropLine>
+    <cs:lnRef idx="0"/>
+    <cs:fillRef idx="0"/>
+    <cs:effectRef idx="0"/>
+    <cs:fontRef idx="minor">
+      <a:schemeClr val="tx1"/>
+    </cs:fontRef>
+    <cs:spPr>
+      <a:ln w="9525" cap="flat" cmpd="sng" algn="ctr">
+        <a:solidFill>
+          <a:schemeClr val="tx1">
+            <a:lumMod val="35000"/>
+            <a:lumOff val="65000"/>
+          </a:schemeClr>
+        </a:solidFill>
+        <a:round/>
+      </a:ln>
+    </cs:spPr>
+  </cs:dropLine>
+  <cs:errorBar>
+    <cs:lnRef idx="0"/>
+    <cs:fillRef idx="0"/>
+    <cs:effectRef idx="0"/>
+    <cs:fontRef idx="minor">
+      <a:schemeClr val="tx1"/>
+    </cs:fontRef>
+    <cs:spPr>
+      <a:ln w="9525" cap="flat" cmpd="sng" algn="ctr">
+        <a:solidFill>
+          <a:schemeClr val="tx1">
+            <a:lumMod val="65000"/>
+            <a:lumOff val="35000"/>
+          </a:schemeClr>
+        </a:solidFill>
+        <a:round/>
+      </a:ln>
+    </cs:spPr>
+  </cs:errorBar>
+  <cs:floor>
+    <cs:lnRef idx="0"/>
+    <cs:fillRef idx="0"/>
+    <cs:effectRef idx="0"/>
+    <cs:fontRef idx="minor">
+      <a:schemeClr val="tx1"/>
+    </cs:fontRef>
+    <cs:spPr>
+      <a:noFill/>
+      <a:ln>
+        <a:noFill/>
+      </a:ln>
+    </cs:spPr>
+  </cs:floor>
+  <cs:gridlineMajor>
+    <cs:lnRef idx="0"/>
+    <cs:fillRef idx="0"/>
+    <cs:effectRef idx="0"/>
+    <cs:fontRef idx="minor">
+      <a:schemeClr val="tx1"/>
+    </cs:fontRef>
+    <cs:spPr>
+      <a:ln w="9525" cap="flat" cmpd="sng" algn="ctr">
+        <a:solidFill>
+          <a:schemeClr val="tx1">
+            <a:lumMod val="15000"/>
+            <a:lumOff val="85000"/>
+          </a:schemeClr>
+        </a:solidFill>
+        <a:round/>
+      </a:ln>
+    </cs:spPr>
+  </cs:gridlineMajor>
+  <cs:gridlineMinor>
+    <cs:lnRef idx="0"/>
+    <cs:fillRef idx="0"/>
+    <cs:effectRef idx="0"/>
+    <cs:fontRef idx="minor">
+      <a:schemeClr val="tx1"/>
+    </cs:fontRef>
+    <cs:spPr>
+      <a:ln w="9525" cap="flat" cmpd="sng" algn="ctr">
+        <a:solidFill>
+          <a:schemeClr val="tx1">
+            <a:lumMod val="5000"/>
+            <a:lumOff val="95000"/>
+          </a:schemeClr>
+        </a:solidFill>
+        <a:round/>
+      </a:ln>
+    </cs:spPr>
+  </cs:gridlineMinor>
+  <cs:hiLoLine>
+    <cs:lnRef idx="0"/>
+    <cs:fillRef idx="0"/>
+    <cs:effectRef idx="0"/>
+    <cs:fontRef idx="minor">
+      <a:schemeClr val="tx1"/>
+    </cs:fontRef>
+    <cs:spPr>
+      <a:ln w="9525" cap="flat" cmpd="sng" algn="ctr">
+        <a:solidFill>
+          <a:schemeClr val="tx1">
+            <a:lumMod val="50000"/>
+            <a:lumOff val="50000"/>
+          </a:schemeClr>
+        </a:solidFill>
+        <a:round/>
+      </a:ln>
+    </cs:spPr>
+  </cs:hiLoLine>
+  <cs:leaderLine>
+    <cs:lnRef idx="0"/>
+    <cs:fillRef idx="0"/>
+    <cs:effectRef idx="0"/>
+    <cs:fontRef idx="minor">
+      <a:schemeClr val="tx1"/>
+    </cs:fontRef>
+    <cs:spPr>
+      <a:ln w="9525" cap="flat" cmpd="sng" algn="ctr">
+        <a:solidFill>
+          <a:schemeClr val="tx1">
+            <a:lumMod val="35000"/>
+            <a:lumOff val="65000"/>
+          </a:schemeClr>
+        </a:solidFill>
+        <a:round/>
+      </a:ln>
+    </cs:spPr>
+  </cs:leaderLine>
+  <cs:legend>
+    <cs:lnRef idx="0"/>
+    <cs:fillRef idx="0"/>
+    <cs:effectRef idx="0"/>
+    <cs:fontRef idx="minor">
+      <a:schemeClr val="tx1">
+        <a:lumMod val="65000"/>
+        <a:lumOff val="35000"/>
+      </a:schemeClr>
+    </cs:fontRef>
+    <cs:defRPr sz="1197" kern="1200"/>
+  </cs:legend>
+  <cs:plotArea mods="allowNoFillOverride allowNoLineOverride">
+    <cs:lnRef idx="0"/>
+    <cs:fillRef idx="0"/>
+    <cs:effectRef idx="0"/>
+    <cs:fontRef idx="minor">
+      <a:schemeClr val="tx1"/>
+    </cs:fontRef>
+  </cs:plotArea>
+  <cs:plotArea3D mods="allowNoFillOverride allowNoLineOverride">
+    <cs:lnRef idx="0"/>
+    <cs:fillRef idx="0"/>
+    <cs:effectRef idx="0"/>
+    <cs:fontRef idx="minor">
+      <a:schemeClr val="tx1"/>
+    </cs:fontRef>
+  </cs:plotArea3D>
+  <cs:seriesAxis>
+    <cs:lnRef idx="0"/>
+    <cs:fillRef idx="0"/>
+    <cs:effectRef idx="0"/>
+    <cs:fontRef idx="minor">
+      <a:schemeClr val="tx1">
+        <a:lumMod val="65000"/>
+        <a:lumOff val="35000"/>
+      </a:schemeClr>
+    </cs:fontRef>
+    <cs:defRPr sz="1197" kern="1200"/>
+  </cs:seriesAxis>
+  <cs:seriesLine>
+    <cs:lnRef idx="0"/>
+    <cs:fillRef idx="0"/>
+    <cs:effectRef idx="0"/>
+    <cs:fontRef idx="minor">
+      <a:schemeClr val="tx1"/>
+    </cs:fontRef>
+    <cs:spPr>
+      <a:ln w="9525" cap="flat" cmpd="sng" algn="ctr">
+        <a:solidFill>
+          <a:schemeClr val="tx1">
+            <a:lumMod val="35000"/>
+            <a:lumOff val="65000"/>
+          </a:schemeClr>
+        </a:solidFill>
+        <a:round/>
+      </a:ln>
+    </cs:spPr>
+  </cs:seriesLine>
+  <cs:title>
+    <cs:lnRef idx="0"/>
+    <cs:fillRef idx="0"/>
+    <cs:effectRef idx="0"/>
+    <cs:fontRef idx="minor">
+      <a:schemeClr val="tx1">
+        <a:lumMod val="65000"/>
+        <a:lumOff val="35000"/>
+      </a:schemeClr>
+    </cs:fontRef>
+    <cs:defRPr sz="1862" b="0" kern="1200" spc="0" baseline="0"/>
+  </cs:title>
+  <cs:trendline>
+    <cs:lnRef idx="0">
+      <cs:styleClr val="auto"/>
+    </cs:lnRef>
+    <cs:fillRef idx="0"/>
+    <cs:effectRef idx="0"/>
+    <cs:fontRef idx="minor">
+      <a:schemeClr val="tx1"/>
+    </cs:fontRef>
+    <cs:spPr>
+      <a:ln w="19050" cap="rnd">
+        <a:solidFill>
+          <a:schemeClr val="phClr"/>
+        </a:solidFill>
+        <a:prstDash val="sysDot"/>
+      </a:ln>
+    </cs:spPr>
+  </cs:trendline>
+  <cs:trendlineLabel>
+    <cs:lnRef idx="0"/>
+    <cs:fillRef idx="0"/>
+    <cs:effectRef idx="0"/>
+    <cs:fontRef idx="minor">
+      <a:schemeClr val="tx1">
+        <a:lumMod val="65000"/>
+        <a:lumOff val="35000"/>
+      </a:schemeClr>
+    </cs:fontRef>
+    <cs:defRPr sz="1197" kern="1200"/>
+  </cs:trendlineLabel>
+  <cs:upBar>
+    <cs:lnRef idx="0"/>
+    <cs:fillRef idx="0"/>
+    <cs:effectRef idx="0"/>
+    <cs:fontRef idx="minor">
+      <a:schemeClr val="tx1"/>
+    </cs:fontRef>
+    <cs:spPr>
+      <a:solidFill>
+        <a:schemeClr val="lt1"/>
+      </a:solidFill>
+      <a:ln w="9525" cap="flat" cmpd="sng" algn="ctr">
+        <a:solidFill>
+          <a:schemeClr val="tx1">
+            <a:lumMod val="65000"/>
+            <a:lumOff val="35000"/>
+          </a:schemeClr>
+        </a:solidFill>
+        <a:round/>
+      </a:ln>
+    </cs:spPr>
+  </cs:upBar>
+  <cs:valueAxis>
+    <cs:lnRef idx="0"/>
+    <cs:fillRef idx="0"/>
+    <cs:effectRef idx="0"/>
+    <cs:fontRef idx="minor">
+      <a:schemeClr val="tx1">
+        <a:lumMod val="65000"/>
+        <a:lumOff val="35000"/>
+      </a:schemeClr>
+    </cs:fontRef>
+    <cs:defRPr sz="1197" kern="1200"/>
+  </cs:valueAxis>
+  <cs:wall>
+    <cs:lnRef idx="0"/>
+    <cs:fillRef idx="0"/>
+    <cs:effectRef idx="0"/>
+    <cs:fontRef idx="minor">
+      <a:schemeClr val="tx1"/>
+    </cs:fontRef>
+    <cs:spPr>
+      <a:noFill/>
+      <a:ln>
+        <a:noFill/>
+      </a:ln>
+    </cs:spPr>
+  </cs:wall>
+</cs:chartStyle>
+</file>
+
+<file path=ppt/charts/style2.xml><?xml version="1.0" encoding="utf-8"?>
+<cs:chartStyle xmlns:cs="http://schemas.microsoft.com/office/drawing/2012/chartStyle" xmlns:a="http://schemas.openxmlformats.org/drawingml/2006/main" id="251">
+  <cs:axisTitle>
+    <cs:lnRef idx="0"/>
+    <cs:fillRef idx="0"/>
+    <cs:effectRef idx="0"/>
+    <cs:fontRef idx="minor">
+      <a:schemeClr val="tx1">
+        <a:lumMod val="65000"/>
+        <a:lumOff val="35000"/>
+      </a:schemeClr>
+    </cs:fontRef>
+    <cs:defRPr sz="1330" kern="1200"/>
+  </cs:axisTitle>
+  <cs:categoryAxis>
+    <cs:lnRef idx="0"/>
+    <cs:fillRef idx="0"/>
+    <cs:effectRef idx="0"/>
+    <cs:fontRef idx="minor">
+      <a:schemeClr val="tx1">
+        <a:lumMod val="65000"/>
+        <a:lumOff val="35000"/>
+      </a:schemeClr>
+    </cs:fontRef>
+    <cs:spPr>
+      <a:ln w="9525" cap="flat" cmpd="sng" algn="ctr">
+        <a:solidFill>
+          <a:schemeClr val="tx1">
+            <a:lumMod val="15000"/>
+            <a:lumOff val="85000"/>
+          </a:schemeClr>
+        </a:solidFill>
+        <a:round/>
+      </a:ln>
+    </cs:spPr>
+    <cs:defRPr sz="1197" kern="1200"/>
+  </cs:categoryAxis>
+  <cs:chartArea mods="allowNoFillOverride allowNoLineOverride">
+    <cs:lnRef idx="0"/>
+    <cs:fillRef idx="0"/>
+    <cs:effectRef idx="0"/>
+    <cs:fontRef idx="minor">
+      <a:schemeClr val="tx1"/>
+    </cs:fontRef>
+    <cs:spPr>
+      <a:solidFill>
+        <a:schemeClr val="bg1"/>
+      </a:solidFill>
+      <a:ln w="9525" cap="flat" cmpd="sng" algn="ctr">
+        <a:solidFill>
+          <a:schemeClr val="tx1">
+            <a:lumMod val="15000"/>
+            <a:lumOff val="85000"/>
+          </a:schemeClr>
+        </a:solidFill>
+        <a:round/>
+      </a:ln>
+    </cs:spPr>
+    <cs:defRPr sz="1197" kern="1200"/>
+  </cs:chartArea>
+  <cs:dataLabel>
+    <cs:lnRef idx="0"/>
+    <cs:fillRef idx="0"/>
+    <cs:effectRef idx="0"/>
+    <cs:fontRef idx="minor">
+      <a:schemeClr val="tx1">
+        <a:lumMod val="75000"/>
+        <a:lumOff val="25000"/>
+      </a:schemeClr>
+    </cs:fontRef>
+    <cs:defRPr sz="1197" kern="1200"/>
+  </cs:dataLabel>
+  <cs:dataLabelCallout>
+    <cs:lnRef idx="0"/>
+    <cs:fillRef idx="0"/>
+    <cs:effectRef idx="0"/>
+    <cs:fontRef idx="minor">
+      <a:schemeClr val="dk1">
+        <a:lumMod val="65000"/>
+        <a:lumOff val="35000"/>
+      </a:schemeClr>
+    </cs:fontRef>
+    <cs:spPr>
+      <a:solidFill>
+        <a:schemeClr val="lt1"/>
+      </a:solidFill>
+      <a:ln>
+        <a:solidFill>
+          <a:schemeClr val="dk1">
+            <a:lumMod val="25000"/>
+            <a:lumOff val="75000"/>
+          </a:schemeClr>
+        </a:solidFill>
+      </a:ln>
+    </cs:spPr>
+    <cs:defRPr sz="1197" kern="1200"/>
+    <cs:bodyPr rot="0" spcFirstLastPara="1" vertOverflow="clip" horzOverflow="clip" vert="horz" wrap="square" lIns="36576" tIns="18288" rIns="36576" bIns="18288" anchor="ctr" anchorCtr="1">
+      <a:spAutoFit/>
+    </cs:bodyPr>
+  </cs:dataLabelCallout>
+  <cs:dataPoint>
+    <cs:lnRef idx="0"/>
+    <cs:fillRef idx="1">
+      <cs:styleClr val="auto"/>
+    </cs:fillRef>
+    <cs:effectRef idx="0"/>
+    <cs:fontRef idx="minor">
+      <a:schemeClr val="tx1"/>
+    </cs:fontRef>
+    <cs:spPr>
+      <a:ln w="19050">
+        <a:solidFill>
+          <a:schemeClr val="lt1"/>
+        </a:solidFill>
+      </a:ln>
+    </cs:spPr>
+  </cs:dataPoint>
+  <cs:dataPoint3D>
+    <cs:lnRef idx="0"/>
+    <cs:fillRef idx="1">
+      <cs:styleClr val="auto"/>
+    </cs:fillRef>
+    <cs:effectRef idx="0"/>
+    <cs:fontRef idx="minor">
+      <a:schemeClr val="tx1"/>
+    </cs:fontRef>
+    <cs:spPr>
+      <a:ln w="25400">
+        <a:solidFill>
+          <a:schemeClr val="lt1"/>
+        </a:solidFill>
+      </a:ln>
+    </cs:spPr>
+  </cs:dataPoint3D>
+  <cs:dataPointLine>
+    <cs:lnRef idx="0">
+      <cs:styleClr val="auto"/>
+    </cs:lnRef>
+    <cs:fillRef idx="0"/>
+    <cs:effectRef idx="0"/>
+    <cs:fontRef idx="minor">
+      <a:schemeClr val="tx1"/>
+    </cs:fontRef>
+    <cs:spPr>
+      <a:ln w="28575" cap="rnd">
+        <a:solidFill>
+          <a:schemeClr val="phClr"/>
+        </a:solidFill>
+        <a:round/>
+      </a:ln>
+    </cs:spPr>
+  </cs:dataPointLine>
+  <cs:dataPointMarker>
+    <cs:lnRef idx="0">
+      <cs:styleClr val="auto"/>
+    </cs:lnRef>
+    <cs:fillRef idx="1">
+      <cs:styleClr val="auto"/>
+    </cs:fillRef>
+    <cs:effectRef idx="0"/>
+    <cs:fontRef idx="minor">
+      <a:schemeClr val="tx1"/>
+    </cs:fontRef>
+    <cs:spPr>
+      <a:ln w="9525">
+        <a:solidFill>
+          <a:schemeClr val="phClr"/>
+        </a:solidFill>
+      </a:ln>
+    </cs:spPr>
+  </cs:dataPointMarker>
+  <cs:dataPointMarkerLayout symbol="circle" size="5"/>
+  <cs:dataPointWireframe>
+    <cs:lnRef idx="0">
+      <cs:styleClr val="auto"/>
+    </cs:lnRef>
+    <cs:fillRef idx="0"/>
+    <cs:effectRef idx="0"/>
+    <cs:fontRef idx="minor">
+      <a:schemeClr val="tx1"/>
+    </cs:fontRef>
+    <cs:spPr>
+      <a:ln w="9525" cap="rnd">
+        <a:solidFill>
+          <a:schemeClr val="phClr"/>
+        </a:solidFill>
+        <a:round/>
+      </a:ln>
+    </cs:spPr>
+  </cs:dataPointWireframe>
+  <cs:dataTable>
+    <cs:lnRef idx="0"/>
+    <cs:fillRef idx="0"/>
+    <cs:effectRef idx="0"/>
+    <cs:fontRef idx="minor">
+      <a:schemeClr val="tx1">
+        <a:lumMod val="65000"/>
+        <a:lumOff val="35000"/>
+      </a:schemeClr>
+    </cs:fontRef>
+    <cs:spPr>
+      <a:noFill/>
+      <a:ln w="9525" cap="flat" cmpd="sng" algn="ctr">
+        <a:solidFill>
+          <a:schemeClr val="tx1">
+            <a:lumMod val="15000"/>
+            <a:lumOff val="85000"/>
+          </a:schemeClr>
+        </a:solidFill>
+        <a:round/>
+      </a:ln>
+    </cs:spPr>
+    <cs:defRPr sz="1197" kern="1200"/>
+  </cs:dataTable>
+  <cs:downBar>
+    <cs:lnRef idx="0"/>
+    <cs:fillRef idx="0"/>
+    <cs:effectRef idx="0"/>
+    <cs:fontRef idx="minor">
+      <a:schemeClr val="tx1"/>
+    </cs:fontRef>
+    <cs:spPr>
+      <a:solidFill>
+        <a:schemeClr val="dk1">
+          <a:lumMod val="75000"/>
+          <a:lumOff val="25000"/>
+        </a:schemeClr>
+      </a:solidFill>
+      <a:ln w="9525" cap="flat" cmpd="sng" algn="ctr">
+        <a:solidFill>
+          <a:schemeClr val="tx1">
+            <a:lumMod val="65000"/>
+            <a:lumOff val="35000"/>
+          </a:schemeClr>
+        </a:solidFill>
+        <a:round/>
+      </a:ln>
+    </cs:spPr>
+  </cs:downBar>
+  <cs:dropLine>
+    <cs:lnRef idx="0"/>
+    <cs:fillRef idx="0"/>
+    <cs:effectRef idx="0"/>
+    <cs:fontRef idx="minor">
+      <a:schemeClr val="tx1"/>
+    </cs:fontRef>
+    <cs:spPr>
+      <a:ln w="9525" cap="flat" cmpd="sng" algn="ctr">
+        <a:solidFill>
+          <a:schemeClr val="tx1">
+            <a:lumMod val="35000"/>
+            <a:lumOff val="65000"/>
+          </a:schemeClr>
+        </a:solidFill>
+        <a:round/>
+      </a:ln>
+    </cs:spPr>
+  </cs:dropLine>
+  <cs:errorBar>
+    <cs:lnRef idx="0"/>
+    <cs:fillRef idx="0"/>
+    <cs:effectRef idx="0"/>
+    <cs:fontRef idx="minor">
+      <a:schemeClr val="tx1"/>
+    </cs:fontRef>
+    <cs:spPr>
+      <a:ln w="9525" cap="flat" cmpd="sng" algn="ctr">
+        <a:solidFill>
+          <a:schemeClr val="tx1">
+            <a:lumMod val="65000"/>
+            <a:lumOff val="35000"/>
+          </a:schemeClr>
+        </a:solidFill>
+        <a:round/>
+      </a:ln>
+    </cs:spPr>
+  </cs:errorBar>
+  <cs:floor>
+    <cs:lnRef idx="0"/>
+    <cs:fillRef idx="0"/>
+    <cs:effectRef idx="0"/>
+    <cs:fontRef idx="minor">
+      <a:schemeClr val="tx1"/>
+    </cs:fontRef>
+    <cs:spPr>
+      <a:noFill/>
+      <a:ln>
+        <a:noFill/>
+      </a:ln>
+    </cs:spPr>
+  </cs:floor>
+  <cs:gridlineMajor>
+    <cs:lnRef idx="0"/>
+    <cs:fillRef idx="0"/>
+    <cs:effectRef idx="0"/>
+    <cs:fontRef idx="minor">
+      <a:schemeClr val="tx1"/>
+    </cs:fontRef>
+    <cs:spPr>
+      <a:ln w="9525" cap="flat" cmpd="sng" algn="ctr">
+        <a:solidFill>
+          <a:schemeClr val="tx1">
+            <a:lumMod val="15000"/>
+            <a:lumOff val="85000"/>
+          </a:schemeClr>
+        </a:solidFill>
+        <a:round/>
+      </a:ln>
+    </cs:spPr>
+  </cs:gridlineMajor>
+  <cs:gridlineMinor>
+    <cs:lnRef idx="0"/>
+    <cs:fillRef idx="0"/>
+    <cs:effectRef idx="0"/>
+    <cs:fontRef idx="minor">
+      <a:schemeClr val="tx1"/>
+    </cs:fontRef>
+    <cs:spPr>
+      <a:ln w="9525" cap="flat" cmpd="sng" algn="ctr">
+        <a:solidFill>
+          <a:schemeClr val="tx1">
+            <a:lumMod val="5000"/>
+            <a:lumOff val="95000"/>
+          </a:schemeClr>
+        </a:solidFill>
+        <a:round/>
+      </a:ln>
+    </cs:spPr>
+  </cs:gridlineMinor>
+  <cs:hiLoLine>
+    <cs:lnRef idx="0"/>
+    <cs:fillRef idx="0"/>
+    <cs:effectRef idx="0"/>
+    <cs:fontRef idx="minor">
+      <a:schemeClr val="tx1"/>
+    </cs:fontRef>
+    <cs:spPr>
+      <a:ln w="9525" cap="flat" cmpd="sng" algn="ctr">
+        <a:solidFill>
+          <a:schemeClr val="tx1">
+            <a:lumMod val="50000"/>
+            <a:lumOff val="50000"/>
+          </a:schemeClr>
+        </a:solidFill>
+        <a:round/>
+      </a:ln>
+    </cs:spPr>
+  </cs:hiLoLine>
+  <cs:leaderLine>
+    <cs:lnRef idx="0"/>
+    <cs:fillRef idx="0"/>
+    <cs:effectRef idx="0"/>
+    <cs:fontRef idx="minor">
+      <a:schemeClr val="tx1"/>
+    </cs:fontRef>
+    <cs:spPr>
+      <a:ln w="9525" cap="flat" cmpd="sng" algn="ctr">
+        <a:solidFill>
+          <a:schemeClr val="tx1">
+            <a:lumMod val="35000"/>
+            <a:lumOff val="65000"/>
+          </a:schemeClr>
+        </a:solidFill>
+        <a:round/>
+      </a:ln>
+    </cs:spPr>
+  </cs:leaderLine>
+  <cs:legend>
+    <cs:lnRef idx="0"/>
+    <cs:fillRef idx="0"/>
+    <cs:effectRef idx="0"/>
+    <cs:fontRef idx="minor">
+      <a:schemeClr val="tx1">
+        <a:lumMod val="65000"/>
+        <a:lumOff val="35000"/>
+      </a:schemeClr>
+    </cs:fontRef>
+    <cs:defRPr sz="1197" kern="1200"/>
+  </cs:legend>
+  <cs:plotArea mods="allowNoFillOverride allowNoLineOverride">
+    <cs:lnRef idx="0"/>
+    <cs:fillRef idx="0"/>
+    <cs:effectRef idx="0"/>
+    <cs:fontRef idx="minor">
+      <a:schemeClr val="tx1"/>
+    </cs:fontRef>
+  </cs:plotArea>
+  <cs:plotArea3D mods="allowNoFillOverride allowNoLineOverride">
+    <cs:lnRef idx="0"/>
+    <cs:fillRef idx="0"/>
+    <cs:effectRef idx="0"/>
+    <cs:fontRef idx="minor">
+      <a:schemeClr val="tx1"/>
+    </cs:fontRef>
+  </cs:plotArea3D>
+  <cs:seriesAxis>
+    <cs:lnRef idx="0"/>
+    <cs:fillRef idx="0"/>
+    <cs:effectRef idx="0"/>
+    <cs:fontRef idx="minor">
+      <a:schemeClr val="tx1">
+        <a:lumMod val="65000"/>
+        <a:lumOff val="35000"/>
+      </a:schemeClr>
+    </cs:fontRef>
+    <cs:defRPr sz="1197" kern="1200"/>
+  </cs:seriesAxis>
+  <cs:seriesLine>
+    <cs:lnRef idx="0"/>
+    <cs:fillRef idx="0"/>
+    <cs:effectRef idx="0"/>
+    <cs:fontRef idx="minor">
+      <a:schemeClr val="tx1"/>
+    </cs:fontRef>
+    <cs:spPr>
+      <a:ln w="9525" cap="flat" cmpd="sng" algn="ctr">
+        <a:solidFill>
+          <a:schemeClr val="tx1">
+            <a:lumMod val="35000"/>
+            <a:lumOff val="65000"/>
+          </a:schemeClr>
+        </a:solidFill>
+        <a:round/>
+      </a:ln>
+    </cs:spPr>
+  </cs:seriesLine>
+  <cs:title>
+    <cs:lnRef idx="0"/>
+    <cs:fillRef idx="0"/>
+    <cs:effectRef idx="0"/>
+    <cs:fontRef idx="minor">
+      <a:schemeClr val="tx1">
+        <a:lumMod val="65000"/>
+        <a:lumOff val="35000"/>
+      </a:schemeClr>
+    </cs:fontRef>
+    <cs:defRPr sz="1862" b="0" kern="1200" spc="0" baseline="0"/>
+  </cs:title>
+  <cs:trendline>
+    <cs:lnRef idx="0">
+      <cs:styleClr val="auto"/>
+    </cs:lnRef>
+    <cs:fillRef idx="0"/>
+    <cs:effectRef idx="0"/>
+    <cs:fontRef idx="minor">
+      <a:schemeClr val="tx1"/>
+    </cs:fontRef>
+    <cs:spPr>
+      <a:ln w="19050" cap="rnd">
+        <a:solidFill>
+          <a:schemeClr val="phClr"/>
+        </a:solidFill>
+        <a:prstDash val="sysDot"/>
+      </a:ln>
+    </cs:spPr>
+  </cs:trendline>
+  <cs:trendlineLabel>
+    <cs:lnRef idx="0"/>
+    <cs:fillRef idx="0"/>
+    <cs:effectRef idx="0"/>
+    <cs:fontRef idx="minor">
+      <a:schemeClr val="tx1">
+        <a:lumMod val="65000"/>
+        <a:lumOff val="35000"/>
+      </a:schemeClr>
+    </cs:fontRef>
+    <cs:defRPr sz="1197" kern="1200"/>
+  </cs:trendlineLabel>
+  <cs:upBar>
+    <cs:lnRef idx="0"/>
+    <cs:fillRef idx="0"/>
+    <cs:effectRef idx="0"/>
+    <cs:fontRef idx="minor">
+      <a:schemeClr val="tx1"/>
+    </cs:fontRef>
+    <cs:spPr>
+      <a:solidFill>
+        <a:schemeClr val="lt1"/>
+      </a:solidFill>
+      <a:ln w="9525" cap="flat" cmpd="sng" algn="ctr">
+        <a:solidFill>
+          <a:schemeClr val="tx1">
+            <a:lumMod val="65000"/>
+            <a:lumOff val="35000"/>
+          </a:schemeClr>
+        </a:solidFill>
+        <a:round/>
+      </a:ln>
+    </cs:spPr>
+  </cs:upBar>
+  <cs:valueAxis>
+    <cs:lnRef idx="0"/>
+    <cs:fillRef idx="0"/>
+    <cs:effectRef idx="0"/>
+    <cs:fontRef idx="minor">
+      <a:schemeClr val="tx1">
+        <a:lumMod val="65000"/>
+        <a:lumOff val="35000"/>
+      </a:schemeClr>
+    </cs:fontRef>
+    <cs:defRPr sz="1197" kern="1200"/>
+  </cs:valueAxis>
+  <cs:wall>
+    <cs:lnRef idx="0"/>
+    <cs:fillRef idx="0"/>
+    <cs:effectRef idx="0"/>
+    <cs:fontRef idx="minor">
+      <a:schemeClr val="tx1"/>
+    </cs:fontRef>
+    <cs:spPr>
+      <a:noFill/>
+      <a:ln>
+        <a:noFill/>
+      </a:ln>
+    </cs:spPr>
+  </cs:wall>
+</cs:chartStyle>
+</file>
+
+<file path=ppt/charts/style3.xml><?xml version="1.0" encoding="utf-8"?>
+<cs:chartStyle xmlns:cs="http://schemas.microsoft.com/office/drawing/2012/chartStyle" xmlns:a="http://schemas.openxmlformats.org/drawingml/2006/main" id="251">
+  <cs:axisTitle>
+    <cs:lnRef idx="0"/>
+    <cs:fillRef idx="0"/>
+    <cs:effectRef idx="0"/>
+    <cs:fontRef idx="minor">
+      <a:schemeClr val="tx1">
+        <a:lumMod val="65000"/>
+        <a:lumOff val="35000"/>
+      </a:schemeClr>
+    </cs:fontRef>
+    <cs:defRPr sz="1330" kern="1200"/>
+  </cs:axisTitle>
+  <cs:categoryAxis>
+    <cs:lnRef idx="0"/>
+    <cs:fillRef idx="0"/>
+    <cs:effectRef idx="0"/>
+    <cs:fontRef idx="minor">
+      <a:schemeClr val="tx1">
+        <a:lumMod val="65000"/>
+        <a:lumOff val="35000"/>
+      </a:schemeClr>
+    </cs:fontRef>
+    <cs:spPr>
+      <a:ln w="9525" cap="flat" cmpd="sng" algn="ctr">
+        <a:solidFill>
+          <a:schemeClr val="tx1">
+            <a:lumMod val="15000"/>
+            <a:lumOff val="85000"/>
+          </a:schemeClr>
+        </a:solidFill>
+        <a:round/>
+      </a:ln>
+    </cs:spPr>
+    <cs:defRPr sz="1197" kern="1200"/>
+  </cs:categoryAxis>
+  <cs:chartArea mods="allowNoFillOverride allowNoLineOverride">
+    <cs:lnRef idx="0"/>
+    <cs:fillRef idx="0"/>
+    <cs:effectRef idx="0"/>
+    <cs:fontRef idx="minor">
+      <a:schemeClr val="tx1"/>
+    </cs:fontRef>
+    <cs:spPr>
+      <a:solidFill>
+        <a:schemeClr val="bg1"/>
+      </a:solidFill>
+      <a:ln w="9525" cap="flat" cmpd="sng" algn="ctr">
+        <a:solidFill>
+          <a:schemeClr val="tx1">
+            <a:lumMod val="15000"/>
+            <a:lumOff val="85000"/>
+          </a:schemeClr>
+        </a:solidFill>
+        <a:round/>
+      </a:ln>
+    </cs:spPr>
+    <cs:defRPr sz="1197" kern="1200"/>
+  </cs:chartArea>
+  <cs:dataLabel>
+    <cs:lnRef idx="0"/>
+    <cs:fillRef idx="0"/>
+    <cs:effectRef idx="0"/>
+    <cs:fontRef idx="minor">
+      <a:schemeClr val="tx1">
+        <a:lumMod val="75000"/>
+        <a:lumOff val="25000"/>
+      </a:schemeClr>
+    </cs:fontRef>
+    <cs:defRPr sz="1197" kern="1200"/>
+  </cs:dataLabel>
+  <cs:dataLabelCallout>
+    <cs:lnRef idx="0"/>
+    <cs:fillRef idx="0"/>
+    <cs:effectRef idx="0"/>
+    <cs:fontRef idx="minor">
+      <a:schemeClr val="dk1">
+        <a:lumMod val="65000"/>
+        <a:lumOff val="35000"/>
+      </a:schemeClr>
+    </cs:fontRef>
+    <cs:spPr>
+      <a:solidFill>
+        <a:schemeClr val="lt1"/>
+      </a:solidFill>
+      <a:ln>
+        <a:solidFill>
+          <a:schemeClr val="dk1">
+            <a:lumMod val="25000"/>
+            <a:lumOff val="75000"/>
+          </a:schemeClr>
+        </a:solidFill>
+      </a:ln>
+    </cs:spPr>
+    <cs:defRPr sz="1197" kern="1200"/>
+    <cs:bodyPr rot="0" spcFirstLastPara="1" vertOverflow="clip" horzOverflow="clip" vert="horz" wrap="square" lIns="36576" tIns="18288" rIns="36576" bIns="18288" anchor="ctr" anchorCtr="1">
+      <a:spAutoFit/>
+    </cs:bodyPr>
+  </cs:dataLabelCallout>
+  <cs:dataPoint>
+    <cs:lnRef idx="0"/>
+    <cs:fillRef idx="1">
+      <cs:styleClr val="auto"/>
+    </cs:fillRef>
+    <cs:effectRef idx="0"/>
+    <cs:fontRef idx="minor">
+      <a:schemeClr val="tx1"/>
+    </cs:fontRef>
+    <cs:spPr>
+      <a:ln w="19050">
+        <a:solidFill>
+          <a:schemeClr val="lt1"/>
+        </a:solidFill>
+      </a:ln>
+    </cs:spPr>
+  </cs:dataPoint>
+  <cs:dataPoint3D>
+    <cs:lnRef idx="0"/>
+    <cs:fillRef idx="1">
+      <cs:styleClr val="auto"/>
+    </cs:fillRef>
+    <cs:effectRef idx="0"/>
+    <cs:fontRef idx="minor">
+      <a:schemeClr val="tx1"/>
+    </cs:fontRef>
+    <cs:spPr>
+      <a:ln w="25400">
+        <a:solidFill>
+          <a:schemeClr val="lt1"/>
+        </a:solidFill>
+      </a:ln>
+    </cs:spPr>
+  </cs:dataPoint3D>
+  <cs:dataPointLine>
+    <cs:lnRef idx="0">
+      <cs:styleClr val="auto"/>
+    </cs:lnRef>
+    <cs:fillRef idx="0"/>
+    <cs:effectRef idx="0"/>
+    <cs:fontRef idx="minor">
+      <a:schemeClr val="tx1"/>
+    </cs:fontRef>
+    <cs:spPr>
+      <a:ln w="28575" cap="rnd">
+        <a:solidFill>
+          <a:schemeClr val="phClr"/>
+        </a:solidFill>
+        <a:round/>
+      </a:ln>
+    </cs:spPr>
+  </cs:dataPointLine>
+  <cs:dataPointMarker>
+    <cs:lnRef idx="0">
+      <cs:styleClr val="auto"/>
+    </cs:lnRef>
+    <cs:fillRef idx="1">
+      <cs:styleClr val="auto"/>
+    </cs:fillRef>
+    <cs:effectRef idx="0"/>
+    <cs:fontRef idx="minor">
+      <a:schemeClr val="tx1"/>
+    </cs:fontRef>
+    <cs:spPr>
+      <a:ln w="9525">
+        <a:solidFill>
+          <a:schemeClr val="phClr"/>
+        </a:solidFill>
+      </a:ln>
+    </cs:spPr>
+  </cs:dataPointMarker>
+  <cs:dataPointMarkerLayout symbol="circle" size="5"/>
+  <cs:dataPointWireframe>
+    <cs:lnRef idx="0">
+      <cs:styleClr val="auto"/>
+    </cs:lnRef>
+    <cs:fillRef idx="0"/>
+    <cs:effectRef idx="0"/>
+    <cs:fontRef idx="minor">
+      <a:schemeClr val="tx1"/>
+    </cs:fontRef>
+    <cs:spPr>
+      <a:ln w="9525" cap="rnd">
+        <a:solidFill>
+          <a:schemeClr val="phClr"/>
+        </a:solidFill>
+        <a:round/>
+      </a:ln>
+    </cs:spPr>
+  </cs:dataPointWireframe>
+  <cs:dataTable>
+    <cs:lnRef idx="0"/>
+    <cs:fillRef idx="0"/>
+    <cs:effectRef idx="0"/>
+    <cs:fontRef idx="minor">
+      <a:schemeClr val="tx1">
+        <a:lumMod val="65000"/>
+        <a:lumOff val="35000"/>
+      </a:schemeClr>
+    </cs:fontRef>
+    <cs:spPr>
+      <a:noFill/>
+      <a:ln w="9525" cap="flat" cmpd="sng" algn="ctr">
+        <a:solidFill>
+          <a:schemeClr val="tx1">
+            <a:lumMod val="15000"/>
+            <a:lumOff val="85000"/>
+          </a:schemeClr>
+        </a:solidFill>
+        <a:round/>
+      </a:ln>
+    </cs:spPr>
+    <cs:defRPr sz="1197" kern="1200"/>
+  </cs:dataTable>
+  <cs:downBar>
+    <cs:lnRef idx="0"/>
+    <cs:fillRef idx="0"/>
+    <cs:effectRef idx="0"/>
+    <cs:fontRef idx="minor">
+      <a:schemeClr val="tx1"/>
+    </cs:fontRef>
+    <cs:spPr>
+      <a:solidFill>
+        <a:schemeClr val="dk1">
+          <a:lumMod val="75000"/>
+          <a:lumOff val="25000"/>
+        </a:schemeClr>
+      </a:solidFill>
+      <a:ln w="9525" cap="flat" cmpd="sng" algn="ctr">
+        <a:solidFill>
+          <a:schemeClr val="tx1">
+            <a:lumMod val="65000"/>
+            <a:lumOff val="35000"/>
+          </a:schemeClr>
+        </a:solidFill>
+        <a:round/>
+      </a:ln>
+    </cs:spPr>
+  </cs:downBar>
+  <cs:dropLine>
+    <cs:lnRef idx="0"/>
+    <cs:fillRef idx="0"/>
+    <cs:effectRef idx="0"/>
+    <cs:fontRef idx="minor">
+      <a:schemeClr val="tx1"/>
+    </cs:fontRef>
+    <cs:spPr>
+      <a:ln w="9525" cap="flat" cmpd="sng" algn="ctr">
+        <a:solidFill>
+          <a:schemeClr val="tx1">
+            <a:lumMod val="35000"/>
+            <a:lumOff val="65000"/>
+          </a:schemeClr>
+        </a:solidFill>
+        <a:round/>
+      </a:ln>
+    </cs:spPr>
+  </cs:dropLine>
+  <cs:errorBar>
+    <cs:lnRef idx="0"/>
+    <cs:fillRef idx="0"/>
+    <cs:effectRef idx="0"/>
+    <cs:fontRef idx="minor">
+      <a:schemeClr val="tx1"/>
+    </cs:fontRef>
+    <cs:spPr>
+      <a:ln w="9525" cap="flat" cmpd="sng" algn="ctr">
+        <a:solidFill>
+          <a:schemeClr val="tx1">
+            <a:lumMod val="65000"/>
+            <a:lumOff val="35000"/>
+          </a:schemeClr>
+        </a:solidFill>
+        <a:round/>
+      </a:ln>
+    </cs:spPr>
+  </cs:errorBar>
+  <cs:floor>
+    <cs:lnRef idx="0"/>
+    <cs:fillRef idx="0"/>
+    <cs:effectRef idx="0"/>
+    <cs:fontRef idx="minor">
+      <a:schemeClr val="tx1"/>
+    </cs:fontRef>
+    <cs:spPr>
+      <a:noFill/>
+      <a:ln>
+        <a:noFill/>
+      </a:ln>
+    </cs:spPr>
+  </cs:floor>
+  <cs:gridlineMajor>
+    <cs:lnRef idx="0"/>
+    <cs:fillRef idx="0"/>
+    <cs:effectRef idx="0"/>
+    <cs:fontRef idx="minor">
+      <a:schemeClr val="tx1"/>
+    </cs:fontRef>
+    <cs:spPr>
+      <a:ln w="9525" cap="flat" cmpd="sng" algn="ctr">
+        <a:solidFill>
+          <a:schemeClr val="tx1">
+            <a:lumMod val="15000"/>
+            <a:lumOff val="85000"/>
+          </a:schemeClr>
+        </a:solidFill>
+        <a:round/>
+      </a:ln>
+    </cs:spPr>
+  </cs:gridlineMajor>
+  <cs:gridlineMinor>
+    <cs:lnRef idx="0"/>
+    <cs:fillRef idx="0"/>
+    <cs:effectRef idx="0"/>
+    <cs:fontRef idx="minor">
+      <a:schemeClr val="tx1"/>
+    </cs:fontRef>
+    <cs:spPr>
+      <a:ln w="9525" cap="flat" cmpd="sng" algn="ctr">
+        <a:solidFill>
+          <a:schemeClr val="tx1">
+            <a:lumMod val="5000"/>
+            <a:lumOff val="95000"/>
+          </a:schemeClr>
+        </a:solidFill>
+        <a:round/>
+      </a:ln>
+    </cs:spPr>
+  </cs:gridlineMinor>
+  <cs:hiLoLine>
+    <cs:lnRef idx="0"/>
+    <cs:fillRef idx="0"/>
+    <cs:effectRef idx="0"/>
+    <cs:fontRef idx="minor">
+      <a:schemeClr val="tx1"/>
+    </cs:fontRef>
+    <cs:spPr>
+      <a:ln w="9525" cap="flat" cmpd="sng" algn="ctr">
+        <a:solidFill>
+          <a:schemeClr val="tx1">
+            <a:lumMod val="50000"/>
+            <a:lumOff val="50000"/>
+          </a:schemeClr>
+        </a:solidFill>
+        <a:round/>
+      </a:ln>
+    </cs:spPr>
+  </cs:hiLoLine>
+  <cs:leaderLine>
+    <cs:lnRef idx="0"/>
+    <cs:fillRef idx="0"/>
+    <cs:effectRef idx="0"/>
+    <cs:fontRef idx="minor">
+      <a:schemeClr val="tx1"/>
+    </cs:fontRef>
+    <cs:spPr>
+      <a:ln w="9525" cap="flat" cmpd="sng" algn="ctr">
+        <a:solidFill>
+          <a:schemeClr val="tx1">
+            <a:lumMod val="35000"/>
+            <a:lumOff val="65000"/>
+          </a:schemeClr>
+        </a:solidFill>
+        <a:round/>
+      </a:ln>
+    </cs:spPr>
+  </cs:leaderLine>
+  <cs:legend>
+    <cs:lnRef idx="0"/>
+    <cs:fillRef idx="0"/>
+    <cs:effectRef idx="0"/>
+    <cs:fontRef idx="minor">
+      <a:schemeClr val="tx1">
+        <a:lumMod val="65000"/>
+        <a:lumOff val="35000"/>
+      </a:schemeClr>
+    </cs:fontRef>
+    <cs:defRPr sz="1197" kern="1200"/>
+  </cs:legend>
+  <cs:plotArea mods="allowNoFillOverride allowNoLineOverride">
+    <cs:lnRef idx="0"/>
+    <cs:fillRef idx="0"/>
+    <cs:effectRef idx="0"/>
+    <cs:fontRef idx="minor">
+      <a:schemeClr val="tx1"/>
+    </cs:fontRef>
+  </cs:plotArea>
+  <cs:plotArea3D mods="allowNoFillOverride allowNoLineOverride">
+    <cs:lnRef idx="0"/>
+    <cs:fillRef idx="0"/>
+    <cs:effectRef idx="0"/>
+    <cs:fontRef idx="minor">
+      <a:schemeClr val="tx1"/>
+    </cs:fontRef>
+  </cs:plotArea3D>
+  <cs:seriesAxis>
+    <cs:lnRef idx="0"/>
+    <cs:fillRef idx="0"/>
+    <cs:effectRef idx="0"/>
+    <cs:fontRef idx="minor">
+      <a:schemeClr val="tx1">
+        <a:lumMod val="65000"/>
+        <a:lumOff val="35000"/>
+      </a:schemeClr>
+    </cs:fontRef>
+    <cs:defRPr sz="1197" kern="1200"/>
+  </cs:seriesAxis>
+  <cs:seriesLine>
+    <cs:lnRef idx="0"/>
+    <cs:fillRef idx="0"/>
+    <cs:effectRef idx="0"/>
+    <cs:fontRef idx="minor">
+      <a:schemeClr val="tx1"/>
+    </cs:fontRef>
+    <cs:spPr>
+      <a:ln w="9525" cap="flat" cmpd="sng" algn="ctr">
+        <a:solidFill>
+          <a:schemeClr val="tx1">
+            <a:lumMod val="35000"/>
+            <a:lumOff val="65000"/>
+          </a:schemeClr>
+        </a:solidFill>
+        <a:round/>
+      </a:ln>
+    </cs:spPr>
+  </cs:seriesLine>
+  <cs:title>
+    <cs:lnRef idx="0"/>
+    <cs:fillRef idx="0"/>
+    <cs:effectRef idx="0"/>
+    <cs:fontRef idx="minor">
+      <a:schemeClr val="tx1">
+        <a:lumMod val="65000"/>
+        <a:lumOff val="35000"/>
+      </a:schemeClr>
+    </cs:fontRef>
+    <cs:defRPr sz="1862" b="0" kern="1200" spc="0" baseline="0"/>
+  </cs:title>
+  <cs:trendline>
+    <cs:lnRef idx="0">
+      <cs:styleClr val="auto"/>
+    </cs:lnRef>
+    <cs:fillRef idx="0"/>
+    <cs:effectRef idx="0"/>
+    <cs:fontRef idx="minor">
+      <a:schemeClr val="tx1"/>
+    </cs:fontRef>
+    <cs:spPr>
+      <a:ln w="19050" cap="rnd">
+        <a:solidFill>
+          <a:schemeClr val="phClr"/>
+        </a:solidFill>
+        <a:prstDash val="sysDot"/>
+      </a:ln>
+    </cs:spPr>
+  </cs:trendline>
+  <cs:trendlineLabel>
+    <cs:lnRef idx="0"/>
+    <cs:fillRef idx="0"/>
+    <cs:effectRef idx="0"/>
+    <cs:fontRef idx="minor">
+      <a:schemeClr val="tx1">
+        <a:lumMod val="65000"/>
+        <a:lumOff val="35000"/>
+      </a:schemeClr>
+    </cs:fontRef>
+    <cs:defRPr sz="1197" kern="1200"/>
+  </cs:trendlineLabel>
+  <cs:upBar>
+    <cs:lnRef idx="0"/>
+    <cs:fillRef idx="0"/>
+    <cs:effectRef idx="0"/>
+    <cs:fontRef idx="minor">
+      <a:schemeClr val="tx1"/>
+    </cs:fontRef>
+    <cs:spPr>
+      <a:solidFill>
+        <a:schemeClr val="lt1"/>
+      </a:solidFill>
+      <a:ln w="9525" cap="flat" cmpd="sng" algn="ctr">
+        <a:solidFill>
+          <a:schemeClr val="tx1">
+            <a:lumMod val="65000"/>
+            <a:lumOff val="35000"/>
+          </a:schemeClr>
+        </a:solidFill>
+        <a:round/>
+      </a:ln>
+    </cs:spPr>
+  </cs:upBar>
+  <cs:valueAxis>
+    <cs:lnRef idx="0"/>
+    <cs:fillRef idx="0"/>
+    <cs:effectRef idx="0"/>
+    <cs:fontRef idx="minor">
+      <a:schemeClr val="tx1">
+        <a:lumMod val="65000"/>
+        <a:lumOff val="35000"/>
+      </a:schemeClr>
+    </cs:fontRef>
+    <cs:defRPr sz="1197" kern="1200"/>
+  </cs:valueAxis>
+  <cs:wall>
+    <cs:lnRef idx="0"/>
+    <cs:fillRef idx="0"/>
+    <cs:effectRef idx="0"/>
+    <cs:fontRef idx="minor">
+      <a:schemeClr val="tx1"/>
+    </cs:fontRef>
+    <cs:spPr>
+      <a:noFill/>
+      <a:ln>
+        <a:noFill/>
+      </a:ln>
+    </cs:spPr>
+  </cs:wall>
+</cs:chartStyle>
+</file>
+
+<file path=ppt/charts/style4.xml><?xml version="1.0" encoding="utf-8"?>
+<cs:chartStyle xmlns:cs="http://schemas.microsoft.com/office/drawing/2012/chartStyle" xmlns:a="http://schemas.openxmlformats.org/drawingml/2006/main" id="251">
+  <cs:axisTitle>
+    <cs:lnRef idx="0"/>
+    <cs:fillRef idx="0"/>
+    <cs:effectRef idx="0"/>
+    <cs:fontRef idx="minor">
+      <a:schemeClr val="tx1">
+        <a:lumMod val="65000"/>
+        <a:lumOff val="35000"/>
+      </a:schemeClr>
+    </cs:fontRef>
+    <cs:defRPr sz="1330" kern="1200"/>
+  </cs:axisTitle>
+  <cs:categoryAxis>
+    <cs:lnRef idx="0"/>
+    <cs:fillRef idx="0"/>
+    <cs:effectRef idx="0"/>
+    <cs:fontRef idx="minor">
+      <a:schemeClr val="tx1">
+        <a:lumMod val="65000"/>
+        <a:lumOff val="35000"/>
+      </a:schemeClr>
+    </cs:fontRef>
+    <cs:spPr>
+      <a:ln w="9525" cap="flat" cmpd="sng" algn="ctr">
+        <a:solidFill>
+          <a:schemeClr val="tx1">
+            <a:lumMod val="15000"/>
+            <a:lumOff val="85000"/>
+          </a:schemeClr>
+        </a:solidFill>
+        <a:round/>
+      </a:ln>
+    </cs:spPr>
+    <cs:defRPr sz="1197" kern="1200"/>
+  </cs:categoryAxis>
+  <cs:chartArea mods="allowNoFillOverride allowNoLineOverride">
+    <cs:lnRef idx="0"/>
+    <cs:fillRef idx="0"/>
+    <cs:effectRef idx="0"/>
+    <cs:fontRef idx="minor">
+      <a:schemeClr val="tx1"/>
+    </cs:fontRef>
+    <cs:spPr>
+      <a:solidFill>
+        <a:schemeClr val="bg1"/>
+      </a:solidFill>
+      <a:ln w="9525" cap="flat" cmpd="sng" algn="ctr">
+        <a:solidFill>
+          <a:schemeClr val="tx1">
+            <a:lumMod val="15000"/>
+            <a:lumOff val="85000"/>
+          </a:schemeClr>
+        </a:solidFill>
+        <a:round/>
+      </a:ln>
+    </cs:spPr>
+    <cs:defRPr sz="1197" kern="1200"/>
+  </cs:chartArea>
+  <cs:dataLabel>
+    <cs:lnRef idx="0"/>
+    <cs:fillRef idx="0"/>
+    <cs:effectRef idx="0"/>
+    <cs:fontRef idx="minor">
+      <a:schemeClr val="tx1">
+        <a:lumMod val="75000"/>
+        <a:lumOff val="25000"/>
+      </a:schemeClr>
+    </cs:fontRef>
+    <cs:defRPr sz="1197" kern="1200"/>
+  </cs:dataLabel>
+  <cs:dataLabelCallout>
+    <cs:lnRef idx="0"/>
+    <cs:fillRef idx="0"/>
+    <cs:effectRef idx="0"/>
+    <cs:fontRef idx="minor">
+      <a:schemeClr val="dk1">
+        <a:lumMod val="65000"/>
+        <a:lumOff val="35000"/>
+      </a:schemeClr>
+    </cs:fontRef>
+    <cs:spPr>
+      <a:solidFill>
+        <a:schemeClr val="lt1"/>
+      </a:solidFill>
+      <a:ln>
+        <a:solidFill>
+          <a:schemeClr val="dk1">
+            <a:lumMod val="25000"/>
+            <a:lumOff val="75000"/>
+          </a:schemeClr>
+        </a:solidFill>
+      </a:ln>
+    </cs:spPr>
+    <cs:defRPr sz="1197" kern="1200"/>
+    <cs:bodyPr rot="0" spcFirstLastPara="1" vertOverflow="clip" horzOverflow="clip" vert="horz" wrap="square" lIns="36576" tIns="18288" rIns="36576" bIns="18288" anchor="ctr" anchorCtr="1">
+      <a:spAutoFit/>
+    </cs:bodyPr>
+  </cs:dataLabelCallout>
+  <cs:dataPoint>
+    <cs:lnRef idx="0"/>
+    <cs:fillRef idx="1">
+      <cs:styleClr val="auto"/>
+    </cs:fillRef>
+    <cs:effectRef idx="0"/>
+    <cs:fontRef idx="minor">
+      <a:schemeClr val="tx1"/>
+    </cs:fontRef>
+    <cs:spPr>
+      <a:ln w="19050">
+        <a:solidFill>
+          <a:schemeClr val="lt1"/>
+        </a:solidFill>
+      </a:ln>
+    </cs:spPr>
+  </cs:dataPoint>
+  <cs:dataPoint3D>
+    <cs:lnRef idx="0"/>
+    <cs:fillRef idx="1">
+      <cs:styleClr val="auto"/>
+    </cs:fillRef>
+    <cs:effectRef idx="0"/>
+    <cs:fontRef idx="minor">
+      <a:schemeClr val="tx1"/>
+    </cs:fontRef>
+    <cs:spPr>
+      <a:ln w="25400">
+        <a:solidFill>
+          <a:schemeClr val="lt1"/>
+        </a:solidFill>
+      </a:ln>
+    </cs:spPr>
+  </cs:dataPoint3D>
+  <cs:dataPointLine>
+    <cs:lnRef idx="0">
+      <cs:styleClr val="auto"/>
+    </cs:lnRef>
+    <cs:fillRef idx="0"/>
+    <cs:effectRef idx="0"/>
+    <cs:fontRef idx="minor">
+      <a:schemeClr val="tx1"/>
+    </cs:fontRef>
+    <cs:spPr>
+      <a:ln w="28575" cap="rnd">
+        <a:solidFill>
+          <a:schemeClr val="phClr"/>
+        </a:solidFill>
+        <a:round/>
+      </a:ln>
+    </cs:spPr>
+  </cs:dataPointLine>
+  <cs:dataPointMarker>
+    <cs:lnRef idx="0">
+      <cs:styleClr val="auto"/>
+    </cs:lnRef>
+    <cs:fillRef idx="1">
+      <cs:styleClr val="auto"/>
+    </cs:fillRef>
+    <cs:effectRef idx="0"/>
+    <cs:fontRef idx="minor">
+      <a:schemeClr val="tx1"/>
+    </cs:fontRef>
+    <cs:spPr>
+      <a:ln w="9525">
+        <a:solidFill>
+          <a:schemeClr val="phClr"/>
+        </a:solidFill>
+      </a:ln>
+    </cs:spPr>
+  </cs:dataPointMarker>
+  <cs:dataPointMarkerLayout symbol="circle" size="5"/>
+  <cs:dataPointWireframe>
+    <cs:lnRef idx="0">
+      <cs:styleClr val="auto"/>
+    </cs:lnRef>
+    <cs:fillRef idx="0"/>
+    <cs:effectRef idx="0"/>
+    <cs:fontRef idx="minor">
+      <a:schemeClr val="tx1"/>
+    </cs:fontRef>
+    <cs:spPr>
+      <a:ln w="9525" cap="rnd">
+        <a:solidFill>
+          <a:schemeClr val="phClr"/>
+        </a:solidFill>
+        <a:round/>
+      </a:ln>
+    </cs:spPr>
+  </cs:dataPointWireframe>
+  <cs:dataTable>
+    <cs:lnRef idx="0"/>
+    <cs:fillRef idx="0"/>
+    <cs:effectRef idx="0"/>
+    <cs:fontRef idx="minor">
+      <a:schemeClr val="tx1">
+        <a:lumMod val="65000"/>
+        <a:lumOff val="35000"/>
+      </a:schemeClr>
+    </cs:fontRef>
+    <cs:spPr>
+      <a:noFill/>
+      <a:ln w="9525" cap="flat" cmpd="sng" algn="ctr">
+        <a:solidFill>
+          <a:schemeClr val="tx1">
+            <a:lumMod val="15000"/>
+            <a:lumOff val="85000"/>
+          </a:schemeClr>
+        </a:solidFill>
+        <a:round/>
+      </a:ln>
+    </cs:spPr>
+    <cs:defRPr sz="1197" kern="1200"/>
+  </cs:dataTable>
+  <cs:downBar>
+    <cs:lnRef idx="0"/>
+    <cs:fillRef idx="0"/>
+    <cs:effectRef idx="0"/>
+    <cs:fontRef idx="minor">
+      <a:schemeClr val="tx1"/>
+    </cs:fontRef>
+    <cs:spPr>
+      <a:solidFill>
+        <a:schemeClr val="dk1">
+          <a:lumMod val="75000"/>
+          <a:lumOff val="25000"/>
+        </a:schemeClr>
+      </a:solidFill>
+      <a:ln w="9525" cap="flat" cmpd="sng" algn="ctr">
+        <a:solidFill>
+          <a:schemeClr val="tx1">
+            <a:lumMod val="65000"/>
+            <a:lumOff val="35000"/>
+          </a:schemeClr>
+        </a:solidFill>
+        <a:round/>
+      </a:ln>
+    </cs:spPr>
+  </cs:downBar>
+  <cs:dropLine>
+    <cs:lnRef idx="0"/>
+    <cs:fillRef idx="0"/>
+    <cs:effectRef idx="0"/>
+    <cs:fontRef idx="minor">
+      <a:schemeClr val="tx1"/>
+    </cs:fontRef>
+    <cs:spPr>
+      <a:ln w="9525" cap="flat" cmpd="sng" algn="ctr">
+        <a:solidFill>
+          <a:schemeClr val="tx1">
+            <a:lumMod val="35000"/>
+            <a:lumOff val="65000"/>
+          </a:schemeClr>
+        </a:solidFill>
+        <a:round/>
+      </a:ln>
+    </cs:spPr>
+  </cs:dropLine>
+  <cs:errorBar>
+    <cs:lnRef idx="0"/>
+    <cs:fillRef idx="0"/>
+    <cs:effectRef idx="0"/>
+    <cs:fontRef idx="minor">
+      <a:schemeClr val="tx1"/>
+    </cs:fontRef>
+    <cs:spPr>
+      <a:ln w="9525" cap="flat" cmpd="sng" algn="ctr">
+        <a:solidFill>
+          <a:schemeClr val="tx1">
+            <a:lumMod val="65000"/>
+            <a:lumOff val="35000"/>
+          </a:schemeClr>
+        </a:solidFill>
+        <a:round/>
+      </a:ln>
+    </cs:spPr>
+  </cs:errorBar>
+  <cs:floor>
+    <cs:lnRef idx="0"/>
+    <cs:fillRef idx="0"/>
+    <cs:effectRef idx="0"/>
+    <cs:fontRef idx="minor">
+      <a:schemeClr val="tx1"/>
+    </cs:fontRef>
+    <cs:spPr>
+      <a:noFill/>
+      <a:ln>
+        <a:noFill/>
+      </a:ln>
+    </cs:spPr>
+  </cs:floor>
+  <cs:gridlineMajor>
+    <cs:lnRef idx="0"/>
+    <cs:fillRef idx="0"/>
+    <cs:effectRef idx="0"/>
+    <cs:fontRef idx="minor">
+      <a:schemeClr val="tx1"/>
+    </cs:fontRef>
+    <cs:spPr>
+      <a:ln w="9525" cap="flat" cmpd="sng" algn="ctr">
+        <a:solidFill>
+          <a:schemeClr val="tx1">
+            <a:lumMod val="15000"/>
+            <a:lumOff val="85000"/>
+          </a:schemeClr>
+        </a:solidFill>
+        <a:round/>
+      </a:ln>
+    </cs:spPr>
+  </cs:gridlineMajor>
+  <cs:gridlineMinor>
+    <cs:lnRef idx="0"/>
+    <cs:fillRef idx="0"/>
+    <cs:effectRef idx="0"/>
+    <cs:fontRef idx="minor">
+      <a:schemeClr val="tx1"/>
+    </cs:fontRef>
+    <cs:spPr>
+      <a:ln w="9525" cap="flat" cmpd="sng" algn="ctr">
+        <a:solidFill>
+          <a:schemeClr val="tx1">
+            <a:lumMod val="5000"/>
+            <a:lumOff val="95000"/>
+          </a:schemeClr>
+        </a:solidFill>
+        <a:round/>
+      </a:ln>
+    </cs:spPr>
+  </cs:gridlineMinor>
+  <cs:hiLoLine>
+    <cs:lnRef idx="0"/>
+    <cs:fillRef idx="0"/>
+    <cs:effectRef idx="0"/>
+    <cs:fontRef idx="minor">
+      <a:schemeClr val="tx1"/>
+    </cs:fontRef>
+    <cs:spPr>
+      <a:ln w="9525" cap="flat" cmpd="sng" algn="ctr">
+        <a:solidFill>
+          <a:schemeClr val="tx1">
+            <a:lumMod val="50000"/>
+            <a:lumOff val="50000"/>
+          </a:schemeClr>
+        </a:solidFill>
+        <a:round/>
+      </a:ln>
+    </cs:spPr>
+  </cs:hiLoLine>
+  <cs:leaderLine>
+    <cs:lnRef idx="0"/>
+    <cs:fillRef idx="0"/>
+    <cs:effectRef idx="0"/>
+    <cs:fontRef idx="minor">
+      <a:schemeClr val="tx1"/>
+    </cs:fontRef>
+    <cs:spPr>
+      <a:ln w="9525" cap="flat" cmpd="sng" algn="ctr">
+        <a:solidFill>
+          <a:schemeClr val="tx1">
+            <a:lumMod val="35000"/>
+            <a:lumOff val="65000"/>
+          </a:schemeClr>
+        </a:solidFill>
+        <a:round/>
+      </a:ln>
+    </cs:spPr>
+  </cs:leaderLine>
+  <cs:legend>
+    <cs:lnRef idx="0"/>
+    <cs:fillRef idx="0"/>
+    <cs:effectRef idx="0"/>
+    <cs:fontRef idx="minor">
+      <a:schemeClr val="tx1">
+        <a:lumMod val="65000"/>
+        <a:lumOff val="35000"/>
+      </a:schemeClr>
+    </cs:fontRef>
+    <cs:defRPr sz="1197" kern="1200"/>
+  </cs:legend>
+  <cs:plotArea mods="allowNoFillOverride allowNoLineOverride">
+    <cs:lnRef idx="0"/>
+    <cs:fillRef idx="0"/>
+    <cs:effectRef idx="0"/>
+    <cs:fontRef idx="minor">
+      <a:schemeClr val="tx1"/>
+    </cs:fontRef>
+  </cs:plotArea>
+  <cs:plotArea3D mods="allowNoFillOverride allowNoLineOverride">
+    <cs:lnRef idx="0"/>
+    <cs:fillRef idx="0"/>
+    <cs:effectRef idx="0"/>
+    <cs:fontRef idx="minor">
+      <a:schemeClr val="tx1"/>
+    </cs:fontRef>
+  </cs:plotArea3D>
+  <cs:seriesAxis>
+    <cs:lnRef idx="0"/>
+    <cs:fillRef idx="0"/>
+    <cs:effectRef idx="0"/>
+    <cs:fontRef idx="minor">
+      <a:schemeClr val="tx1">
+        <a:lumMod val="65000"/>
+        <a:lumOff val="35000"/>
+      </a:schemeClr>
+    </cs:fontRef>
+    <cs:defRPr sz="1197" kern="1200"/>
+  </cs:seriesAxis>
+  <cs:seriesLine>
+    <cs:lnRef idx="0"/>
+    <cs:fillRef idx="0"/>
+    <cs:effectRef idx="0"/>
+    <cs:fontRef idx="minor">
+      <a:schemeClr val="tx1"/>
+    </cs:fontRef>
+    <cs:spPr>
+      <a:ln w="9525" cap="flat" cmpd="sng" algn="ctr">
+        <a:solidFill>
+          <a:schemeClr val="tx1">
+            <a:lumMod val="35000"/>
+            <a:lumOff val="65000"/>
+          </a:schemeClr>
+        </a:solidFill>
+        <a:round/>
+      </a:ln>
+    </cs:spPr>
+  </cs:seriesLine>
+  <cs:title>
+    <cs:lnRef idx="0"/>
+    <cs:fillRef idx="0"/>
+    <cs:effectRef idx="0"/>
+    <cs:fontRef idx="minor">
+      <a:schemeClr val="tx1">
+        <a:lumMod val="65000"/>
+        <a:lumOff val="35000"/>
+      </a:schemeClr>
+    </cs:fontRef>
+    <cs:defRPr sz="1862" b="0" kern="1200" spc="0" baseline="0"/>
+  </cs:title>
+  <cs:trendline>
+    <cs:lnRef idx="0">
+      <cs:styleClr val="auto"/>
+    </cs:lnRef>
+    <cs:fillRef idx="0"/>
+    <cs:effectRef idx="0"/>
+    <cs:fontRef idx="minor">
+      <a:schemeClr val="tx1"/>
+    </cs:fontRef>
+    <cs:spPr>
+      <a:ln w="19050" cap="rnd">
+        <a:solidFill>
+          <a:schemeClr val="phClr"/>
+        </a:solidFill>
+        <a:prstDash val="sysDot"/>
+      </a:ln>
+    </cs:spPr>
+  </cs:trendline>
+  <cs:trendlineLabel>
+    <cs:lnRef idx="0"/>
+    <cs:fillRef idx="0"/>
+    <cs:effectRef idx="0"/>
+    <cs:fontRef idx="minor">
+      <a:schemeClr val="tx1">
+        <a:lumMod val="65000"/>
+        <a:lumOff val="35000"/>
+      </a:schemeClr>
+    </cs:fontRef>
+    <cs:defRPr sz="1197" kern="1200"/>
+  </cs:trendlineLabel>
+  <cs:upBar>
+    <cs:lnRef idx="0"/>
+    <cs:fillRef idx="0"/>
+    <cs:effectRef idx="0"/>
+    <cs:fontRef idx="minor">
+      <a:schemeClr val="tx1"/>
+    </cs:fontRef>
+    <cs:spPr>
+      <a:solidFill>
+        <a:schemeClr val="lt1"/>
+      </a:solidFill>
+      <a:ln w="9525" cap="flat" cmpd="sng" algn="ctr">
+        <a:solidFill>
+          <a:schemeClr val="tx1">
+            <a:lumMod val="65000"/>
+            <a:lumOff val="35000"/>
+          </a:schemeClr>
+        </a:solidFill>
+        <a:round/>
+      </a:ln>
+    </cs:spPr>
+  </cs:upBar>
+  <cs:valueAxis>
+    <cs:lnRef idx="0"/>
+    <cs:fillRef idx="0"/>
+    <cs:effectRef idx="0"/>
+    <cs:fontRef idx="minor">
+      <a:schemeClr val="tx1">
+        <a:lumMod val="65000"/>
+        <a:lumOff val="35000"/>
+      </a:schemeClr>
+    </cs:fontRef>
+    <cs:defRPr sz="1197" kern="1200"/>
+  </cs:valueAxis>
+  <cs:wall>
+    <cs:lnRef idx="0"/>
+    <cs:fillRef idx="0"/>
+    <cs:effectRef idx="0"/>
+    <cs:fontRef idx="minor">
+      <a:schemeClr val="tx1"/>
+    </cs:fontRef>
+    <cs:spPr>
+      <a:noFill/>
+      <a:ln>
+        <a:noFill/>
+      </a:ln>
+    </cs:spPr>
+  </cs:wall>
+</cs:chartStyle>
+</file>
+
+<file path=ppt/charts/style5.xml><?xml version="1.0" encoding="utf-8"?>
+<cs:chartStyle xmlns:cs="http://schemas.microsoft.com/office/drawing/2012/chartStyle" xmlns:a="http://schemas.openxmlformats.org/drawingml/2006/main" id="251">
+  <cs:axisTitle>
+    <cs:lnRef idx="0"/>
+    <cs:fillRef idx="0"/>
+    <cs:effectRef idx="0"/>
+    <cs:fontRef idx="minor">
+      <a:schemeClr val="tx1">
+        <a:lumMod val="65000"/>
+        <a:lumOff val="35000"/>
+      </a:schemeClr>
+    </cs:fontRef>
+    <cs:defRPr sz="1330" kern="1200"/>
+  </cs:axisTitle>
+  <cs:categoryAxis>
+    <cs:lnRef idx="0"/>
+    <cs:fillRef idx="0"/>
+    <cs:effectRef idx="0"/>
+    <cs:fontRef idx="minor">
+      <a:schemeClr val="tx1">
+        <a:lumMod val="65000"/>
+        <a:lumOff val="35000"/>
+      </a:schemeClr>
+    </cs:fontRef>
+    <cs:spPr>
+      <a:ln w="9525" cap="flat" cmpd="sng" algn="ctr">
+        <a:solidFill>
+          <a:schemeClr val="tx1">
+            <a:lumMod val="15000"/>
+            <a:lumOff val="85000"/>
+          </a:schemeClr>
+        </a:solidFill>
+        <a:round/>
+      </a:ln>
+    </cs:spPr>
+    <cs:defRPr sz="1197" kern="1200"/>
+  </cs:categoryAxis>
+  <cs:chartArea mods="allowNoFillOverride allowNoLineOverride">
+    <cs:lnRef idx="0"/>
+    <cs:fillRef idx="0"/>
+    <cs:effectRef idx="0"/>
+    <cs:fontRef idx="minor">
+      <a:schemeClr val="tx1"/>
+    </cs:fontRef>
+    <cs:spPr>
+      <a:solidFill>
+        <a:schemeClr val="bg1"/>
+      </a:solidFill>
+      <a:ln w="9525" cap="flat" cmpd="sng" algn="ctr">
+        <a:solidFill>
+          <a:schemeClr val="tx1">
+            <a:lumMod val="15000"/>
+            <a:lumOff val="85000"/>
+          </a:schemeClr>
+        </a:solidFill>
+        <a:round/>
+      </a:ln>
+    </cs:spPr>
+    <cs:defRPr sz="1197" kern="1200"/>
+  </cs:chartArea>
+  <cs:dataLabel>
+    <cs:lnRef idx="0"/>
+    <cs:fillRef idx="0"/>
+    <cs:effectRef idx="0"/>
+    <cs:fontRef idx="minor">
+      <a:schemeClr val="tx1">
+        <a:lumMod val="75000"/>
+        <a:lumOff val="25000"/>
+      </a:schemeClr>
+    </cs:fontRef>
+    <cs:defRPr sz="1197" kern="1200"/>
+  </cs:dataLabel>
+  <cs:dataLabelCallout>
+    <cs:lnRef idx="0"/>
+    <cs:fillRef idx="0"/>
+    <cs:effectRef idx="0"/>
+    <cs:fontRef idx="minor">
+      <a:schemeClr val="dk1">
+        <a:lumMod val="65000"/>
+        <a:lumOff val="35000"/>
+      </a:schemeClr>
+    </cs:fontRef>
+    <cs:spPr>
+      <a:solidFill>
+        <a:schemeClr val="lt1"/>
+      </a:solidFill>
+      <a:ln>
+        <a:solidFill>
+          <a:schemeClr val="dk1">
+            <a:lumMod val="25000"/>
+            <a:lumOff val="75000"/>
+          </a:schemeClr>
+        </a:solidFill>
+      </a:ln>
+    </cs:spPr>
+    <cs:defRPr sz="1197" kern="1200"/>
+    <cs:bodyPr rot="0" spcFirstLastPara="1" vertOverflow="clip" horzOverflow="clip" vert="horz" wrap="square" lIns="36576" tIns="18288" rIns="36576" bIns="18288" anchor="ctr" anchorCtr="1">
+      <a:spAutoFit/>
+    </cs:bodyPr>
+  </cs:dataLabelCallout>
+  <cs:dataPoint>
+    <cs:lnRef idx="0"/>
+    <cs:fillRef idx="1">
+      <cs:styleClr val="auto"/>
+    </cs:fillRef>
+    <cs:effectRef idx="0"/>
+    <cs:fontRef idx="minor">
+      <a:schemeClr val="tx1"/>
+    </cs:fontRef>
+    <cs:spPr>
+      <a:ln w="19050">
+        <a:solidFill>
+          <a:schemeClr val="lt1"/>
+        </a:solidFill>
+      </a:ln>
+    </cs:spPr>
+  </cs:dataPoint>
+  <cs:dataPoint3D>
+    <cs:lnRef idx="0"/>
+    <cs:fillRef idx="1">
+      <cs:styleClr val="auto"/>
+    </cs:fillRef>
+    <cs:effectRef idx="0"/>
+    <cs:fontRef idx="minor">
+      <a:schemeClr val="tx1"/>
+    </cs:fontRef>
+    <cs:spPr>
+      <a:ln w="25400">
+        <a:solidFill>
+          <a:schemeClr val="lt1"/>
+        </a:solidFill>
+      </a:ln>
+    </cs:spPr>
+  </cs:dataPoint3D>
+  <cs:dataPointLine>
+    <cs:lnRef idx="0">
+      <cs:styleClr val="auto"/>
+    </cs:lnRef>
+    <cs:fillRef idx="0"/>
+    <cs:effectRef idx="0"/>
+    <cs:fontRef idx="minor">
+      <a:schemeClr val="tx1"/>
+    </cs:fontRef>
+    <cs:spPr>
+      <a:ln w="28575" cap="rnd">
+        <a:solidFill>
+          <a:schemeClr val="phClr"/>
+        </a:solidFill>
+        <a:round/>
+      </a:ln>
+    </cs:spPr>
+  </cs:dataPointLine>
+  <cs:dataPointMarker>
+    <cs:lnRef idx="0">
+      <cs:styleClr val="auto"/>
+    </cs:lnRef>
+    <cs:fillRef idx="1">
+      <cs:styleClr val="auto"/>
+    </cs:fillRef>
+    <cs:effectRef idx="0"/>
+    <cs:fontRef idx="minor">
+      <a:schemeClr val="tx1"/>
+    </cs:fontRef>
+    <cs:spPr>
+      <a:ln w="9525">
+        <a:solidFill>
+          <a:schemeClr val="phClr"/>
+        </a:solidFill>
+      </a:ln>
+    </cs:spPr>
+  </cs:dataPointMarker>
+  <cs:dataPointMarkerLayout symbol="circle" size="5"/>
+  <cs:dataPointWireframe>
+    <cs:lnRef idx="0">
+      <cs:styleClr val="auto"/>
+    </cs:lnRef>
+    <cs:fillRef idx="0"/>
+    <cs:effectRef idx="0"/>
+    <cs:fontRef idx="minor">
+      <a:schemeClr val="tx1"/>
+    </cs:fontRef>
+    <cs:spPr>
+      <a:ln w="9525" cap="rnd">
+        <a:solidFill>
+          <a:schemeClr val="phClr"/>
+        </a:solidFill>
+        <a:round/>
+      </a:ln>
+    </cs:spPr>
+  </cs:dataPointWireframe>
+  <cs:dataTable>
+    <cs:lnRef idx="0"/>
+    <cs:fillRef idx="0"/>
+    <cs:effectRef idx="0"/>
+    <cs:fontRef idx="minor">
+      <a:schemeClr val="tx1">
+        <a:lumMod val="65000"/>
+        <a:lumOff val="35000"/>
+      </a:schemeClr>
+    </cs:fontRef>
+    <cs:spPr>
+      <a:noFill/>
+      <a:ln w="9525" cap="flat" cmpd="sng" algn="ctr">
+        <a:solidFill>
+          <a:schemeClr val="tx1">
+            <a:lumMod val="15000"/>
+            <a:lumOff val="85000"/>
+          </a:schemeClr>
+        </a:solidFill>
+        <a:round/>
+      </a:ln>
+    </cs:spPr>
+    <cs:defRPr sz="1197" kern="1200"/>
+  </cs:dataTable>
+  <cs:downBar>
+    <cs:lnRef idx="0"/>
+    <cs:fillRef idx="0"/>
+    <cs:effectRef idx="0"/>
+    <cs:fontRef idx="minor">
+      <a:schemeClr val="tx1"/>
+    </cs:fontRef>
+    <cs:spPr>
+      <a:solidFill>
+        <a:schemeClr val="dk1">
+          <a:lumMod val="75000"/>
+          <a:lumOff val="25000"/>
+        </a:schemeClr>
+      </a:solidFill>
+      <a:ln w="9525" cap="flat" cmpd="sng" algn="ctr">
+        <a:solidFill>
+          <a:schemeClr val="tx1">
+            <a:lumMod val="65000"/>
+            <a:lumOff val="35000"/>
+          </a:schemeClr>
+        </a:solidFill>
+        <a:round/>
+      </a:ln>
+    </cs:spPr>
+  </cs:downBar>
+  <cs:dropLine>
+    <cs:lnRef idx="0"/>
+    <cs:fillRef idx="0"/>
+    <cs:effectRef idx="0"/>
+    <cs:fontRef idx="minor">
+      <a:schemeClr val="tx1"/>
+    </cs:fontRef>
+    <cs:spPr>
+      <a:ln w="9525" cap="flat" cmpd="sng" algn="ctr">
+        <a:solidFill>
+          <a:schemeClr val="tx1">
+            <a:lumMod val="35000"/>
+            <a:lumOff val="65000"/>
+          </a:schemeClr>
+        </a:solidFill>
+        <a:round/>
+      </a:ln>
+    </cs:spPr>
+  </cs:dropLine>
+  <cs:errorBar>
+    <cs:lnRef idx="0"/>
+    <cs:fillRef idx="0"/>
+    <cs:effectRef idx="0"/>
+    <cs:fontRef idx="minor">
+      <a:schemeClr val="tx1"/>
+    </cs:fontRef>
+    <cs:spPr>
+      <a:ln w="9525" cap="flat" cmpd="sng" algn="ctr">
+        <a:solidFill>
+          <a:schemeClr val="tx1">
+            <a:lumMod val="65000"/>
+            <a:lumOff val="35000"/>
+          </a:schemeClr>
+        </a:solidFill>
+        <a:round/>
+      </a:ln>
+    </cs:spPr>
+  </cs:errorBar>
+  <cs:floor>
+    <cs:lnRef idx="0"/>
+    <cs:fillRef idx="0"/>
+    <cs:effectRef idx="0"/>
+    <cs:fontRef idx="minor">
+      <a:schemeClr val="tx1"/>
+    </cs:fontRef>
+    <cs:spPr>
+      <a:noFill/>
+      <a:ln>
+        <a:noFill/>
+      </a:ln>
+    </cs:spPr>
+  </cs:floor>
+  <cs:gridlineMajor>
+    <cs:lnRef idx="0"/>
+    <cs:fillRef idx="0"/>
+    <cs:effectRef idx="0"/>
+    <cs:fontRef idx="minor">
+      <a:schemeClr val="tx1"/>
+    </cs:fontRef>
+    <cs:spPr>
+      <a:ln w="9525" cap="flat" cmpd="sng" algn="ctr">
+        <a:solidFill>
+          <a:schemeClr val="tx1">
+            <a:lumMod val="15000"/>
+            <a:lumOff val="85000"/>
+          </a:schemeClr>
+        </a:solidFill>
+        <a:round/>
+      </a:ln>
+    </cs:spPr>
+  </cs:gridlineMajor>
+  <cs:gridlineMinor>
+    <cs:lnRef idx="0"/>
+    <cs:fillRef idx="0"/>
+    <cs:effectRef idx="0"/>
+    <cs:fontRef idx="minor">
+      <a:schemeClr val="tx1"/>
+    </cs:fontRef>
+    <cs:spPr>
+      <a:ln w="9525" cap="flat" cmpd="sng" algn="ctr">
+        <a:solidFill>
+          <a:schemeClr val="tx1">
+            <a:lumMod val="5000"/>
+            <a:lumOff val="95000"/>
+          </a:schemeClr>
+        </a:solidFill>
+        <a:round/>
+      </a:ln>
+    </cs:spPr>
+  </cs:gridlineMinor>
+  <cs:hiLoLine>
+    <cs:lnRef idx="0"/>
+    <cs:fillRef idx="0"/>
+    <cs:effectRef idx="0"/>
+    <cs:fontRef idx="minor">
+      <a:schemeClr val="tx1"/>
+    </cs:fontRef>
+    <cs:spPr>
+      <a:ln w="9525" cap="flat" cmpd="sng" algn="ctr">
+        <a:solidFill>
+          <a:schemeClr val="tx1">
+            <a:lumMod val="50000"/>
+            <a:lumOff val="50000"/>
+          </a:schemeClr>
+        </a:solidFill>
+        <a:round/>
+      </a:ln>
+    </cs:spPr>
+  </cs:hiLoLine>
+  <cs:leaderLine>
+    <cs:lnRef idx="0"/>
+    <cs:fillRef idx="0"/>
+    <cs:effectRef idx="0"/>
+    <cs:fontRef idx="minor">
+      <a:schemeClr val="tx1"/>
+    </cs:fontRef>
+    <cs:spPr>
+      <a:ln w="9525" cap="flat" cmpd="sng" algn="ctr">
+        <a:solidFill>
+          <a:schemeClr val="tx1">
+            <a:lumMod val="35000"/>
+            <a:lumOff val="65000"/>
+          </a:schemeClr>
+        </a:solidFill>
+        <a:round/>
+      </a:ln>
+    </cs:spPr>
+  </cs:leaderLine>
+  <cs:legend>
+    <cs:lnRef idx="0"/>
+    <cs:fillRef idx="0"/>
+    <cs:effectRef idx="0"/>
+    <cs:fontRef idx="minor">
+      <a:schemeClr val="tx1">
+        <a:lumMod val="65000"/>
+        <a:lumOff val="35000"/>
+      </a:schemeClr>
+    </cs:fontRef>
+    <cs:defRPr sz="1197" kern="1200"/>
+  </cs:legend>
+  <cs:plotArea mods="allowNoFillOverride allowNoLineOverride">
+    <cs:lnRef idx="0"/>
+    <cs:fillRef idx="0"/>
+    <cs:effectRef idx="0"/>
+    <cs:fontRef idx="minor">
+      <a:schemeClr val="tx1"/>
+    </cs:fontRef>
+  </cs:plotArea>
+  <cs:plotArea3D mods="allowNoFillOverride allowNoLineOverride">
+    <cs:lnRef idx="0"/>
+    <cs:fillRef idx="0"/>
+    <cs:effectRef idx="0"/>
+    <cs:fontRef idx="minor">
+      <a:schemeClr val="tx1"/>
+    </cs:fontRef>
+  </cs:plotArea3D>
+  <cs:seriesAxis>
+    <cs:lnRef idx="0"/>
+    <cs:fillRef idx="0"/>
+    <cs:effectRef idx="0"/>
+    <cs:fontRef idx="minor">
+      <a:schemeClr val="tx1">
+        <a:lumMod val="65000"/>
+        <a:lumOff val="35000"/>
+      </a:schemeClr>
+    </cs:fontRef>
+    <cs:defRPr sz="1197" kern="1200"/>
+  </cs:seriesAxis>
+  <cs:seriesLine>
+    <cs:lnRef idx="0"/>
+    <cs:fillRef idx="0"/>
+    <cs:effectRef idx="0"/>
+    <cs:fontRef idx="minor">
+      <a:schemeClr val="tx1"/>
+    </cs:fontRef>
+    <cs:spPr>
+      <a:ln w="9525" cap="flat" cmpd="sng" algn="ctr">
+        <a:solidFill>
+          <a:schemeClr val="tx1">
+            <a:lumMod val="35000"/>
+            <a:lumOff val="65000"/>
+          </a:schemeClr>
+        </a:solidFill>
+        <a:round/>
+      </a:ln>
+    </cs:spPr>
+  </cs:seriesLine>
+  <cs:title>
+    <cs:lnRef idx="0"/>
+    <cs:fillRef idx="0"/>
+    <cs:effectRef idx="0"/>
+    <cs:fontRef idx="minor">
+      <a:schemeClr val="tx1">
+        <a:lumMod val="65000"/>
+        <a:lumOff val="35000"/>
+      </a:schemeClr>
+    </cs:fontRef>
+    <cs:defRPr sz="1862" b="0" kern="1200" spc="0" baseline="0"/>
+  </cs:title>
+  <cs:trendline>
+    <cs:lnRef idx="0">
+      <cs:styleClr val="auto"/>
+    </cs:lnRef>
+    <cs:fillRef idx="0"/>
+    <cs:effectRef idx="0"/>
+    <cs:fontRef idx="minor">
+      <a:schemeClr val="tx1"/>
+    </cs:fontRef>
+    <cs:spPr>
+      <a:ln w="19050" cap="rnd">
+        <a:solidFill>
+          <a:schemeClr val="phClr"/>
+        </a:solidFill>
+        <a:prstDash val="sysDot"/>
+      </a:ln>
+    </cs:spPr>
+  </cs:trendline>
+  <cs:trendlineLabel>
+    <cs:lnRef idx="0"/>
+    <cs:fillRef idx="0"/>
+    <cs:effectRef idx="0"/>
+    <cs:fontRef idx="minor">
+      <a:schemeClr val="tx1">
+        <a:lumMod val="65000"/>
+        <a:lumOff val="35000"/>
+      </a:schemeClr>
+    </cs:fontRef>
+    <cs:defRPr sz="1197" kern="1200"/>
+  </cs:trendlineLabel>
+  <cs:upBar>
+    <cs:lnRef idx="0"/>
+    <cs:fillRef idx="0"/>
+    <cs:effectRef idx="0"/>
+    <cs:fontRef idx="minor">
+      <a:schemeClr val="tx1"/>
+    </cs:fontRef>
+    <cs:spPr>
+      <a:solidFill>
+        <a:schemeClr val="lt1"/>
+      </a:solidFill>
+      <a:ln w="9525" cap="flat" cmpd="sng" algn="ctr">
+        <a:solidFill>
+          <a:schemeClr val="tx1">
+            <a:lumMod val="65000"/>
+            <a:lumOff val="35000"/>
+          </a:schemeClr>
+        </a:solidFill>
+        <a:round/>
+      </a:ln>
+    </cs:spPr>
+  </cs:upBar>
+  <cs:valueAxis>
+    <cs:lnRef idx="0"/>
+    <cs:fillRef idx="0"/>
+    <cs:effectRef idx="0"/>
+    <cs:fontRef idx="minor">
+      <a:schemeClr val="tx1">
+        <a:lumMod val="65000"/>
+        <a:lumOff val="35000"/>
+      </a:schemeClr>
+    </cs:fontRef>
+    <cs:defRPr sz="1197" kern="1200"/>
+  </cs:valueAxis>
+  <cs:wall>
+    <cs:lnRef idx="0"/>
+    <cs:fillRef idx="0"/>
+    <cs:effectRef idx="0"/>
+    <cs:fontRef idx="minor">
+      <a:schemeClr val="tx1"/>
+    </cs:fontRef>
+    <cs:spPr>
+      <a:noFill/>
+      <a:ln>
+        <a:noFill/>
+      </a:ln>
+    </cs:spPr>
+  </cs:wall>
+</cs:chartStyle>
 </file>
 
 <file path=ppt/slideLayouts/slideLayout1.xml><?xml version="1.0" encoding="utf-8"?>
@@ -303,7 +4793,7 @@
             <a:fld id="{BF92E2F3-A957-4897-AE39-228CC061DCDB}" type="datetimeFigureOut">
               <a:rPr lang="sk-SK" smtClean="0"/>
               <a:pPr/>
-              <a:t>12. 10. 2023</a:t>
+              <a:t>15. 10. 2023</a:t>
             </a:fld>
             <a:endParaRPr lang="sk-SK" dirty="0"/>
           </a:p>
@@ -468,7 +4958,7 @@
             <a:fld id="{BF92E2F3-A957-4897-AE39-228CC061DCDB}" type="datetimeFigureOut">
               <a:rPr lang="sk-SK" smtClean="0"/>
               <a:pPr/>
-              <a:t>12. 10. 2023</a:t>
+              <a:t>15. 10. 2023</a:t>
             </a:fld>
             <a:endParaRPr lang="sk-SK" dirty="0"/>
           </a:p>
@@ -643,7 +5133,7 @@
             <a:fld id="{BF92E2F3-A957-4897-AE39-228CC061DCDB}" type="datetimeFigureOut">
               <a:rPr lang="sk-SK" smtClean="0"/>
               <a:pPr/>
-              <a:t>12. 10. 2023</a:t>
+              <a:t>15. 10. 2023</a:t>
             </a:fld>
             <a:endParaRPr lang="sk-SK" dirty="0"/>
           </a:p>
@@ -808,7 +5298,7 @@
             <a:fld id="{BF92E2F3-A957-4897-AE39-228CC061DCDB}" type="datetimeFigureOut">
               <a:rPr lang="sk-SK" smtClean="0"/>
               <a:pPr/>
-              <a:t>12. 10. 2023</a:t>
+              <a:t>15. 10. 2023</a:t>
             </a:fld>
             <a:endParaRPr lang="sk-SK" dirty="0"/>
           </a:p>
@@ -1050,7 +5540,7 @@
             <a:fld id="{BF92E2F3-A957-4897-AE39-228CC061DCDB}" type="datetimeFigureOut">
               <a:rPr lang="sk-SK" smtClean="0"/>
               <a:pPr/>
-              <a:t>12. 10. 2023</a:t>
+              <a:t>15. 10. 2023</a:t>
             </a:fld>
             <a:endParaRPr lang="sk-SK" dirty="0"/>
           </a:p>
@@ -1332,7 +5822,7 @@
             <a:fld id="{BF92E2F3-A957-4897-AE39-228CC061DCDB}" type="datetimeFigureOut">
               <a:rPr lang="sk-SK" smtClean="0"/>
               <a:pPr/>
-              <a:t>12. 10. 2023</a:t>
+              <a:t>15. 10. 2023</a:t>
             </a:fld>
             <a:endParaRPr lang="sk-SK" dirty="0"/>
           </a:p>
@@ -1748,7 +6238,7 @@
             <a:fld id="{BF92E2F3-A957-4897-AE39-228CC061DCDB}" type="datetimeFigureOut">
               <a:rPr lang="sk-SK" smtClean="0"/>
               <a:pPr/>
-              <a:t>12. 10. 2023</a:t>
+              <a:t>15. 10. 2023</a:t>
             </a:fld>
             <a:endParaRPr lang="sk-SK" dirty="0"/>
           </a:p>
@@ -1862,7 +6352,7 @@
             <a:fld id="{BF92E2F3-A957-4897-AE39-228CC061DCDB}" type="datetimeFigureOut">
               <a:rPr lang="sk-SK" smtClean="0"/>
               <a:pPr/>
-              <a:t>12. 10. 2023</a:t>
+              <a:t>15. 10. 2023</a:t>
             </a:fld>
             <a:endParaRPr lang="sk-SK" dirty="0"/>
           </a:p>
@@ -1954,7 +6444,7 @@
             <a:fld id="{BF92E2F3-A957-4897-AE39-228CC061DCDB}" type="datetimeFigureOut">
               <a:rPr lang="sk-SK" smtClean="0"/>
               <a:pPr/>
-              <a:t>12. 10. 2023</a:t>
+              <a:t>15. 10. 2023</a:t>
             </a:fld>
             <a:endParaRPr lang="sk-SK" dirty="0"/>
           </a:p>
@@ -2226,7 +6716,7 @@
             <a:fld id="{BF92E2F3-A957-4897-AE39-228CC061DCDB}" type="datetimeFigureOut">
               <a:rPr lang="sk-SK" smtClean="0"/>
               <a:pPr/>
-              <a:t>12. 10. 2023</a:t>
+              <a:t>15. 10. 2023</a:t>
             </a:fld>
             <a:endParaRPr lang="sk-SK" dirty="0"/>
           </a:p>
@@ -2475,7 +6965,7 @@
             <a:fld id="{BF92E2F3-A957-4897-AE39-228CC061DCDB}" type="datetimeFigureOut">
               <a:rPr lang="sk-SK" smtClean="0"/>
               <a:pPr/>
-              <a:t>12. 10. 2023</a:t>
+              <a:t>15. 10. 2023</a:t>
             </a:fld>
             <a:endParaRPr lang="sk-SK" dirty="0"/>
           </a:p>
@@ -2683,7 +7173,7 @@
             <a:fld id="{BF92E2F3-A957-4897-AE39-228CC061DCDB}" type="datetimeFigureOut">
               <a:rPr lang="sk-SK" smtClean="0"/>
               <a:pPr/>
-              <a:t>12. 10. 2023</a:t>
+              <a:t>15. 10. 2023</a:t>
             </a:fld>
             <a:endParaRPr lang="sk-SK" dirty="0"/>
           </a:p>
@@ -3078,8 +7568,8 @@
         </p:nvSpPr>
         <p:spPr bwMode="auto">
           <a:xfrm>
-            <a:off x="740771" y="792487"/>
-            <a:ext cx="30917747" cy="1255543"/>
+            <a:off x="705193" y="391019"/>
+            <a:ext cx="30917747" cy="2363547"/>
           </a:xfrm>
           <a:prstGeom prst="rect">
             <a:avLst/>
@@ -3108,35 +7598,26 @@
           <a:p>
             <a:pPr algn="ctr"/>
             <a:r>
-              <a:rPr lang="sk-SK" sz="5999" b="1" dirty="0" err="1">
+              <a:rPr lang="sk-SK" sz="7200" b="1" dirty="0" err="1" smtClean="0">
                 <a:latin typeface="Calibri" pitchFamily="34" charset="0"/>
               </a:rPr>
               <a:t>GLArchív</a:t>
             </a:r>
             <a:r>
-              <a:rPr lang="sk-SK" sz="5999" b="1" dirty="0">
+              <a:rPr lang="sk-SK" sz="7200" b="1" dirty="0" smtClean="0">
                 <a:latin typeface="Calibri" pitchFamily="34" charset="0"/>
               </a:rPr>
-              <a:t>: </a:t>
-            </a:r>
-            <a:r>
-              <a:rPr lang="sk-SK" sz="5999" b="1" dirty="0" err="1">
+              <a:t> - Spoľahlivý </a:t>
+            </a:r>
+            <a:r>
+              <a:rPr lang="sk-SK" sz="7200" b="1" dirty="0">
                 <a:latin typeface="Calibri" pitchFamily="34" charset="0"/>
               </a:rPr>
-              <a:t>dajaky</a:t>
-            </a:r>
-            <a:r>
-              <a:rPr lang="sk-SK" sz="5999" b="1" dirty="0">
-                <a:latin typeface="Calibri" pitchFamily="34" charset="0"/>
-              </a:rPr>
-              <a:t> online </a:t>
-            </a:r>
-            <a:r>
-              <a:rPr lang="sk-SK" sz="5999" b="1">
-                <a:latin typeface="Calibri" pitchFamily="34" charset="0"/>
-              </a:rPr>
-              <a:t>spoluziak</a:t>
-            </a:r>
+              <a:t>virtuálny spolužiak</a:t>
+            </a:r>
+          </a:p>
+          <a:p>
+            <a:pPr algn="ctr"/>
             <a:endParaRPr lang="sk-SK" sz="5999" b="1" dirty="0">
               <a:latin typeface="Calibri" pitchFamily="34" charset="0"/>
             </a:endParaRPr>
@@ -3153,8 +7634,8 @@
         </p:nvSpPr>
         <p:spPr bwMode="auto">
           <a:xfrm>
-            <a:off x="17981581" y="2094986"/>
-            <a:ext cx="4339221" cy="830875"/>
+            <a:off x="18733098" y="1841038"/>
+            <a:ext cx="4339221" cy="1015663"/>
           </a:xfrm>
           <a:prstGeom prst="rect">
             <a:avLst/>
@@ -3190,7 +7671,7 @@
           <a:lstStyle/>
           <a:p>
             <a:r>
-              <a:rPr lang="sk-SK" sz="4800" b="1" dirty="0">
+              <a:rPr lang="sk-SK" sz="6000" b="1" dirty="0">
                 <a:latin typeface="Calibri" pitchFamily="34" charset="0"/>
               </a:rPr>
               <a:t>Tomáš Varga</a:t>
@@ -3208,8 +7689,8 @@
         </p:nvSpPr>
         <p:spPr bwMode="auto">
           <a:xfrm>
-            <a:off x="810196" y="2094986"/>
-            <a:ext cx="16523445" cy="830875"/>
+            <a:off x="880970" y="1984297"/>
+            <a:ext cx="11620538" cy="830875"/>
           </a:xfrm>
           <a:prstGeom prst="rect">
             <a:avLst/>
@@ -3239,7 +7720,7 @@
           </a:fontRef>
         </p:style>
         <p:txBody>
-          <a:bodyPr>
+          <a:bodyPr wrap="square">
             <a:spAutoFit/>
           </a:bodyPr>
           <a:lstStyle/>
@@ -3263,8 +7744,8 @@
         </p:nvSpPr>
         <p:spPr bwMode="auto">
           <a:xfrm>
-            <a:off x="891194" y="3011318"/>
-            <a:ext cx="30859893" cy="6185400"/>
+            <a:off x="740771" y="3143631"/>
+            <a:ext cx="31010316" cy="5786199"/>
           </a:xfrm>
           <a:prstGeom prst="rect">
             <a:avLst/>
@@ -3293,59 +7774,83 @@
           <a:p>
             <a:pPr algn="just"/>
             <a:r>
-              <a:rPr lang="sk-SK" sz="4400" b="1" dirty="0">
+              <a:rPr lang="sk-SK" sz="3700" dirty="0">
                 <a:latin typeface="Calibri" pitchFamily="34" charset="0"/>
               </a:rPr>
-              <a:t>Abstrakt  </a:t>
-            </a:r>
-          </a:p>
-          <a:p>
-            <a:pPr algn="just"/>
-            <a:endParaRPr lang="sk-SK" sz="4400" b="1" dirty="0">
-              <a:latin typeface="Calibri" pitchFamily="34" charset="0"/>
-            </a:endParaRPr>
-          </a:p>
-          <a:p>
-            <a:pPr algn="just"/>
-            <a:endParaRPr lang="sk-SK" sz="4400" b="1" dirty="0">
-              <a:latin typeface="Calibri" pitchFamily="34" charset="0"/>
-            </a:endParaRPr>
-          </a:p>
-          <a:p>
-            <a:pPr algn="just"/>
-            <a:endParaRPr lang="sk-SK" sz="4400" b="1" dirty="0">
-              <a:latin typeface="Calibri" pitchFamily="34" charset="0"/>
-            </a:endParaRPr>
-          </a:p>
-          <a:p>
-            <a:pPr algn="just"/>
-            <a:endParaRPr lang="sk-SK" sz="4400" b="1" dirty="0">
-              <a:latin typeface="Calibri" pitchFamily="34" charset="0"/>
-            </a:endParaRPr>
-          </a:p>
-          <a:p>
-            <a:pPr algn="just"/>
-            <a:endParaRPr lang="sk-SK" sz="4400" b="1" dirty="0">
-              <a:latin typeface="Calibri" pitchFamily="34" charset="0"/>
-            </a:endParaRPr>
-          </a:p>
-          <a:p>
-            <a:pPr algn="just"/>
-            <a:endParaRPr lang="sk-SK" sz="4400" b="1" dirty="0">
-              <a:latin typeface="Calibri" pitchFamily="34" charset="0"/>
-            </a:endParaRPr>
-          </a:p>
-          <a:p>
-            <a:pPr algn="just"/>
-            <a:endParaRPr lang="sk-SK" sz="4400" b="1" dirty="0">
-              <a:latin typeface="Calibri" pitchFamily="34" charset="0"/>
-            </a:endParaRPr>
-          </a:p>
-          <a:p>
-            <a:pPr algn="just"/>
-            <a:endParaRPr lang="sk-SK" sz="4400" b="1" dirty="0">
-              <a:latin typeface="Calibri" pitchFamily="34" charset="0"/>
-            </a:endParaRPr>
+              <a:t>Cieľom projektu bolo pomôcť študentom, ktorí v škole chýbali a nemali k dispozícii spoľahlivý zdroj poznámok zo školského učiva, prípadne aj tým, ktorí majú neprehľadné poznámky, skvalitniť podmienky a tým zefektívniť ich pripravenosť na vyučovanie pri samoštúdiu vytvorením podpornej jednotnej online platformy. Zároveň sme chceli zvýšiť motiváciu študentov k učeniu tým, že im poskytneme jednoduchý spôsob, ako získať kvalitné poznámky. Vznik stránky sa datuje od začiatku školského roku 2020/2021. Spočiatku sme vytvorili statickú webovú stránku na </a:t>
+            </a:r>
+            <a:r>
+              <a:rPr lang="sk-SK" sz="3700" dirty="0" err="1">
+                <a:latin typeface="Calibri" pitchFamily="34" charset="0"/>
+              </a:rPr>
+              <a:t>Github</a:t>
+            </a:r>
+            <a:r>
+              <a:rPr lang="sk-SK" sz="3700" dirty="0">
+                <a:latin typeface="Calibri" pitchFamily="34" charset="0"/>
+              </a:rPr>
+              <a:t> </a:t>
+            </a:r>
+            <a:r>
+              <a:rPr lang="sk-SK" sz="3700" dirty="0" err="1">
+                <a:latin typeface="Calibri" pitchFamily="34" charset="0"/>
+              </a:rPr>
+              <a:t>Pages</a:t>
+            </a:r>
+            <a:r>
+              <a:rPr lang="sk-SK" sz="3700" dirty="0">
+                <a:latin typeface="Calibri" pitchFamily="34" charset="0"/>
+              </a:rPr>
+              <a:t>, ale postupne sme prešli na </a:t>
+            </a:r>
+            <a:r>
+              <a:rPr lang="sk-SK" sz="3700" dirty="0" err="1">
+                <a:latin typeface="Calibri" pitchFamily="34" charset="0"/>
+              </a:rPr>
+              <a:t>hosting</a:t>
+            </a:r>
+            <a:r>
+              <a:rPr lang="sk-SK" sz="3700" dirty="0">
+                <a:latin typeface="Calibri" pitchFamily="34" charset="0"/>
+              </a:rPr>
+              <a:t> umožňujúci dynamické stránky a využívanie SQL databázy. Stránka umožňuje študentom nahrať a organizovať poznámky do predmetov chronologicky. Postupne sme vylepšovali dizajn stránky tak, aby bola na základe spätných väzieb používateľov použiteľnejšia a atraktívnejšia, s pútavejším dizajnom. Stránka </a:t>
+            </a:r>
+            <a:r>
+              <a:rPr lang="sk-SK" sz="3700" dirty="0" err="1">
+                <a:latin typeface="Calibri" pitchFamily="34" charset="0"/>
+              </a:rPr>
+              <a:t>GlArchív</a:t>
+            </a:r>
+            <a:r>
+              <a:rPr lang="sk-SK" sz="3700" dirty="0">
+                <a:latin typeface="Calibri" pitchFamily="34" charset="0"/>
+              </a:rPr>
+              <a:t>, je na základe vyhodnotenia ankety, užitočným nástrojom pre študentov. Počas celého štvorročného štúdia stránka úspešne funguje a až 77,8 % respondentov ju využíva na dennej báze. Študenti na nej nájdu všetko, čo na danú vyučovaciu hodinu potrebujú. Ako veľkú výhodu takejto formy uvádzajú to, že všetko je umiestnené na jednej platforme. Na základe týchto výsledkov môžeme uzavrieť, že projekt </a:t>
+            </a:r>
+            <a:r>
+              <a:rPr lang="sk-SK" sz="3700" dirty="0" err="1">
+                <a:latin typeface="Calibri" pitchFamily="34" charset="0"/>
+              </a:rPr>
+              <a:t>GlArchív</a:t>
+            </a:r>
+            <a:r>
+              <a:rPr lang="sk-SK" sz="3700" dirty="0">
+                <a:latin typeface="Calibri" pitchFamily="34" charset="0"/>
+              </a:rPr>
+              <a:t> úspešne naplnil svoj cieľ pomáhať študentom zlepšiť ich vzdelávanie a pripravenosť na </a:t>
+            </a:r>
+            <a:r>
+              <a:rPr lang="sk-SK" sz="3700" dirty="0" smtClean="0">
+                <a:latin typeface="Calibri" pitchFamily="34" charset="0"/>
+              </a:rPr>
+              <a:t>vyučovacie </a:t>
+            </a:r>
+            <a:r>
+              <a:rPr lang="sk-SK" sz="3700" dirty="0">
+                <a:latin typeface="Calibri" pitchFamily="34" charset="0"/>
+              </a:rPr>
+              <a:t>hodiny prostredníctvom jednoduchej a efektívnej online platformy na zdieľanie poznámok.</a:t>
+            </a:r>
           </a:p>
         </p:txBody>
       </p:sp>
@@ -3359,7 +7864,7 @@
         </p:nvSpPr>
         <p:spPr bwMode="auto">
           <a:xfrm>
-            <a:off x="842732" y="9824644"/>
+            <a:off x="740771" y="9249828"/>
             <a:ext cx="4178477" cy="1107704"/>
           </a:xfrm>
           <a:prstGeom prst="rect">
@@ -3385,13 +7890,13 @@
           <a:p>
             <a:pPr algn="ctr"/>
             <a:r>
-              <a:rPr lang="sk-SK" sz="4800" b="1" dirty="0">
+              <a:rPr lang="sk-SK" sz="5400" b="1" dirty="0">
                 <a:latin typeface="Calibri" pitchFamily="34" charset="0"/>
               </a:rPr>
-              <a:t>Ciele práce:</a:t>
-            </a:r>
-            <a:r>
-              <a:rPr lang="sk-SK" sz="6599" b="1" dirty="0">
+              <a:t>Cieľ práce:</a:t>
+            </a:r>
+            <a:r>
+              <a:rPr lang="sk-SK" sz="6600" b="1" dirty="0">
                 <a:latin typeface="Calibri" pitchFamily="34" charset="0"/>
               </a:rPr>
               <a:t> </a:t>
@@ -3409,8 +7914,8 @@
         </p:nvSpPr>
         <p:spPr bwMode="auto">
           <a:xfrm>
-            <a:off x="17485339" y="10071417"/>
-            <a:ext cx="5021820" cy="830875"/>
+            <a:off x="17333641" y="9296400"/>
+            <a:ext cx="9031559" cy="923330"/>
           </a:xfrm>
           <a:prstGeom prst="rect">
             <a:avLst/>
@@ -3434,11 +7939,20 @@
           <a:lstStyle/>
           <a:p>
             <a:r>
-              <a:rPr lang="sk-SK" sz="4800" b="1" dirty="0">
+              <a:rPr lang="sk-SK" sz="5400" b="1" dirty="0">
                 <a:latin typeface="Calibri" pitchFamily="34" charset="0"/>
               </a:rPr>
-              <a:t>Metodika práce:</a:t>
-            </a:r>
+              <a:t>Metodika </a:t>
+            </a:r>
+            <a:r>
+              <a:rPr lang="sk-SK" sz="5400" b="1" dirty="0" smtClean="0">
+                <a:latin typeface="Calibri" pitchFamily="34" charset="0"/>
+              </a:rPr>
+              <a:t>práce a výsledky:</a:t>
+            </a:r>
+            <a:endParaRPr lang="sk-SK" sz="5400" b="1" dirty="0">
+              <a:latin typeface="Calibri" pitchFamily="34" charset="0"/>
+            </a:endParaRPr>
           </a:p>
         </p:txBody>
       </p:sp>
@@ -3452,8 +7966,8 @@
         </p:nvSpPr>
         <p:spPr bwMode="auto">
           <a:xfrm>
-            <a:off x="17485339" y="10999974"/>
-            <a:ext cx="13526515" cy="630942"/>
+            <a:off x="15523982" y="10391989"/>
+            <a:ext cx="16227105" cy="8710077"/>
           </a:xfrm>
           <a:prstGeom prst="rect">
             <a:avLst/>
@@ -3476,10 +7990,308 @@
           </a:bodyPr>
           <a:lstStyle/>
           <a:p>
-            <a:pPr marL="742876" indent="-742876">
+            <a:pPr marL="742876" indent="-742876" algn="just">
               <a:buFont typeface="Wingdings" pitchFamily="2" charset="2"/>
               <a:buChar char="Ø"/>
             </a:pPr>
+            <a:r>
+              <a:rPr lang="sk-SK" sz="3500" dirty="0" smtClean="0"/>
+              <a:t>s</a:t>
+            </a:r>
+            <a:r>
+              <a:rPr lang="sk-SK" sz="3500" dirty="0" smtClean="0"/>
+              <a:t>tránka spočiatku </a:t>
+            </a:r>
+            <a:r>
+              <a:rPr lang="sk-SK" sz="3500" dirty="0"/>
+              <a:t>vytvorená ako statická stránka bežiaca na službe </a:t>
+            </a:r>
+            <a:r>
+              <a:rPr lang="sk-SK" sz="3500" b="1" dirty="0" err="1"/>
+              <a:t>Github</a:t>
+            </a:r>
+            <a:r>
+              <a:rPr lang="sk-SK" sz="3500" b="1" dirty="0"/>
+              <a:t> </a:t>
+            </a:r>
+            <a:r>
+              <a:rPr lang="sk-SK" sz="3500" b="1" dirty="0" err="1"/>
+              <a:t>Pages</a:t>
+            </a:r>
+            <a:r>
+              <a:rPr lang="sk-SK" sz="3500" b="1" dirty="0"/>
+              <a:t>,</a:t>
+            </a:r>
+            <a:r>
+              <a:rPr lang="sk-SK" sz="3500" dirty="0"/>
+              <a:t> použitím základných prvkov </a:t>
+            </a:r>
+            <a:r>
+              <a:rPr lang="sk-SK" sz="3500" b="1" dirty="0"/>
+              <a:t>HTML, </a:t>
+            </a:r>
+            <a:r>
+              <a:rPr lang="sk-SK" sz="3500" b="1" dirty="0" err="1"/>
+              <a:t>Javascriptu</a:t>
+            </a:r>
+            <a:r>
+              <a:rPr lang="sk-SK" sz="3500" b="1" dirty="0"/>
+              <a:t> a CSS </a:t>
+            </a:r>
+            <a:r>
+              <a:rPr lang="sk-SK" sz="3500" dirty="0" smtClean="0"/>
+              <a:t>- vznik jednoduchej stránky, ktorú mohli študenti navštíviť </a:t>
+            </a:r>
+            <a:r>
+              <a:rPr lang="sk-SK" sz="3500" dirty="0"/>
+              <a:t>a získať </a:t>
+            </a:r>
+            <a:r>
+              <a:rPr lang="sk-SK" sz="3500" dirty="0" smtClean="0"/>
+              <a:t>poznámky, </a:t>
+            </a:r>
+            <a:endParaRPr lang="sk-SK" sz="3500" dirty="0"/>
+          </a:p>
+          <a:p>
+            <a:pPr marL="742876" indent="-742876" algn="just">
+              <a:buFont typeface="Wingdings" pitchFamily="2" charset="2"/>
+              <a:buChar char="Ø"/>
+            </a:pPr>
+            <a:r>
+              <a:rPr lang="sk-SK" sz="3500" dirty="0" smtClean="0"/>
+              <a:t>takáto </a:t>
+            </a:r>
+            <a:r>
+              <a:rPr lang="sk-SK" sz="3500" dirty="0"/>
+              <a:t>verzia stránky nebola ideálna, vyžadovala manuálne upravovanie HTML kódu </a:t>
+            </a:r>
+            <a:r>
+              <a:rPr lang="sk-SK" sz="3500" dirty="0" smtClean="0"/>
+              <a:t>vždy, </a:t>
+            </a:r>
+            <a:r>
+              <a:rPr lang="sk-SK" sz="3500" dirty="0"/>
+              <a:t>keď sme chceli pridať nový </a:t>
+            </a:r>
+            <a:r>
+              <a:rPr lang="sk-SK" sz="3500" dirty="0" smtClean="0"/>
+              <a:t>dokument,</a:t>
+            </a:r>
+          </a:p>
+          <a:p>
+            <a:pPr marL="742876" indent="-742876" algn="just">
+              <a:buFont typeface="Wingdings" pitchFamily="2" charset="2"/>
+              <a:buChar char="Ø"/>
+            </a:pPr>
+            <a:r>
+              <a:rPr lang="sk-SK" sz="3500" dirty="0" smtClean="0"/>
+              <a:t>PROBLÉM: poznámky sme prepisovali viacerí, </a:t>
+            </a:r>
+            <a:r>
+              <a:rPr lang="sk-SK" sz="3500" dirty="0"/>
+              <a:t>ale málo kto ovládal HTML </a:t>
+            </a:r>
+            <a:r>
+              <a:rPr lang="sk-SK" sz="3500" dirty="0" smtClean="0"/>
+              <a:t>jazyk,</a:t>
+            </a:r>
+          </a:p>
+          <a:p>
+            <a:pPr marL="742876" indent="-742876" algn="just">
+              <a:buFont typeface="Wingdings" pitchFamily="2" charset="2"/>
+              <a:buChar char="Ø"/>
+            </a:pPr>
+            <a:r>
+              <a:rPr lang="sk-SK" sz="3500" dirty="0" smtClean="0"/>
+              <a:t>stránka </a:t>
+            </a:r>
+            <a:r>
+              <a:rPr lang="sk-SK" sz="3500" dirty="0"/>
+              <a:t>tak prešla </a:t>
+            </a:r>
+            <a:r>
+              <a:rPr lang="sk-SK" sz="3500" dirty="0" smtClean="0"/>
+              <a:t>na konci </a:t>
+            </a:r>
+            <a:r>
+              <a:rPr lang="sk-SK" sz="3500" dirty="0"/>
+              <a:t>druhého ročníka </a:t>
+            </a:r>
+            <a:r>
+              <a:rPr lang="sk-SK" sz="3500" dirty="0" smtClean="0"/>
+              <a:t>veľkými zmenami - zo </a:t>
+            </a:r>
+            <a:r>
+              <a:rPr lang="sk-SK" sz="3500" dirty="0"/>
+              <a:t>statickej stránky na </a:t>
+            </a:r>
+            <a:r>
+              <a:rPr lang="sk-SK" sz="3500" b="1" dirty="0" err="1"/>
+              <a:t>Github</a:t>
+            </a:r>
+            <a:r>
+              <a:rPr lang="sk-SK" sz="3500" b="1" dirty="0"/>
+              <a:t> </a:t>
+            </a:r>
+            <a:r>
+              <a:rPr lang="sk-SK" sz="3500" b="1" dirty="0" err="1"/>
+              <a:t>Pages</a:t>
+            </a:r>
+            <a:r>
+              <a:rPr lang="sk-SK" sz="3500" b="1" dirty="0"/>
+              <a:t> </a:t>
+            </a:r>
+            <a:r>
+              <a:rPr lang="sk-SK" sz="3500" dirty="0"/>
+              <a:t>sme sa presunuli na </a:t>
+            </a:r>
+            <a:r>
+              <a:rPr lang="sk-SK" sz="3500" dirty="0" err="1" smtClean="0"/>
+              <a:t>hosting</a:t>
+            </a:r>
+            <a:r>
+              <a:rPr lang="sk-SK" sz="3500" dirty="0" smtClean="0"/>
+              <a:t>, </a:t>
+            </a:r>
+            <a:r>
+              <a:rPr lang="sk-SK" sz="3500" dirty="0"/>
+              <a:t>ktorý povoľoval aj dynamické </a:t>
+            </a:r>
+            <a:r>
+              <a:rPr lang="sk-SK" sz="3500" dirty="0" smtClean="0"/>
+              <a:t>stránky, čím sme </a:t>
+            </a:r>
+            <a:r>
+              <a:rPr lang="sk-SK" sz="3500" dirty="0"/>
+              <a:t>mali prístup ku mnohým nástrojom pre zlepšenie </a:t>
+            </a:r>
+            <a:r>
+              <a:rPr lang="sk-SK" sz="3500" dirty="0" smtClean="0"/>
+              <a:t>stránky,</a:t>
+            </a:r>
+            <a:endParaRPr lang="sk-SK" sz="3500" dirty="0"/>
+          </a:p>
+          <a:p>
+            <a:pPr marL="742876" indent="-742876" algn="just">
+              <a:buFont typeface="Wingdings" pitchFamily="2" charset="2"/>
+              <a:buChar char="Ø"/>
+            </a:pPr>
+            <a:r>
+              <a:rPr lang="sk-SK" sz="3500" dirty="0" smtClean="0"/>
+              <a:t>tým </a:t>
+            </a:r>
+            <a:r>
+              <a:rPr lang="sk-SK" sz="3500" dirty="0"/>
+              <a:t>bola napríklad aj </a:t>
+            </a:r>
+            <a:r>
+              <a:rPr lang="sk-SK" sz="3500" b="1" dirty="0"/>
+              <a:t>SQL </a:t>
+            </a:r>
+            <a:r>
+              <a:rPr lang="sk-SK" sz="3500" b="1" dirty="0" smtClean="0"/>
+              <a:t>databáza</a:t>
+            </a:r>
+            <a:r>
+              <a:rPr lang="sk-SK" sz="3500" dirty="0" smtClean="0"/>
+              <a:t>, </a:t>
+            </a:r>
+            <a:r>
+              <a:rPr lang="sk-SK" sz="3500" dirty="0"/>
+              <a:t>vďaka ktorej sme sa dokázali zbaviť </a:t>
+            </a:r>
+            <a:r>
+              <a:rPr lang="sk-SK" sz="3500" dirty="0" smtClean="0"/>
+              <a:t>nutnosti napr. </a:t>
+            </a:r>
+            <a:r>
+              <a:rPr lang="sk-SK" sz="3500" dirty="0"/>
+              <a:t>meniť kód stránky pri pridaní nových dokumentov, možnosť registrácie na stránke </a:t>
+            </a:r>
+            <a:r>
+              <a:rPr lang="sk-SK" sz="3500" dirty="0" smtClean="0"/>
+              <a:t>atď.</a:t>
+            </a:r>
+            <a:r>
+              <a:rPr lang="sk-SK" sz="3500" dirty="0" smtClean="0"/>
+              <a:t>,</a:t>
+            </a:r>
+            <a:endParaRPr lang="sk-SK" sz="3500" dirty="0"/>
+          </a:p>
+          <a:p>
+            <a:pPr marL="742876" indent="-742876" algn="just">
+              <a:buFont typeface="Wingdings" pitchFamily="2" charset="2"/>
+              <a:buChar char="Ø"/>
+            </a:pPr>
+            <a:r>
+              <a:rPr lang="sk-SK" sz="3500" dirty="0"/>
+              <a:t>p</a:t>
+            </a:r>
+            <a:r>
+              <a:rPr lang="sk-SK" sz="3500" dirty="0" smtClean="0"/>
+              <a:t>osledná </a:t>
+            </a:r>
+            <a:r>
+              <a:rPr lang="sk-SK" sz="3500" dirty="0" smtClean="0"/>
+              <a:t>zásadná </a:t>
+            </a:r>
+            <a:r>
+              <a:rPr lang="sk-SK" sz="3500" dirty="0" smtClean="0"/>
+              <a:t>zmena stránky v polovici 3</a:t>
+            </a:r>
+            <a:r>
+              <a:rPr lang="sk-SK" sz="3500" dirty="0"/>
+              <a:t>. </a:t>
+            </a:r>
+            <a:r>
+              <a:rPr lang="sk-SK" sz="3500" dirty="0" smtClean="0"/>
+              <a:t>ročníka – stránka získala </a:t>
+            </a:r>
+            <a:r>
+              <a:rPr lang="sk-SK" sz="3500" dirty="0"/>
+              <a:t>omnoho pútavejší </a:t>
+            </a:r>
+            <a:r>
+              <a:rPr lang="sk-SK" sz="3500" dirty="0" smtClean="0"/>
+              <a:t>dizajn,</a:t>
+            </a:r>
+            <a:endParaRPr lang="sk-SK" sz="3500" dirty="0"/>
+          </a:p>
+          <a:p>
+            <a:pPr marL="742876" indent="-742876" algn="just">
+              <a:buFont typeface="Wingdings" pitchFamily="2" charset="2"/>
+              <a:buChar char="Ø"/>
+            </a:pPr>
+            <a:r>
+              <a:rPr lang="sk-SK" sz="3500" dirty="0"/>
+              <a:t>v</a:t>
+            </a:r>
+            <a:r>
+              <a:rPr lang="sk-SK" sz="3500" dirty="0" smtClean="0"/>
+              <a:t> súčasnosti je stránka plne funkčná a </a:t>
+            </a:r>
+            <a:r>
+              <a:rPr lang="sk-SK" sz="3500" dirty="0" smtClean="0"/>
+              <a:t>funguje už štvrtý </a:t>
+            </a:r>
+            <a:r>
+              <a:rPr lang="sk-SK" sz="3500" dirty="0" smtClean="0"/>
+              <a:t>rok,</a:t>
+            </a:r>
+          </a:p>
+          <a:p>
+            <a:pPr marL="742876" indent="-742876" algn="just">
+              <a:buFont typeface="Wingdings" pitchFamily="2" charset="2"/>
+              <a:buChar char="Ø"/>
+            </a:pPr>
+            <a:r>
+              <a:rPr lang="sk-SK" sz="3500" dirty="0"/>
+              <a:t>f</a:t>
+            </a:r>
+            <a:r>
+              <a:rPr lang="sk-SK" sz="3500" dirty="0" smtClean="0"/>
+              <a:t>ormou ankety sme u 18-tich užívateľoch zisťovali frekvenciu využívania a užitočnosť.</a:t>
+            </a:r>
             <a:endParaRPr lang="sk-SK" sz="3500" dirty="0"/>
           </a:p>
         </p:txBody>
@@ -3494,8 +8306,8 @@
         </p:nvSpPr>
         <p:spPr bwMode="auto">
           <a:xfrm>
-            <a:off x="914159" y="10857119"/>
-            <a:ext cx="15713436" cy="630942"/>
+            <a:off x="800101" y="10446444"/>
+            <a:ext cx="14391431" cy="3785652"/>
           </a:xfrm>
           <a:prstGeom prst="rect">
             <a:avLst/>
@@ -3522,173 +8334,836 @@
               <a:buFont typeface="Wingdings" pitchFamily="2" charset="2"/>
               <a:buChar char="ü"/>
             </a:pPr>
-            <a:endParaRPr lang="sk-SK" sz="3500" dirty="0"/>
+            <a:r>
+              <a:rPr lang="sk-SK" sz="4000" dirty="0">
+                <a:latin typeface="Calibri" panose="020F0502020204030204" pitchFamily="34" charset="0"/>
+                <a:ea typeface="Calibri" panose="020F0502020204030204" pitchFamily="34" charset="0"/>
+                <a:cs typeface="Times New Roman" panose="02020603050405020304" pitchFamily="18" charset="0"/>
+              </a:rPr>
+              <a:t>p</a:t>
+            </a:r>
+            <a:r>
+              <a:rPr lang="sk-SK" sz="4000" dirty="0" smtClean="0">
+                <a:effectLst/>
+                <a:latin typeface="Calibri" panose="020F0502020204030204" pitchFamily="34" charset="0"/>
+                <a:ea typeface="Calibri" panose="020F0502020204030204" pitchFamily="34" charset="0"/>
+                <a:cs typeface="Times New Roman" panose="02020603050405020304" pitchFamily="18" charset="0"/>
+              </a:rPr>
+              <a:t>omôcť študentom, </a:t>
+            </a:r>
+            <a:r>
+              <a:rPr lang="sk-SK" sz="4000" dirty="0">
+                <a:effectLst/>
+                <a:latin typeface="Calibri" panose="020F0502020204030204" pitchFamily="34" charset="0"/>
+                <a:ea typeface="Calibri" panose="020F0502020204030204" pitchFamily="34" charset="0"/>
+                <a:cs typeface="Times New Roman" panose="02020603050405020304" pitchFamily="18" charset="0"/>
+              </a:rPr>
+              <a:t>ktorí v škole chýbali a nemali dobrý zdroj doplnenia poznámok </a:t>
+            </a:r>
+            <a:r>
+              <a:rPr lang="sk-SK" sz="4000" dirty="0" smtClean="0">
+                <a:effectLst/>
+                <a:latin typeface="Calibri" panose="020F0502020204030204" pitchFamily="34" charset="0"/>
+                <a:ea typeface="Calibri" panose="020F0502020204030204" pitchFamily="34" charset="0"/>
+                <a:cs typeface="Times New Roman" panose="02020603050405020304" pitchFamily="18" charset="0"/>
+              </a:rPr>
+              <a:t>učiva</a:t>
+            </a:r>
+            <a:r>
+              <a:rPr lang="sk-SK" sz="4000" dirty="0" smtClean="0">
+                <a:effectLst/>
+                <a:latin typeface="Calibri" panose="020F0502020204030204" pitchFamily="34" charset="0"/>
+                <a:ea typeface="Calibri" panose="020F0502020204030204" pitchFamily="34" charset="0"/>
+                <a:cs typeface="Times New Roman" panose="02020603050405020304" pitchFamily="18" charset="0"/>
+              </a:rPr>
+              <a:t>, prípadne žiakom s</a:t>
+            </a:r>
+            <a:r>
+              <a:rPr lang="sk-SK" sz="4000" dirty="0">
+                <a:effectLst/>
+                <a:latin typeface="Calibri" panose="020F0502020204030204" pitchFamily="34" charset="0"/>
+                <a:ea typeface="Calibri" panose="020F0502020204030204" pitchFamily="34" charset="0"/>
+                <a:cs typeface="Times New Roman" panose="02020603050405020304" pitchFamily="18" charset="0"/>
+              </a:rPr>
+              <a:t> nepriehľadnými </a:t>
+            </a:r>
+            <a:r>
+              <a:rPr lang="sk-SK" sz="4000" dirty="0" smtClean="0">
+                <a:effectLst/>
+                <a:latin typeface="Calibri" panose="020F0502020204030204" pitchFamily="34" charset="0"/>
+                <a:ea typeface="Calibri" panose="020F0502020204030204" pitchFamily="34" charset="0"/>
+                <a:cs typeface="Times New Roman" panose="02020603050405020304" pitchFamily="18" charset="0"/>
+              </a:rPr>
+              <a:t>poznámkami, </a:t>
+            </a:r>
+            <a:endParaRPr lang="sk-SK" sz="4000" dirty="0">
+              <a:effectLst/>
+              <a:latin typeface="Calibri" panose="020F0502020204030204" pitchFamily="34" charset="0"/>
+              <a:ea typeface="Calibri" panose="020F0502020204030204" pitchFamily="34" charset="0"/>
+              <a:cs typeface="Times New Roman" panose="02020603050405020304" pitchFamily="18" charset="0"/>
+            </a:endParaRPr>
+          </a:p>
+          <a:p>
+            <a:pPr>
+              <a:buFont typeface="Wingdings" pitchFamily="2" charset="2"/>
+              <a:buChar char="ü"/>
+            </a:pPr>
+            <a:r>
+              <a:rPr lang="sk-SK" sz="4000" dirty="0">
+                <a:latin typeface="Calibri" panose="020F0502020204030204" pitchFamily="34" charset="0"/>
+                <a:ea typeface="Calibri" panose="020F0502020204030204" pitchFamily="34" charset="0"/>
+                <a:cs typeface="Times New Roman" panose="02020603050405020304" pitchFamily="18" charset="0"/>
+              </a:rPr>
+              <a:t>u</a:t>
+            </a:r>
+            <a:r>
+              <a:rPr lang="sk-SK" sz="4000" dirty="0" smtClean="0">
+                <a:effectLst/>
+                <a:latin typeface="Calibri" panose="020F0502020204030204" pitchFamily="34" charset="0"/>
+                <a:ea typeface="Calibri" panose="020F0502020204030204" pitchFamily="34" charset="0"/>
+                <a:cs typeface="Times New Roman" panose="02020603050405020304" pitchFamily="18" charset="0"/>
+              </a:rPr>
+              <a:t>možniť žiakom doplniť </a:t>
+            </a:r>
+            <a:r>
+              <a:rPr lang="sk-SK" sz="4000" dirty="0" smtClean="0">
+                <a:effectLst/>
+                <a:latin typeface="Calibri" panose="020F0502020204030204" pitchFamily="34" charset="0"/>
+                <a:ea typeface="Calibri" panose="020F0502020204030204" pitchFamily="34" charset="0"/>
+                <a:cs typeface="Times New Roman" panose="02020603050405020304" pitchFamily="18" charset="0"/>
+              </a:rPr>
+              <a:t>im </a:t>
+            </a:r>
+            <a:r>
+              <a:rPr lang="sk-SK" sz="4000" dirty="0" smtClean="0">
+                <a:effectLst/>
+                <a:latin typeface="Calibri" panose="020F0502020204030204" pitchFamily="34" charset="0"/>
+                <a:ea typeface="Calibri" panose="020F0502020204030204" pitchFamily="34" charset="0"/>
+                <a:cs typeface="Times New Roman" panose="02020603050405020304" pitchFamily="18" charset="0"/>
+              </a:rPr>
+              <a:t>informácie, </a:t>
+            </a:r>
+            <a:r>
+              <a:rPr lang="sk-SK" sz="4000" dirty="0">
+                <a:effectLst/>
+                <a:latin typeface="Calibri" panose="020F0502020204030204" pitchFamily="34" charset="0"/>
+                <a:ea typeface="Calibri" panose="020F0502020204030204" pitchFamily="34" charset="0"/>
+                <a:cs typeface="Times New Roman" panose="02020603050405020304" pitchFamily="18" charset="0"/>
+              </a:rPr>
+              <a:t>aj keď im ich nikto </a:t>
+            </a:r>
+            <a:r>
+              <a:rPr lang="sk-SK" sz="4000" dirty="0" smtClean="0">
+                <a:effectLst/>
+                <a:latin typeface="Calibri" panose="020F0502020204030204" pitchFamily="34" charset="0"/>
+                <a:ea typeface="Calibri" panose="020F0502020204030204" pitchFamily="34" charset="0"/>
+                <a:cs typeface="Times New Roman" panose="02020603050405020304" pitchFamily="18" charset="0"/>
+              </a:rPr>
+              <a:t>nepošle,</a:t>
+            </a:r>
+          </a:p>
+          <a:p>
+            <a:pPr>
+              <a:buFont typeface="Wingdings" pitchFamily="2" charset="2"/>
+              <a:buChar char="ü"/>
+            </a:pPr>
+            <a:r>
+              <a:rPr lang="sk-SK" sz="4000" dirty="0">
+                <a:latin typeface="Calibri" panose="020F0502020204030204" pitchFamily="34" charset="0"/>
+                <a:ea typeface="Calibri" panose="020F0502020204030204" pitchFamily="34" charset="0"/>
+                <a:cs typeface="Times New Roman" panose="02020603050405020304" pitchFamily="18" charset="0"/>
+              </a:rPr>
+              <a:t>f</a:t>
+            </a:r>
+            <a:r>
+              <a:rPr lang="sk-SK" sz="4000" dirty="0" smtClean="0">
+                <a:latin typeface="Calibri" panose="020F0502020204030204" pitchFamily="34" charset="0"/>
+                <a:ea typeface="Calibri" panose="020F0502020204030204" pitchFamily="34" charset="0"/>
+                <a:cs typeface="Times New Roman" panose="02020603050405020304" pitchFamily="18" charset="0"/>
+              </a:rPr>
+              <a:t>ormou ankety zistiť spätnú väzbu užívateľov a vyhodnotiť frekvenciu jej využívania a mieru užitočnosti.  </a:t>
+            </a:r>
+            <a:endParaRPr lang="sk-SK" sz="6000" dirty="0"/>
           </a:p>
         </p:txBody>
       </p:sp>
-      <p:sp>
-        <p:nvSpPr>
-          <p:cNvPr id="31" name="Text Box 34"/>
-          <p:cNvSpPr txBox="1">
-            <a:spLocks noChangeArrowheads="1"/>
-          </p:cNvSpPr>
+      <p:grpSp>
+        <p:nvGrpSpPr>
+          <p:cNvPr id="2056" name="Skupina 2055">
+            <a:extLst>
+              <a:ext uri="{FF2B5EF4-FFF2-40B4-BE49-F238E27FC236}">
+                <a16:creationId xmlns="" xmlns:a16="http://schemas.microsoft.com/office/drawing/2014/main" id="{B02DA624-6BAB-1A54-7F15-88C1740FCECF}"/>
+              </a:ext>
+            </a:extLst>
+          </p:cNvPr>
+          <p:cNvGrpSpPr/>
           <p:nvPr/>
-        </p:nvSpPr>
-        <p:spPr bwMode="auto">
+        </p:nvGrpSpPr>
+        <p:grpSpPr>
           <a:xfrm>
-            <a:off x="17727019" y="27857932"/>
-            <a:ext cx="13931500" cy="7847149"/>
+            <a:off x="1859066" y="14792732"/>
+            <a:ext cx="13051468" cy="7858633"/>
+            <a:chOff x="713263" y="13741636"/>
+            <a:chExt cx="6211570" cy="3740150"/>
           </a:xfrm>
-          <a:prstGeom prst="rect">
-            <a:avLst/>
-          </a:prstGeom>
-          <a:solidFill>
-            <a:schemeClr val="bg1">
-              <a:lumMod val="95000"/>
-            </a:schemeClr>
-          </a:solidFill>
-          <a:ln>
-            <a:headEnd/>
-            <a:tailEnd/>
-          </a:ln>
-        </p:spPr>
-        <p:style>
-          <a:lnRef idx="2">
-            <a:schemeClr val="dk1"/>
-          </a:lnRef>
-          <a:fillRef idx="1">
-            <a:schemeClr val="lt1"/>
-          </a:fillRef>
-          <a:effectRef idx="0">
-            <a:schemeClr val="dk1"/>
-          </a:effectRef>
-          <a:fontRef idx="minor">
-            <a:schemeClr val="dk1"/>
-          </a:fontRef>
-        </p:style>
-        <p:txBody>
-          <a:bodyPr wrap="square">
-            <a:spAutoFit/>
-          </a:bodyPr>
-          <a:lstStyle/>
-          <a:p>
-            <a:r>
-              <a:rPr lang="sk-SK" sz="3600" dirty="0">
-                <a:latin typeface="Calibri" pitchFamily="34" charset="0"/>
-              </a:rPr>
-              <a:t>   </a:t>
-            </a:r>
-          </a:p>
-          <a:p>
-            <a:endParaRPr lang="sk-SK" sz="3600" dirty="0">
-              <a:latin typeface="Calibri" pitchFamily="34" charset="0"/>
-            </a:endParaRPr>
-          </a:p>
-          <a:p>
-            <a:endParaRPr lang="sk-SK" sz="3600" dirty="0">
-              <a:latin typeface="Calibri" pitchFamily="34" charset="0"/>
-            </a:endParaRPr>
-          </a:p>
-          <a:p>
-            <a:endParaRPr lang="sk-SK" sz="3600" dirty="0">
-              <a:latin typeface="Calibri" pitchFamily="34" charset="0"/>
-            </a:endParaRPr>
-          </a:p>
-          <a:p>
-            <a:endParaRPr lang="sk-SK" sz="3600" dirty="0">
-              <a:latin typeface="Calibri" pitchFamily="34" charset="0"/>
-            </a:endParaRPr>
-          </a:p>
-          <a:p>
-            <a:endParaRPr lang="sk-SK" sz="3600" dirty="0">
-              <a:latin typeface="Calibri" pitchFamily="34" charset="0"/>
-            </a:endParaRPr>
-          </a:p>
-          <a:p>
-            <a:endParaRPr lang="sk-SK" sz="3600" dirty="0">
-              <a:latin typeface="Calibri" pitchFamily="34" charset="0"/>
-            </a:endParaRPr>
-          </a:p>
-          <a:p>
-            <a:endParaRPr lang="sk-SK" sz="3600" dirty="0">
-              <a:latin typeface="Calibri" pitchFamily="34" charset="0"/>
-            </a:endParaRPr>
-          </a:p>
-          <a:p>
-            <a:endParaRPr lang="sk-SK" sz="3600" dirty="0">
-              <a:latin typeface="Calibri" pitchFamily="34" charset="0"/>
-            </a:endParaRPr>
-          </a:p>
-          <a:p>
-            <a:endParaRPr lang="sk-SK" sz="3600" dirty="0">
-              <a:latin typeface="Calibri" pitchFamily="34" charset="0"/>
-            </a:endParaRPr>
-          </a:p>
-          <a:p>
-            <a:endParaRPr lang="sk-SK" sz="3600" dirty="0">
-              <a:latin typeface="Calibri" pitchFamily="34" charset="0"/>
-            </a:endParaRPr>
-          </a:p>
-          <a:p>
-            <a:endParaRPr lang="sk-SK" sz="3600" dirty="0">
-              <a:latin typeface="Calibri" pitchFamily="34" charset="0"/>
-            </a:endParaRPr>
-          </a:p>
-          <a:p>
-            <a:endParaRPr lang="sk-SK" sz="3600" dirty="0">
-              <a:latin typeface="Calibri" pitchFamily="34" charset="0"/>
-            </a:endParaRPr>
-          </a:p>
-          <a:p>
-            <a:endParaRPr lang="sk-SK" sz="3600" dirty="0">
-              <a:latin typeface="Calibri" pitchFamily="34" charset="0"/>
-            </a:endParaRPr>
-          </a:p>
-        </p:txBody>
-      </p:sp>
-      <p:sp>
-        <p:nvSpPr>
-          <p:cNvPr id="13" name="BlokTextu 10"/>
-          <p:cNvSpPr txBox="1">
-            <a:spLocks noChangeArrowheads="1"/>
-          </p:cNvSpPr>
+        </p:grpSpPr>
+        <p:pic>
+          <p:nvPicPr>
+            <p:cNvPr id="61" name="Picture 2" descr="Nie je k dispozícii žiadny popis.">
+              <a:extLst>
+                <a:ext uri="{FF2B5EF4-FFF2-40B4-BE49-F238E27FC236}">
+                  <a16:creationId xmlns="" xmlns:a16="http://schemas.microsoft.com/office/drawing/2014/main" id="{65A495B7-0EE9-8979-CFC0-13B54C5E2CF5}"/>
+                </a:ext>
+              </a:extLst>
+            </p:cNvPr>
+            <p:cNvPicPr>
+              <a:picLocks noChangeAspect="1"/>
+            </p:cNvPicPr>
+            <p:nvPr/>
+          </p:nvPicPr>
+          <p:blipFill rotWithShape="1">
+            <a:blip r:embed="rId3" cstate="email">
+              <a:extLst>
+                <a:ext uri="{28A0092B-C50C-407E-A947-70E740481C1C}">
+                  <a14:useLocalDpi xmlns:a14="http://schemas.microsoft.com/office/drawing/2010/main" val="0"/>
+                </a:ext>
+              </a:extLst>
+            </a:blip>
+            <a:srcRect/>
+            <a:stretch/>
+          </p:blipFill>
+          <p:spPr bwMode="auto">
+            <a:xfrm>
+              <a:off x="713263" y="13741636"/>
+              <a:ext cx="2736215" cy="3314700"/>
+            </a:xfrm>
+            <a:prstGeom prst="rect">
+              <a:avLst/>
+            </a:prstGeom>
+            <a:noFill/>
+          </p:spPr>
+        </p:pic>
+        <p:pic>
+          <p:nvPicPr>
+            <p:cNvPr id="62" name="Obrázok 61">
+              <a:extLst>
+                <a:ext uri="{FF2B5EF4-FFF2-40B4-BE49-F238E27FC236}">
+                  <a16:creationId xmlns="" xmlns:a16="http://schemas.microsoft.com/office/drawing/2014/main" id="{61355992-27E8-FE15-B65D-0840772C9A02}"/>
+                </a:ext>
+              </a:extLst>
+            </p:cNvPr>
+            <p:cNvPicPr>
+              <a:picLocks noChangeAspect="1"/>
+            </p:cNvPicPr>
+            <p:nvPr/>
+          </p:nvPicPr>
+          <p:blipFill rotWithShape="1">
+            <a:blip r:embed="rId4" cstate="email">
+              <a:extLst>
+                <a:ext uri="{28A0092B-C50C-407E-A947-70E740481C1C}">
+                  <a14:useLocalDpi xmlns:a14="http://schemas.microsoft.com/office/drawing/2010/main" val="0"/>
+                </a:ext>
+              </a:extLst>
+            </a:blip>
+            <a:srcRect/>
+            <a:stretch/>
+          </p:blipFill>
+          <p:spPr>
+            <a:xfrm>
+              <a:off x="3521868" y="13794341"/>
+              <a:ext cx="3402965" cy="3314700"/>
+            </a:xfrm>
+            <a:prstGeom prst="rect">
+              <a:avLst/>
+            </a:prstGeom>
+          </p:spPr>
+        </p:pic>
+        <p:sp>
+          <p:nvSpPr>
+            <p:cNvPr id="63" name="Textové pole 1">
+              <a:extLst>
+                <a:ext uri="{FF2B5EF4-FFF2-40B4-BE49-F238E27FC236}">
+                  <a16:creationId xmlns="" xmlns:a16="http://schemas.microsoft.com/office/drawing/2014/main" id="{35C1C596-A88A-ED01-4899-49F10B64BF7C}"/>
+                </a:ext>
+              </a:extLst>
+            </p:cNvPr>
+            <p:cNvSpPr txBox="1"/>
+            <p:nvPr/>
+          </p:nvSpPr>
+          <p:spPr>
+            <a:xfrm>
+              <a:off x="922813" y="17056336"/>
+              <a:ext cx="2273300" cy="355600"/>
+            </a:xfrm>
+            <a:prstGeom prst="rect">
+              <a:avLst/>
+            </a:prstGeom>
+            <a:noFill/>
+            <a:ln w="6350">
+              <a:noFill/>
+            </a:ln>
+          </p:spPr>
+          <p:txBody>
+            <a:bodyPr rot="0" spcFirstLastPara="0" vert="horz" wrap="square" lIns="0" tIns="0" rIns="0" bIns="0" numCol="1" spcCol="0" rtlCol="0" fromWordArt="0" anchor="ctr" anchorCtr="0" forceAA="0" compatLnSpc="1">
+              <a:prstTxWarp prst="textNoShape">
+                <a:avLst/>
+              </a:prstTxWarp>
+              <a:noAutofit/>
+            </a:bodyPr>
+            <a:lstStyle/>
+            <a:p>
+              <a:pPr algn="ctr">
+                <a:lnSpc>
+                  <a:spcPct val="107000"/>
+                </a:lnSpc>
+                <a:spcAft>
+                  <a:spcPts val="800"/>
+                </a:spcAft>
+              </a:pPr>
+              <a:r>
+                <a:rPr lang="sk-SK" sz="3300" i="1" dirty="0">
+                  <a:solidFill>
+                    <a:schemeClr val="bg1"/>
+                  </a:solidFill>
+                  <a:effectLst/>
+                  <a:latin typeface="Calibri" panose="020F0502020204030204" pitchFamily="34" charset="0"/>
+                  <a:ea typeface="Calibri" panose="020F0502020204030204" pitchFamily="34" charset="0"/>
+                  <a:cs typeface="Times New Roman" panose="02020603050405020304" pitchFamily="18" charset="0"/>
+                </a:rPr>
+                <a:t>Poznámky od žiaka</a:t>
+              </a:r>
+              <a:endParaRPr lang="en-US" sz="3300" dirty="0">
+                <a:solidFill>
+                  <a:schemeClr val="bg1"/>
+                </a:solidFill>
+                <a:effectLst/>
+                <a:latin typeface="Calibri" panose="020F0502020204030204" pitchFamily="34" charset="0"/>
+                <a:ea typeface="Calibri" panose="020F0502020204030204" pitchFamily="34" charset="0"/>
+                <a:cs typeface="Times New Roman" panose="02020603050405020304" pitchFamily="18" charset="0"/>
+              </a:endParaRPr>
+            </a:p>
+          </p:txBody>
+        </p:sp>
+        <p:sp>
+          <p:nvSpPr>
+            <p:cNvPr id="2048" name="Textové pole 493712337">
+              <a:extLst>
+                <a:ext uri="{FF2B5EF4-FFF2-40B4-BE49-F238E27FC236}">
+                  <a16:creationId xmlns="" xmlns:a16="http://schemas.microsoft.com/office/drawing/2014/main" id="{2BD52836-1E6A-8591-776C-B5F4F84154CB}"/>
+                </a:ext>
+              </a:extLst>
+            </p:cNvPr>
+            <p:cNvSpPr txBox="1"/>
+            <p:nvPr/>
+          </p:nvSpPr>
+          <p:spPr>
+            <a:xfrm>
+              <a:off x="4345463" y="17126186"/>
+              <a:ext cx="2273300" cy="355600"/>
+            </a:xfrm>
+            <a:prstGeom prst="rect">
+              <a:avLst/>
+            </a:prstGeom>
+            <a:noFill/>
+            <a:ln w="6350">
+              <a:noFill/>
+            </a:ln>
+          </p:spPr>
+          <p:txBody>
+            <a:bodyPr rot="0" spcFirstLastPara="0" vert="horz" wrap="square" lIns="0" tIns="0" rIns="0" bIns="0" numCol="1" spcCol="0" rtlCol="0" fromWordArt="0" anchor="ctr" anchorCtr="0" forceAA="0" compatLnSpc="1">
+              <a:prstTxWarp prst="textNoShape">
+                <a:avLst/>
+              </a:prstTxWarp>
+              <a:noAutofit/>
+            </a:bodyPr>
+            <a:lstStyle/>
+            <a:p>
+              <a:pPr algn="ctr">
+                <a:lnSpc>
+                  <a:spcPct val="107000"/>
+                </a:lnSpc>
+                <a:spcAft>
+                  <a:spcPts val="800"/>
+                </a:spcAft>
+              </a:pPr>
+              <a:r>
+                <a:rPr lang="sk-SK" sz="3300" i="1" dirty="0">
+                  <a:solidFill>
+                    <a:schemeClr val="bg1"/>
+                  </a:solidFill>
+                  <a:effectLst/>
+                  <a:latin typeface="Calibri" panose="020F0502020204030204" pitchFamily="34" charset="0"/>
+                  <a:ea typeface="Calibri" panose="020F0502020204030204" pitchFamily="34" charset="0"/>
+                  <a:cs typeface="Times New Roman" panose="02020603050405020304" pitchFamily="18" charset="0"/>
+                </a:rPr>
+                <a:t>Poznámky zo stránky glarchiv.com</a:t>
+              </a:r>
+              <a:endParaRPr lang="en-US" sz="3300" dirty="0">
+                <a:solidFill>
+                  <a:schemeClr val="bg1"/>
+                </a:solidFill>
+                <a:effectLst/>
+                <a:latin typeface="Calibri" panose="020F0502020204030204" pitchFamily="34" charset="0"/>
+                <a:ea typeface="Calibri" panose="020F0502020204030204" pitchFamily="34" charset="0"/>
+                <a:cs typeface="Times New Roman" panose="02020603050405020304" pitchFamily="18" charset="0"/>
+              </a:endParaRPr>
+            </a:p>
+          </p:txBody>
+        </p:sp>
+      </p:grpSp>
+      <p:grpSp>
+        <p:nvGrpSpPr>
+          <p:cNvPr id="2062" name="Skupina 2061">
+            <a:extLst>
+              <a:ext uri="{FF2B5EF4-FFF2-40B4-BE49-F238E27FC236}">
+                <a16:creationId xmlns="" xmlns:a16="http://schemas.microsoft.com/office/drawing/2014/main" id="{CD281EB8-059B-3F9F-F465-9BAB36AE8CFF}"/>
+              </a:ext>
+            </a:extLst>
+          </p:cNvPr>
+          <p:cNvGrpSpPr/>
           <p:nvPr/>
-        </p:nvSpPr>
-        <p:spPr bwMode="auto">
+        </p:nvGrpSpPr>
+        <p:grpSpPr>
           <a:xfrm>
-            <a:off x="842731" y="13785647"/>
-            <a:ext cx="3980429" cy="830875"/>
+            <a:off x="740771" y="22703063"/>
+            <a:ext cx="12113815" cy="5758991"/>
+            <a:chOff x="2833619" y="21929185"/>
+            <a:chExt cx="3458210" cy="1847215"/>
           </a:xfrm>
-          <a:prstGeom prst="rect">
-            <a:avLst/>
-          </a:prstGeom>
-          <a:solidFill>
-            <a:schemeClr val="bg1">
-              <a:lumMod val="65000"/>
-            </a:schemeClr>
-          </a:solidFill>
-          <a:ln w="9525">
+        </p:grpSpPr>
+        <p:pic>
+          <p:nvPicPr>
+            <p:cNvPr id="2059" name="Obrázok 2058">
+              <a:extLst>
+                <a:ext uri="{FF2B5EF4-FFF2-40B4-BE49-F238E27FC236}">
+                  <a16:creationId xmlns="" xmlns:a16="http://schemas.microsoft.com/office/drawing/2014/main" id="{1A891F3C-B306-1B58-D8C4-504313AA4664}"/>
+                </a:ext>
+              </a:extLst>
+            </p:cNvPr>
+            <p:cNvPicPr>
+              <a:picLocks noChangeAspect="1"/>
+            </p:cNvPicPr>
+            <p:nvPr/>
+          </p:nvPicPr>
+          <p:blipFill>
+            <a:blip r:embed="rId5" cstate="print">
+              <a:extLst>
+                <a:ext uri="{28A0092B-C50C-407E-A947-70E740481C1C}">
+                  <a14:useLocalDpi xmlns:a14="http://schemas.microsoft.com/office/drawing/2010/main" val="0"/>
+                </a:ext>
+              </a:extLst>
+            </a:blip>
+            <a:stretch>
+              <a:fillRect/>
+            </a:stretch>
+          </p:blipFill>
+          <p:spPr>
+            <a:xfrm>
+              <a:off x="2909184" y="21929185"/>
+              <a:ext cx="1529080" cy="1565910"/>
+            </a:xfrm>
+            <a:prstGeom prst="rect">
+              <a:avLst/>
+            </a:prstGeom>
+          </p:spPr>
+        </p:pic>
+        <p:pic>
+          <p:nvPicPr>
+            <p:cNvPr id="2060" name="Obrázok 2059">
+              <a:extLst>
+                <a:ext uri="{FF2B5EF4-FFF2-40B4-BE49-F238E27FC236}">
+                  <a16:creationId xmlns="" xmlns:a16="http://schemas.microsoft.com/office/drawing/2014/main" id="{5D258A2C-F4A0-CC83-1053-B3CC95189DF1}"/>
+                </a:ext>
+              </a:extLst>
+            </p:cNvPr>
+            <p:cNvPicPr>
+              <a:picLocks noChangeAspect="1"/>
+            </p:cNvPicPr>
+            <p:nvPr/>
+          </p:nvPicPr>
+          <p:blipFill>
+            <a:blip r:embed="rId6">
+              <a:extLst>
+                <a:ext uri="{28A0092B-C50C-407E-A947-70E740481C1C}">
+                  <a14:useLocalDpi xmlns:a14="http://schemas.microsoft.com/office/drawing/2010/main" val="0"/>
+                </a:ext>
+              </a:extLst>
+            </a:blip>
+            <a:stretch>
+              <a:fillRect/>
+            </a:stretch>
+          </p:blipFill>
+          <p:spPr>
+            <a:xfrm>
+              <a:off x="4527799" y="21929185"/>
+              <a:ext cx="1577340" cy="1565910"/>
+            </a:xfrm>
+            <a:prstGeom prst="rect">
+              <a:avLst/>
+            </a:prstGeom>
+          </p:spPr>
+        </p:pic>
+        <p:sp>
+          <p:nvSpPr>
+            <p:cNvPr id="2061" name="Textové pole 1186976995">
+              <a:extLst>
+                <a:ext uri="{FF2B5EF4-FFF2-40B4-BE49-F238E27FC236}">
+                  <a16:creationId xmlns="" xmlns:a16="http://schemas.microsoft.com/office/drawing/2014/main" id="{8327E22C-75AB-2C9D-08AE-BBEAD136EC50}"/>
+                </a:ext>
+              </a:extLst>
+            </p:cNvPr>
+            <p:cNvSpPr txBox="1"/>
+            <p:nvPr/>
+          </p:nvSpPr>
+          <p:spPr>
+            <a:xfrm>
+              <a:off x="2833619" y="23420800"/>
+              <a:ext cx="3458210" cy="355600"/>
+            </a:xfrm>
+            <a:prstGeom prst="rect">
+              <a:avLst/>
+            </a:prstGeom>
             <a:noFill/>
-            <a:miter lim="800000"/>
-            <a:headEnd/>
-            <a:tailEnd/>
-          </a:ln>
-        </p:spPr>
-        <p:txBody>
-          <a:bodyPr wrap="square">
-            <a:spAutoFit/>
-          </a:bodyPr>
-          <a:lstStyle/>
-          <a:p>
-            <a:r>
-              <a:rPr lang="sk-SK" sz="4800" b="1" dirty="0">
-                <a:latin typeface="Calibri" pitchFamily="34" charset="0"/>
-              </a:rPr>
-              <a:t> Výsledky:   </a:t>
-            </a:r>
-          </a:p>
-        </p:txBody>
-      </p:sp>
+            <a:ln w="6350">
+              <a:noFill/>
+            </a:ln>
+          </p:spPr>
+          <p:txBody>
+            <a:bodyPr rot="0" spcFirstLastPara="0" vert="horz" wrap="square" lIns="0" tIns="0" rIns="0" bIns="0" numCol="1" spcCol="0" rtlCol="0" fromWordArt="0" anchor="ctr" anchorCtr="0" forceAA="0" compatLnSpc="1">
+              <a:prstTxWarp prst="textNoShape">
+                <a:avLst/>
+              </a:prstTxWarp>
+              <a:noAutofit/>
+            </a:bodyPr>
+            <a:lstStyle/>
+            <a:p>
+              <a:pPr algn="ctr">
+                <a:lnSpc>
+                  <a:spcPct val="107000"/>
+                </a:lnSpc>
+                <a:spcAft>
+                  <a:spcPts val="800"/>
+                </a:spcAft>
+              </a:pPr>
+              <a:r>
+                <a:rPr lang="sk-SK" sz="3000" i="1" dirty="0">
+                  <a:solidFill>
+                    <a:schemeClr val="bg1"/>
+                  </a:solidFill>
+                  <a:effectLst/>
+                  <a:latin typeface="Calibri" panose="020F0502020204030204" pitchFamily="34" charset="0"/>
+                  <a:ea typeface="Calibri" panose="020F0502020204030204" pitchFamily="34" charset="0"/>
+                  <a:cs typeface="Times New Roman" panose="02020603050405020304" pitchFamily="18" charset="0"/>
+                </a:rPr>
+                <a:t>Príklady na to ako stránka vyzerala na začiatku 2. Ročníka</a:t>
+              </a:r>
+              <a:endParaRPr lang="en-US" sz="3000" dirty="0">
+                <a:solidFill>
+                  <a:schemeClr val="bg1"/>
+                </a:solidFill>
+                <a:effectLst/>
+                <a:latin typeface="Calibri" panose="020F0502020204030204" pitchFamily="34" charset="0"/>
+                <a:ea typeface="Calibri" panose="020F0502020204030204" pitchFamily="34" charset="0"/>
+                <a:cs typeface="Times New Roman" panose="02020603050405020304" pitchFamily="18" charset="0"/>
+              </a:endParaRPr>
+            </a:p>
+          </p:txBody>
+        </p:sp>
+      </p:grpSp>
+      <p:grpSp>
+        <p:nvGrpSpPr>
+          <p:cNvPr id="2073" name="Skupina 2072">
+            <a:extLst>
+              <a:ext uri="{FF2B5EF4-FFF2-40B4-BE49-F238E27FC236}">
+                <a16:creationId xmlns="" xmlns:a16="http://schemas.microsoft.com/office/drawing/2014/main" id="{8E7F115C-D6E7-5DD9-5BF0-C726C96603BD}"/>
+              </a:ext>
+            </a:extLst>
+          </p:cNvPr>
+          <p:cNvGrpSpPr/>
+          <p:nvPr/>
+        </p:nvGrpSpPr>
+        <p:grpSpPr>
+          <a:xfrm>
+            <a:off x="880970" y="28263291"/>
+            <a:ext cx="10189942" cy="7452830"/>
+            <a:chOff x="11563160" y="22554773"/>
+            <a:chExt cx="5853430" cy="4305935"/>
+          </a:xfrm>
+        </p:grpSpPr>
+        <p:pic>
+          <p:nvPicPr>
+            <p:cNvPr id="2063" name="Obrázok 2062">
+              <a:extLst>
+                <a:ext uri="{FF2B5EF4-FFF2-40B4-BE49-F238E27FC236}">
+                  <a16:creationId xmlns="" xmlns:a16="http://schemas.microsoft.com/office/drawing/2014/main" id="{7BC62BBB-247B-0D70-C141-F39B3E85A6B9}"/>
+                </a:ext>
+              </a:extLst>
+            </p:cNvPr>
+            <p:cNvPicPr>
+              <a:picLocks noChangeAspect="1"/>
+            </p:cNvPicPr>
+            <p:nvPr/>
+          </p:nvPicPr>
+          <p:blipFill>
+            <a:blip r:embed="rId7">
+              <a:extLst>
+                <a:ext uri="{28A0092B-C50C-407E-A947-70E740481C1C}">
+                  <a14:useLocalDpi xmlns:a14="http://schemas.microsoft.com/office/drawing/2010/main" val="0"/>
+                </a:ext>
+              </a:extLst>
+            </a:blip>
+            <a:stretch>
+              <a:fillRect/>
+            </a:stretch>
+          </p:blipFill>
+          <p:spPr>
+            <a:xfrm>
+              <a:off x="11563160" y="22555408"/>
+              <a:ext cx="2566035" cy="4305300"/>
+            </a:xfrm>
+            <a:prstGeom prst="rect">
+              <a:avLst/>
+            </a:prstGeom>
+          </p:spPr>
+        </p:pic>
+        <p:pic>
+          <p:nvPicPr>
+            <p:cNvPr id="2064" name="Obrázok 2063">
+              <a:extLst>
+                <a:ext uri="{FF2B5EF4-FFF2-40B4-BE49-F238E27FC236}">
+                  <a16:creationId xmlns="" xmlns:a16="http://schemas.microsoft.com/office/drawing/2014/main" id="{7B64807F-351A-1804-8000-9E984146B401}"/>
+                </a:ext>
+              </a:extLst>
+            </p:cNvPr>
+            <p:cNvPicPr>
+              <a:picLocks noChangeAspect="1"/>
+            </p:cNvPicPr>
+            <p:nvPr/>
+          </p:nvPicPr>
+          <p:blipFill>
+            <a:blip r:embed="rId8">
+              <a:extLst>
+                <a:ext uri="{28A0092B-C50C-407E-A947-70E740481C1C}">
+                  <a14:useLocalDpi xmlns:a14="http://schemas.microsoft.com/office/drawing/2010/main" val="0"/>
+                </a:ext>
+              </a:extLst>
+            </a:blip>
+            <a:stretch>
+              <a:fillRect/>
+            </a:stretch>
+          </p:blipFill>
+          <p:spPr>
+            <a:xfrm>
+              <a:off x="14316520" y="22554773"/>
+              <a:ext cx="3100070" cy="2720975"/>
+            </a:xfrm>
+            <a:prstGeom prst="rect">
+              <a:avLst/>
+            </a:prstGeom>
+          </p:spPr>
+        </p:pic>
+        <p:pic>
+          <p:nvPicPr>
+            <p:cNvPr id="2065" name="Obrázok 2064">
+              <a:extLst>
+                <a:ext uri="{FF2B5EF4-FFF2-40B4-BE49-F238E27FC236}">
+                  <a16:creationId xmlns="" xmlns:a16="http://schemas.microsoft.com/office/drawing/2014/main" id="{5C603329-A63F-B026-5AC2-DCE150B2FADC}"/>
+                </a:ext>
+              </a:extLst>
+            </p:cNvPr>
+            <p:cNvPicPr>
+              <a:picLocks noChangeAspect="1"/>
+            </p:cNvPicPr>
+            <p:nvPr/>
+          </p:nvPicPr>
+          <p:blipFill>
+            <a:blip r:embed="rId9" cstate="print">
+              <a:extLst>
+                <a:ext uri="{28A0092B-C50C-407E-A947-70E740481C1C}">
+                  <a14:useLocalDpi xmlns:a14="http://schemas.microsoft.com/office/drawing/2010/main" val="0"/>
+                </a:ext>
+              </a:extLst>
+            </a:blip>
+            <a:stretch>
+              <a:fillRect/>
+            </a:stretch>
+          </p:blipFill>
+          <p:spPr>
+            <a:xfrm>
+              <a:off x="14313980" y="25276383"/>
+              <a:ext cx="2625090" cy="1540510"/>
+            </a:xfrm>
+            <a:prstGeom prst="rect">
+              <a:avLst/>
+            </a:prstGeom>
+          </p:spPr>
+        </p:pic>
+      </p:grpSp>
+      <p:grpSp>
+        <p:nvGrpSpPr>
+          <p:cNvPr id="2080" name="Skupina 2079">
+            <a:extLst>
+              <a:ext uri="{FF2B5EF4-FFF2-40B4-BE49-F238E27FC236}">
+                <a16:creationId xmlns="" xmlns:a16="http://schemas.microsoft.com/office/drawing/2014/main" id="{3BA261B3-59CE-19B3-950E-232502F133F1}"/>
+              </a:ext>
+            </a:extLst>
+          </p:cNvPr>
+          <p:cNvGrpSpPr/>
+          <p:nvPr/>
+        </p:nvGrpSpPr>
+        <p:grpSpPr>
+          <a:xfrm>
+            <a:off x="13883327" y="19247640"/>
+            <a:ext cx="17956578" cy="8821379"/>
+            <a:chOff x="11028966" y="22305151"/>
+            <a:chExt cx="6952615" cy="3782695"/>
+          </a:xfrm>
+        </p:grpSpPr>
+        <p:pic>
+          <p:nvPicPr>
+            <p:cNvPr id="2076" name="Obrázok 2075">
+              <a:extLst>
+                <a:ext uri="{FF2B5EF4-FFF2-40B4-BE49-F238E27FC236}">
+                  <a16:creationId xmlns="" xmlns:a16="http://schemas.microsoft.com/office/drawing/2014/main" id="{C3F80F6C-5A5B-1143-4828-044D4A10A23C}"/>
+                </a:ext>
+              </a:extLst>
+            </p:cNvPr>
+            <p:cNvPicPr>
+              <a:picLocks noChangeAspect="1"/>
+            </p:cNvPicPr>
+            <p:nvPr/>
+          </p:nvPicPr>
+          <p:blipFill>
+            <a:blip r:embed="rId10" cstate="print">
+              <a:extLst>
+                <a:ext uri="{28A0092B-C50C-407E-A947-70E740481C1C}">
+                  <a14:useLocalDpi xmlns:a14="http://schemas.microsoft.com/office/drawing/2010/main" val="0"/>
+                </a:ext>
+              </a:extLst>
+            </a:blip>
+            <a:stretch>
+              <a:fillRect/>
+            </a:stretch>
+          </p:blipFill>
+          <p:spPr>
+            <a:xfrm>
+              <a:off x="14527181" y="22305151"/>
+              <a:ext cx="3454400" cy="1671320"/>
+            </a:xfrm>
+            <a:prstGeom prst="rect">
+              <a:avLst/>
+            </a:prstGeom>
+          </p:spPr>
+        </p:pic>
+        <p:pic>
+          <p:nvPicPr>
+            <p:cNvPr id="2077" name="Obrázok 2076">
+              <a:extLst>
+                <a:ext uri="{FF2B5EF4-FFF2-40B4-BE49-F238E27FC236}">
+                  <a16:creationId xmlns="" xmlns:a16="http://schemas.microsoft.com/office/drawing/2014/main" id="{DCE9C65E-1FCA-ACB5-4421-2A4CD2E4425F}"/>
+                </a:ext>
+              </a:extLst>
+            </p:cNvPr>
+            <p:cNvPicPr>
+              <a:picLocks noChangeAspect="1"/>
+            </p:cNvPicPr>
+            <p:nvPr/>
+          </p:nvPicPr>
+          <p:blipFill>
+            <a:blip r:embed="rId11" cstate="print">
+              <a:extLst>
+                <a:ext uri="{28A0092B-C50C-407E-A947-70E740481C1C}">
+                  <a14:useLocalDpi xmlns:a14="http://schemas.microsoft.com/office/drawing/2010/main" val="0"/>
+                </a:ext>
+              </a:extLst>
+            </a:blip>
+            <a:stretch>
+              <a:fillRect/>
+            </a:stretch>
+          </p:blipFill>
+          <p:spPr>
+            <a:xfrm>
+              <a:off x="11680476" y="22401036"/>
+              <a:ext cx="3112770" cy="1505585"/>
+            </a:xfrm>
+            <a:prstGeom prst="rect">
+              <a:avLst/>
+            </a:prstGeom>
+          </p:spPr>
+        </p:pic>
+        <p:pic>
+          <p:nvPicPr>
+            <p:cNvPr id="2078" name="Obrázok 2077">
+              <a:extLst>
+                <a:ext uri="{FF2B5EF4-FFF2-40B4-BE49-F238E27FC236}">
+                  <a16:creationId xmlns="" xmlns:a16="http://schemas.microsoft.com/office/drawing/2014/main" id="{1A03573F-69A5-A2AD-843B-44726AF042D4}"/>
+                </a:ext>
+              </a:extLst>
+            </p:cNvPr>
+            <p:cNvPicPr>
+              <a:picLocks noChangeAspect="1"/>
+            </p:cNvPicPr>
+            <p:nvPr/>
+          </p:nvPicPr>
+          <p:blipFill>
+            <a:blip r:embed="rId12" cstate="print">
+              <a:extLst>
+                <a:ext uri="{28A0092B-C50C-407E-A947-70E740481C1C}">
+                  <a14:useLocalDpi xmlns:a14="http://schemas.microsoft.com/office/drawing/2010/main" val="0"/>
+                </a:ext>
+              </a:extLst>
+            </a:blip>
+            <a:stretch>
+              <a:fillRect/>
+            </a:stretch>
+          </p:blipFill>
+          <p:spPr>
+            <a:xfrm>
+              <a:off x="14074426" y="23906621"/>
+              <a:ext cx="3907155" cy="2181225"/>
+            </a:xfrm>
+            <a:prstGeom prst="rect">
+              <a:avLst/>
+            </a:prstGeom>
+          </p:spPr>
+        </p:pic>
+        <p:pic>
+          <p:nvPicPr>
+            <p:cNvPr id="2079" name="Obrázok 2078">
+              <a:extLst>
+                <a:ext uri="{FF2B5EF4-FFF2-40B4-BE49-F238E27FC236}">
+                  <a16:creationId xmlns="" xmlns:a16="http://schemas.microsoft.com/office/drawing/2014/main" id="{0ED5FF01-2E29-90B7-74A5-37DB0C785C70}"/>
+                </a:ext>
+              </a:extLst>
+            </p:cNvPr>
+            <p:cNvPicPr>
+              <a:picLocks noChangeAspect="1"/>
+            </p:cNvPicPr>
+            <p:nvPr/>
+          </p:nvPicPr>
+          <p:blipFill>
+            <a:blip r:embed="rId13" cstate="print">
+              <a:extLst>
+                <a:ext uri="{28A0092B-C50C-407E-A947-70E740481C1C}">
+                  <a14:useLocalDpi xmlns:a14="http://schemas.microsoft.com/office/drawing/2010/main" val="0"/>
+                </a:ext>
+              </a:extLst>
+            </a:blip>
+            <a:stretch>
+              <a:fillRect/>
+            </a:stretch>
+          </p:blipFill>
+          <p:spPr>
+            <a:xfrm>
+              <a:off x="11028966" y="23909796"/>
+              <a:ext cx="3542030" cy="1952625"/>
+            </a:xfrm>
+            <a:prstGeom prst="rect">
+              <a:avLst/>
+            </a:prstGeom>
+          </p:spPr>
+        </p:pic>
+      </p:grpSp>
       <p:sp>
         <p:nvSpPr>
           <p:cNvPr id="34" name="BlokTextu 10"/>
@@ -3699,7 +9174,7 @@
         </p:nvSpPr>
         <p:spPr bwMode="auto">
           <a:xfrm>
-            <a:off x="17848941" y="26279572"/>
+            <a:off x="10586667" y="31834289"/>
             <a:ext cx="2267919" cy="830875"/>
           </a:xfrm>
           <a:prstGeom prst="rect">
@@ -3744,6 +9219,594 @@
           </a:p>
         </p:txBody>
       </p:sp>
+      <p:pic>
+        <p:nvPicPr>
+          <p:cNvPr id="2" name="Obrázok 1"/>
+          <p:cNvPicPr>
+            <a:picLocks noChangeAspect="1"/>
+          </p:cNvPicPr>
+          <p:nvPr/>
+        </p:nvPicPr>
+        <p:blipFill rotWithShape="1">
+          <a:blip r:embed="rId14">
+            <a:extLst>
+              <a:ext uri="{28A0092B-C50C-407E-A947-70E740481C1C}">
+                <a14:useLocalDpi xmlns:a14="http://schemas.microsoft.com/office/drawing/2010/main" val="0"/>
+              </a:ext>
+            </a:extLst>
+          </a:blip>
+          <a:srcRect t="23441" b="19853"/>
+          <a:stretch/>
+        </p:blipFill>
+        <p:spPr>
+          <a:xfrm>
+            <a:off x="26593130" y="624581"/>
+            <a:ext cx="3936283" cy="2232120"/>
+          </a:xfrm>
+          <a:prstGeom prst="rect">
+            <a:avLst/>
+          </a:prstGeom>
+        </p:spPr>
+      </p:pic>
+      <p:sp>
+        <p:nvSpPr>
+          <p:cNvPr id="31" name="Text Box 34"/>
+          <p:cNvSpPr txBox="1">
+            <a:spLocks noChangeArrowheads="1"/>
+          </p:cNvSpPr>
+          <p:nvPr/>
+        </p:nvSpPr>
+        <p:spPr bwMode="auto">
+          <a:xfrm>
+            <a:off x="10613360" y="32778889"/>
+            <a:ext cx="21201667" cy="2858539"/>
+          </a:xfrm>
+          <a:prstGeom prst="rect">
+            <a:avLst/>
+          </a:prstGeom>
+          <a:solidFill>
+            <a:schemeClr val="bg1">
+              <a:lumMod val="95000"/>
+            </a:schemeClr>
+          </a:solidFill>
+          <a:ln>
+            <a:headEnd/>
+            <a:tailEnd/>
+          </a:ln>
+        </p:spPr>
+        <p:style>
+          <a:lnRef idx="2">
+            <a:schemeClr val="dk1"/>
+          </a:lnRef>
+          <a:fillRef idx="1">
+            <a:schemeClr val="lt1"/>
+          </a:fillRef>
+          <a:effectRef idx="0">
+            <a:schemeClr val="dk1"/>
+          </a:effectRef>
+          <a:fontRef idx="minor">
+            <a:schemeClr val="dk1"/>
+          </a:fontRef>
+        </p:style>
+        <p:txBody>
+          <a:bodyPr wrap="square">
+            <a:spAutoFit/>
+          </a:bodyPr>
+          <a:lstStyle/>
+          <a:p>
+            <a:pPr marL="457200" lvl="1" algn="just">
+              <a:lnSpc>
+                <a:spcPct val="107000"/>
+              </a:lnSpc>
+            </a:pPr>
+            <a:r>
+              <a:rPr lang="sk-SK" sz="2400" dirty="0">
+                <a:effectLst/>
+                <a:latin typeface="Calibri" panose="020F0502020204030204" pitchFamily="34" charset="0"/>
+                <a:ea typeface="Calibri" panose="020F0502020204030204" pitchFamily="34" charset="0"/>
+                <a:cs typeface="Times New Roman" panose="02020603050405020304" pitchFamily="18" charset="0"/>
+              </a:rPr>
+              <a:t>Cieľom nášho projektu bolo pomôcť študentom, ktorí v škole chýbali </a:t>
+            </a:r>
+            <a:r>
+              <a:rPr lang="sk-SK" sz="2400" dirty="0" smtClean="0">
+                <a:effectLst/>
+                <a:latin typeface="Calibri" panose="020F0502020204030204" pitchFamily="34" charset="0"/>
+                <a:ea typeface="Calibri" panose="020F0502020204030204" pitchFamily="34" charset="0"/>
+                <a:cs typeface="Times New Roman" panose="02020603050405020304" pitchFamily="18" charset="0"/>
+              </a:rPr>
+              <a:t>alebo </a:t>
+            </a:r>
+            <a:r>
+              <a:rPr lang="sk-SK" sz="2400" dirty="0">
+                <a:effectLst/>
+                <a:latin typeface="Calibri" panose="020F0502020204030204" pitchFamily="34" charset="0"/>
+                <a:ea typeface="Calibri" panose="020F0502020204030204" pitchFamily="34" charset="0"/>
+                <a:cs typeface="Times New Roman" panose="02020603050405020304" pitchFamily="18" charset="0"/>
+              </a:rPr>
+              <a:t>nemali k dispozícii dobrý zdroj doplnenia poznámok zo školského učiva. Chceli sme tiež pomôcť žiakom s neprehľadnými poznámkami a umožniť im doplniť informácie, aj keď im ich nikto neposkytol.</a:t>
+            </a:r>
+            <a:endParaRPr lang="en-US" sz="2400" dirty="0">
+              <a:effectLst/>
+              <a:latin typeface="Calibri" panose="020F0502020204030204" pitchFamily="34" charset="0"/>
+              <a:ea typeface="Calibri" panose="020F0502020204030204" pitchFamily="34" charset="0"/>
+              <a:cs typeface="Times New Roman" panose="02020603050405020304" pitchFamily="18" charset="0"/>
+            </a:endParaRPr>
+          </a:p>
+          <a:p>
+            <a:pPr marL="742950" lvl="1" indent="-285750" algn="just">
+              <a:lnSpc>
+                <a:spcPct val="107000"/>
+              </a:lnSpc>
+              <a:buFont typeface="Courier New" panose="02070309020205020404" pitchFamily="49" charset="0"/>
+              <a:buChar char="o"/>
+            </a:pPr>
+            <a:r>
+              <a:rPr lang="sk-SK" sz="2400" dirty="0">
+                <a:effectLst/>
+                <a:latin typeface="Calibri" panose="020F0502020204030204" pitchFamily="34" charset="0"/>
+                <a:ea typeface="Calibri" panose="020F0502020204030204" pitchFamily="34" charset="0"/>
+                <a:cs typeface="Times New Roman" panose="02020603050405020304" pitchFamily="18" charset="0"/>
+              </a:rPr>
+              <a:t>Naša </a:t>
+            </a:r>
+            <a:r>
+              <a:rPr lang="sk-SK" sz="2400" dirty="0" smtClean="0">
+                <a:effectLst/>
+                <a:latin typeface="Calibri" panose="020F0502020204030204" pitchFamily="34" charset="0"/>
+                <a:ea typeface="Calibri" panose="020F0502020204030204" pitchFamily="34" charset="0"/>
+                <a:cs typeface="Times New Roman" panose="02020603050405020304" pitchFamily="18" charset="0"/>
+              </a:rPr>
+              <a:t>hypotéza, že </a:t>
+            </a:r>
+            <a:r>
+              <a:rPr lang="sk-SK" sz="2400" dirty="0">
+                <a:effectLst/>
+                <a:latin typeface="Calibri" panose="020F0502020204030204" pitchFamily="34" charset="0"/>
+                <a:ea typeface="Calibri" panose="020F0502020204030204" pitchFamily="34" charset="0"/>
+                <a:cs typeface="Times New Roman" panose="02020603050405020304" pitchFamily="18" charset="0"/>
+              </a:rPr>
+              <a:t>vytvorením stránky pre študentov, kde sa poznámky budú nahrávať a organizovať do predmetov chronologicky, zvýšime motiváciu študentov k učeniu a zlepšíme ich pripravenosť </a:t>
+            </a:r>
+            <a:r>
+              <a:rPr lang="sk-SK" sz="2400" dirty="0" smtClean="0">
+                <a:effectLst/>
+                <a:latin typeface="Calibri" panose="020F0502020204030204" pitchFamily="34" charset="0"/>
+                <a:ea typeface="Calibri" panose="020F0502020204030204" pitchFamily="34" charset="0"/>
+                <a:cs typeface="Times New Roman" panose="02020603050405020304" pitchFamily="18" charset="0"/>
+              </a:rPr>
+              <a:t>na vyučovacie hodiny, sa potvrdila. </a:t>
+            </a:r>
+            <a:r>
+              <a:rPr lang="sk-SK" sz="2400" dirty="0" smtClean="0">
+                <a:latin typeface="Calibri" panose="020F0502020204030204" pitchFamily="34" charset="0"/>
+                <a:ea typeface="Calibri" panose="020F0502020204030204" pitchFamily="34" charset="0"/>
+                <a:cs typeface="Times New Roman" panose="02020603050405020304" pitchFamily="18" charset="0"/>
+              </a:rPr>
+              <a:t>Už pri založení stránky </a:t>
+            </a:r>
+            <a:r>
+              <a:rPr lang="sk-SK" sz="2400" dirty="0" err="1" smtClean="0">
+                <a:latin typeface="Calibri" panose="020F0502020204030204" pitchFamily="34" charset="0"/>
+                <a:ea typeface="Calibri" panose="020F0502020204030204" pitchFamily="34" charset="0"/>
+                <a:cs typeface="Times New Roman" panose="02020603050405020304" pitchFamily="18" charset="0"/>
+              </a:rPr>
+              <a:t>GLArchív</a:t>
+            </a:r>
+            <a:r>
+              <a:rPr lang="sk-SK" sz="2400" dirty="0" smtClean="0">
+                <a:latin typeface="Calibri" panose="020F0502020204030204" pitchFamily="34" charset="0"/>
+                <a:ea typeface="Calibri" panose="020F0502020204030204" pitchFamily="34" charset="0"/>
+                <a:cs typeface="Times New Roman" panose="02020603050405020304" pitchFamily="18" charset="0"/>
+              </a:rPr>
+              <a:t>, sme v</a:t>
+            </a:r>
+            <a:r>
+              <a:rPr lang="sk-SK" sz="2400" dirty="0" smtClean="0">
+                <a:effectLst/>
+                <a:latin typeface="Calibri" panose="020F0502020204030204" pitchFamily="34" charset="0"/>
+                <a:ea typeface="Calibri" panose="020F0502020204030204" pitchFamily="34" charset="0"/>
+                <a:cs typeface="Times New Roman" panose="02020603050405020304" pitchFamily="18" charset="0"/>
+              </a:rPr>
+              <a:t>erili, </a:t>
+            </a:r>
+            <a:r>
+              <a:rPr lang="sk-SK" sz="2400" dirty="0">
+                <a:effectLst/>
+                <a:latin typeface="Calibri" panose="020F0502020204030204" pitchFamily="34" charset="0"/>
+                <a:ea typeface="Calibri" panose="020F0502020204030204" pitchFamily="34" charset="0"/>
+                <a:cs typeface="Times New Roman" panose="02020603050405020304" pitchFamily="18" charset="0"/>
+              </a:rPr>
+              <a:t>že tým, že študenti budú mať k dispozícii stránku, kde môžu kedykoľvek získať poznámky, </a:t>
+            </a:r>
+            <a:r>
+              <a:rPr lang="sk-SK" sz="2400" dirty="0" smtClean="0">
+                <a:effectLst/>
+                <a:latin typeface="Calibri" panose="020F0502020204030204" pitchFamily="34" charset="0"/>
+                <a:ea typeface="Calibri" panose="020F0502020204030204" pitchFamily="34" charset="0"/>
+                <a:cs typeface="Times New Roman" panose="02020603050405020304" pitchFamily="18" charset="0"/>
+              </a:rPr>
+              <a:t>šanca</a:t>
+            </a:r>
+            <a:r>
+              <a:rPr lang="sk-SK" sz="2400" dirty="0">
+                <a:effectLst/>
+                <a:latin typeface="Calibri" panose="020F0502020204030204" pitchFamily="34" charset="0"/>
+                <a:ea typeface="Calibri" panose="020F0502020204030204" pitchFamily="34" charset="0"/>
+                <a:cs typeface="Times New Roman" panose="02020603050405020304" pitchFamily="18" charset="0"/>
+              </a:rPr>
+              <a:t>, že budú </a:t>
+            </a:r>
+            <a:r>
+              <a:rPr lang="sk-SK" sz="2400" dirty="0" smtClean="0">
+                <a:effectLst/>
+                <a:latin typeface="Calibri" panose="020F0502020204030204" pitchFamily="34" charset="0"/>
+                <a:ea typeface="Calibri" panose="020F0502020204030204" pitchFamily="34" charset="0"/>
+                <a:cs typeface="Times New Roman" panose="02020603050405020304" pitchFamily="18" charset="0"/>
+              </a:rPr>
+              <a:t>dané učivo osvojené, aj </a:t>
+            </a:r>
+            <a:r>
+              <a:rPr lang="sk-SK" sz="2400" dirty="0">
+                <a:effectLst/>
+                <a:latin typeface="Calibri" panose="020F0502020204030204" pitchFamily="34" charset="0"/>
+                <a:ea typeface="Calibri" panose="020F0502020204030204" pitchFamily="34" charset="0"/>
+                <a:cs typeface="Times New Roman" panose="02020603050405020304" pitchFamily="18" charset="0"/>
+              </a:rPr>
+              <a:t>keď chýbajú na </a:t>
+            </a:r>
+            <a:r>
+              <a:rPr lang="sk-SK" sz="2400" dirty="0">
+                <a:latin typeface="Calibri" panose="020F0502020204030204" pitchFamily="34" charset="0"/>
+                <a:ea typeface="Calibri" panose="020F0502020204030204" pitchFamily="34" charset="0"/>
+                <a:cs typeface="Times New Roman" panose="02020603050405020304" pitchFamily="18" charset="0"/>
+              </a:rPr>
+              <a:t>hodinách, </a:t>
+            </a:r>
+            <a:r>
+              <a:rPr lang="sk-SK" sz="2400" dirty="0" smtClean="0">
+                <a:latin typeface="Calibri" panose="020F0502020204030204" pitchFamily="34" charset="0"/>
+                <a:ea typeface="Calibri" panose="020F0502020204030204" pitchFamily="34" charset="0"/>
+                <a:cs typeface="Times New Roman" panose="02020603050405020304" pitchFamily="18" charset="0"/>
+              </a:rPr>
+              <a:t>sa zvýši, čo potvrdili aj závery ankety.</a:t>
+            </a:r>
+            <a:endParaRPr lang="en-US" sz="2400" dirty="0">
+              <a:effectLst/>
+              <a:latin typeface="Calibri" panose="020F0502020204030204" pitchFamily="34" charset="0"/>
+              <a:ea typeface="Calibri" panose="020F0502020204030204" pitchFamily="34" charset="0"/>
+              <a:cs typeface="Times New Roman" panose="02020603050405020304" pitchFamily="18" charset="0"/>
+            </a:endParaRPr>
+          </a:p>
+          <a:p>
+            <a:pPr marL="742950" lvl="1" indent="-285750" algn="just">
+              <a:lnSpc>
+                <a:spcPct val="107000"/>
+              </a:lnSpc>
+              <a:buFont typeface="Courier New" panose="02070309020205020404" pitchFamily="49" charset="0"/>
+              <a:buChar char="o"/>
+            </a:pPr>
+            <a:r>
+              <a:rPr lang="sk-SK" sz="2400" dirty="0">
+                <a:effectLst/>
+                <a:latin typeface="Calibri" panose="020F0502020204030204" pitchFamily="34" charset="0"/>
+                <a:ea typeface="Calibri" panose="020F0502020204030204" pitchFamily="34" charset="0"/>
+                <a:cs typeface="Times New Roman" panose="02020603050405020304" pitchFamily="18" charset="0"/>
+              </a:rPr>
+              <a:t>Počas posledných necelých 4 rokov stránka úspešne funguje, a väčšina žiakov </a:t>
+            </a:r>
+            <a:r>
+              <a:rPr lang="sk-SK" sz="2400" dirty="0" smtClean="0">
+                <a:effectLst/>
+                <a:latin typeface="Calibri" panose="020F0502020204030204" pitchFamily="34" charset="0"/>
+                <a:ea typeface="Calibri" panose="020F0502020204030204" pitchFamily="34" charset="0"/>
+                <a:cs typeface="Times New Roman" panose="02020603050405020304" pitchFamily="18" charset="0"/>
+              </a:rPr>
+              <a:t>triedy </a:t>
+            </a:r>
+            <a:r>
+              <a:rPr lang="sk-SK" sz="2400" dirty="0">
+                <a:effectLst/>
+                <a:latin typeface="Calibri" panose="020F0502020204030204" pitchFamily="34" charset="0"/>
+                <a:ea typeface="Calibri" panose="020F0502020204030204" pitchFamily="34" charset="0"/>
+                <a:cs typeface="Times New Roman" panose="02020603050405020304" pitchFamily="18" charset="0"/>
+              </a:rPr>
+              <a:t>ju využíva denne. </a:t>
+            </a:r>
+            <a:r>
+              <a:rPr lang="sk-SK" sz="2400" dirty="0" smtClean="0">
+                <a:effectLst/>
+                <a:latin typeface="Calibri" panose="020F0502020204030204" pitchFamily="34" charset="0"/>
+                <a:ea typeface="Calibri" panose="020F0502020204030204" pitchFamily="34" charset="0"/>
+                <a:cs typeface="Times New Roman" panose="02020603050405020304" pitchFamily="18" charset="0"/>
+              </a:rPr>
+              <a:t>Celkovo </a:t>
+            </a:r>
+            <a:r>
+              <a:rPr lang="sk-SK" sz="2400" dirty="0">
+                <a:effectLst/>
+                <a:latin typeface="Calibri" panose="020F0502020204030204" pitchFamily="34" charset="0"/>
+                <a:ea typeface="Calibri" panose="020F0502020204030204" pitchFamily="34" charset="0"/>
+                <a:cs typeface="Times New Roman" panose="02020603050405020304" pitchFamily="18" charset="0"/>
+              </a:rPr>
+              <a:t>môžeme </a:t>
+            </a:r>
+            <a:r>
+              <a:rPr lang="sk-SK" sz="2400" dirty="0" smtClean="0">
+                <a:effectLst/>
+                <a:latin typeface="Calibri" panose="020F0502020204030204" pitchFamily="34" charset="0"/>
+                <a:ea typeface="Calibri" panose="020F0502020204030204" pitchFamily="34" charset="0"/>
+                <a:cs typeface="Times New Roman" panose="02020603050405020304" pitchFamily="18" charset="0"/>
+              </a:rPr>
+              <a:t>skonštatovať</a:t>
+            </a:r>
+            <a:r>
+              <a:rPr lang="sk-SK" sz="2400" dirty="0">
+                <a:effectLst/>
+                <a:latin typeface="Calibri" panose="020F0502020204030204" pitchFamily="34" charset="0"/>
+                <a:ea typeface="Calibri" panose="020F0502020204030204" pitchFamily="34" charset="0"/>
+                <a:cs typeface="Times New Roman" panose="02020603050405020304" pitchFamily="18" charset="0"/>
+              </a:rPr>
+              <a:t>, že </a:t>
+            </a:r>
+            <a:r>
+              <a:rPr lang="sk-SK" sz="2400" dirty="0" smtClean="0">
+                <a:effectLst/>
+                <a:latin typeface="Calibri" panose="020F0502020204030204" pitchFamily="34" charset="0"/>
+                <a:ea typeface="Calibri" panose="020F0502020204030204" pitchFamily="34" charset="0"/>
+                <a:cs typeface="Times New Roman" panose="02020603050405020304" pitchFamily="18" charset="0"/>
+              </a:rPr>
+              <a:t>náš cieľ a očakávania  od založenia stránky sa naplnili a nás len teší, že stala </a:t>
+            </a:r>
+            <a:r>
+              <a:rPr lang="sk-SK" sz="2400" dirty="0">
+                <a:effectLst/>
+                <a:latin typeface="Calibri" panose="020F0502020204030204" pitchFamily="34" charset="0"/>
+                <a:ea typeface="Calibri" panose="020F0502020204030204" pitchFamily="34" charset="0"/>
+                <a:cs typeface="Times New Roman" panose="02020603050405020304" pitchFamily="18" charset="0"/>
+              </a:rPr>
+              <a:t>sa cenným nástrojom </a:t>
+            </a:r>
+            <a:r>
+              <a:rPr lang="sk-SK" sz="2400" dirty="0" smtClean="0">
+                <a:effectLst/>
+                <a:latin typeface="Calibri" panose="020F0502020204030204" pitchFamily="34" charset="0"/>
+                <a:ea typeface="Calibri" panose="020F0502020204030204" pitchFamily="34" charset="0"/>
+                <a:cs typeface="Times New Roman" panose="02020603050405020304" pitchFamily="18" charset="0"/>
+              </a:rPr>
+              <a:t>na </a:t>
+            </a:r>
+            <a:r>
+              <a:rPr lang="sk-SK" sz="2400" dirty="0">
+                <a:effectLst/>
+                <a:latin typeface="Calibri" panose="020F0502020204030204" pitchFamily="34" charset="0"/>
+                <a:ea typeface="Calibri" panose="020F0502020204030204" pitchFamily="34" charset="0"/>
+                <a:cs typeface="Times New Roman" panose="02020603050405020304" pitchFamily="18" charset="0"/>
+              </a:rPr>
+              <a:t>zlepšenie ich vzdelávania a študijných </a:t>
+            </a:r>
+            <a:r>
+              <a:rPr lang="sk-SK" sz="2400" dirty="0" smtClean="0">
+                <a:effectLst/>
+                <a:latin typeface="Calibri" panose="020F0502020204030204" pitchFamily="34" charset="0"/>
+                <a:ea typeface="Calibri" panose="020F0502020204030204" pitchFamily="34" charset="0"/>
+                <a:cs typeface="Times New Roman" panose="02020603050405020304" pitchFamily="18" charset="0"/>
+              </a:rPr>
+              <a:t>výsledkov žiakov našej triedy.</a:t>
+            </a:r>
+            <a:endParaRPr lang="en-US" sz="2400" dirty="0">
+              <a:effectLst/>
+              <a:latin typeface="Calibri" panose="020F0502020204030204" pitchFamily="34" charset="0"/>
+              <a:ea typeface="Calibri" panose="020F0502020204030204" pitchFamily="34" charset="0"/>
+              <a:cs typeface="Times New Roman" panose="02020603050405020304" pitchFamily="18" charset="0"/>
+            </a:endParaRPr>
+          </a:p>
+        </p:txBody>
+      </p:sp>
+      <p:sp>
+        <p:nvSpPr>
+          <p:cNvPr id="35" name="BlokTextu 10"/>
+          <p:cNvSpPr txBox="1">
+            <a:spLocks noChangeArrowheads="1"/>
+          </p:cNvSpPr>
+          <p:nvPr/>
+        </p:nvSpPr>
+        <p:spPr bwMode="auto">
+          <a:xfrm>
+            <a:off x="11478504" y="27699799"/>
+            <a:ext cx="5081180" cy="830997"/>
+          </a:xfrm>
+          <a:prstGeom prst="rect">
+            <a:avLst/>
+          </a:prstGeom>
+          <a:solidFill>
+            <a:schemeClr val="bg1">
+              <a:lumMod val="65000"/>
+            </a:schemeClr>
+          </a:solidFill>
+          <a:ln>
+            <a:headEnd/>
+            <a:tailEnd/>
+          </a:ln>
+        </p:spPr>
+        <p:style>
+          <a:lnRef idx="2">
+            <a:schemeClr val="dk1"/>
+          </a:lnRef>
+          <a:fillRef idx="1">
+            <a:schemeClr val="lt1"/>
+          </a:fillRef>
+          <a:effectRef idx="0">
+            <a:schemeClr val="dk1"/>
+          </a:effectRef>
+          <a:fontRef idx="minor">
+            <a:schemeClr val="dk1"/>
+          </a:fontRef>
+        </p:style>
+        <p:txBody>
+          <a:bodyPr wrap="square">
+            <a:spAutoFit/>
+          </a:bodyPr>
+          <a:lstStyle/>
+          <a:p>
+            <a:r>
+              <a:rPr lang="sk-SK" sz="4800" b="1" dirty="0">
+                <a:latin typeface="Calibri" pitchFamily="34" charset="0"/>
+              </a:rPr>
+              <a:t> </a:t>
+            </a:r>
+            <a:r>
+              <a:rPr lang="sk-SK" sz="4800" b="1" dirty="0" smtClean="0">
+                <a:latin typeface="Calibri" pitchFamily="34" charset="0"/>
+              </a:rPr>
+              <a:t>Výsledky  ankety:</a:t>
+            </a:r>
+            <a:endParaRPr lang="sk-SK" sz="4800" b="1" dirty="0">
+              <a:latin typeface="Calibri" pitchFamily="34" charset="0"/>
+            </a:endParaRPr>
+          </a:p>
+        </p:txBody>
+      </p:sp>
+      <p:graphicFrame>
+        <p:nvGraphicFramePr>
+          <p:cNvPr id="36" name="Graf 35">
+            <a:extLst>
+              <a:ext uri="{FF2B5EF4-FFF2-40B4-BE49-F238E27FC236}">
+                <a16:creationId xmlns="" xmlns:a16="http://schemas.microsoft.com/office/drawing/2014/main" xmlns:lc="http://schemas.openxmlformats.org/drawingml/2006/lockedCanvas" id="{B9BBED56-AFC5-4452-110C-F50A755B4349}"/>
+              </a:ext>
+            </a:extLst>
+          </p:cNvPr>
+          <p:cNvGraphicFramePr/>
+          <p:nvPr>
+            <p:extLst>
+              <p:ext uri="{D42A27DB-BD31-4B8C-83A1-F6EECF244321}">
+                <p14:modId xmlns:p14="http://schemas.microsoft.com/office/powerpoint/2010/main" val="4183275777"/>
+              </p:ext>
+            </p:extLst>
+          </p:nvPr>
+        </p:nvGraphicFramePr>
+        <p:xfrm>
+          <a:off x="10628771" y="28625459"/>
+          <a:ext cx="5558173" cy="3705449"/>
+        </p:xfrm>
+        <a:graphic>
+          <a:graphicData uri="http://schemas.openxmlformats.org/drawingml/2006/chart">
+            <c:chart xmlns:c="http://schemas.openxmlformats.org/drawingml/2006/chart" xmlns:r="http://schemas.openxmlformats.org/officeDocument/2006/relationships" r:id="rId15"/>
+          </a:graphicData>
+        </a:graphic>
+      </p:graphicFrame>
+      <p:graphicFrame>
+        <p:nvGraphicFramePr>
+          <p:cNvPr id="37" name="Graf 36">
+            <a:extLst>
+              <a:ext uri="{FF2B5EF4-FFF2-40B4-BE49-F238E27FC236}">
+                <a16:creationId xmlns="" xmlns:a16="http://schemas.microsoft.com/office/drawing/2014/main" xmlns:lc="http://schemas.openxmlformats.org/drawingml/2006/lockedCanvas" id="{0B4ED84E-2959-C16C-25C2-D714D0EF3D9B}"/>
+              </a:ext>
+            </a:extLst>
+          </p:cNvPr>
+          <p:cNvGraphicFramePr/>
+          <p:nvPr>
+            <p:extLst>
+              <p:ext uri="{D42A27DB-BD31-4B8C-83A1-F6EECF244321}">
+                <p14:modId xmlns:p14="http://schemas.microsoft.com/office/powerpoint/2010/main" val="3523787121"/>
+              </p:ext>
+            </p:extLst>
+          </p:nvPr>
+        </p:nvGraphicFramePr>
+        <p:xfrm>
+          <a:off x="14910534" y="28625459"/>
+          <a:ext cx="5263810" cy="3581818"/>
+        </p:xfrm>
+        <a:graphic>
+          <a:graphicData uri="http://schemas.openxmlformats.org/drawingml/2006/chart">
+            <c:chart xmlns:c="http://schemas.openxmlformats.org/drawingml/2006/chart" xmlns:r="http://schemas.openxmlformats.org/officeDocument/2006/relationships" r:id="rId16"/>
+          </a:graphicData>
+        </a:graphic>
+      </p:graphicFrame>
+      <p:graphicFrame>
+        <p:nvGraphicFramePr>
+          <p:cNvPr id="38" name="Graf 37">
+            <a:extLst>
+              <a:ext uri="{FF2B5EF4-FFF2-40B4-BE49-F238E27FC236}">
+                <a16:creationId xmlns="" xmlns:a16="http://schemas.microsoft.com/office/drawing/2014/main" xmlns:lc="http://schemas.openxmlformats.org/drawingml/2006/lockedCanvas" id="{EF06FBC2-754D-557C-1C9F-99F19C81266E}"/>
+              </a:ext>
+            </a:extLst>
+          </p:cNvPr>
+          <p:cNvGraphicFramePr/>
+          <p:nvPr>
+            <p:extLst>
+              <p:ext uri="{D42A27DB-BD31-4B8C-83A1-F6EECF244321}">
+                <p14:modId xmlns:p14="http://schemas.microsoft.com/office/powerpoint/2010/main" val="1479513405"/>
+              </p:ext>
+            </p:extLst>
+          </p:nvPr>
+        </p:nvGraphicFramePr>
+        <p:xfrm>
+          <a:off x="19119597" y="28671894"/>
+          <a:ext cx="4646745" cy="3535383"/>
+        </p:xfrm>
+        <a:graphic>
+          <a:graphicData uri="http://schemas.openxmlformats.org/drawingml/2006/chart">
+            <c:chart xmlns:c="http://schemas.openxmlformats.org/drawingml/2006/chart" xmlns:r="http://schemas.openxmlformats.org/officeDocument/2006/relationships" r:id="rId17"/>
+          </a:graphicData>
+        </a:graphic>
+      </p:graphicFrame>
+      <p:graphicFrame>
+        <p:nvGraphicFramePr>
+          <p:cNvPr id="39" name="Graf 38">
+            <a:extLst>
+              <a:ext uri="{FF2B5EF4-FFF2-40B4-BE49-F238E27FC236}">
+                <a16:creationId xmlns:a16="http://schemas.microsoft.com/office/drawing/2014/main" xmlns="" id="{6E26DE72-6BAD-6276-79FA-10B0F00E78B3}"/>
+              </a:ext>
+            </a:extLst>
+          </p:cNvPr>
+          <p:cNvGraphicFramePr/>
+          <p:nvPr>
+            <p:extLst>
+              <p:ext uri="{D42A27DB-BD31-4B8C-83A1-F6EECF244321}">
+                <p14:modId xmlns:p14="http://schemas.microsoft.com/office/powerpoint/2010/main" val="4188426745"/>
+              </p:ext>
+            </p:extLst>
+          </p:nvPr>
+        </p:nvGraphicFramePr>
+        <p:xfrm>
+          <a:off x="23072319" y="28314485"/>
+          <a:ext cx="6141580" cy="3892792"/>
+        </p:xfrm>
+        <a:graphic>
+          <a:graphicData uri="http://schemas.openxmlformats.org/drawingml/2006/chart">
+            <c:chart xmlns:c="http://schemas.openxmlformats.org/drawingml/2006/chart" xmlns:r="http://schemas.openxmlformats.org/officeDocument/2006/relationships" r:id="rId18"/>
+          </a:graphicData>
+        </a:graphic>
+      </p:graphicFrame>
+      <p:graphicFrame>
+        <p:nvGraphicFramePr>
+          <p:cNvPr id="40" name="Graf 39">
+            <a:extLst>
+              <a:ext uri="{FF2B5EF4-FFF2-40B4-BE49-F238E27FC236}">
+                <a16:creationId xmlns:a16="http://schemas.microsoft.com/office/drawing/2014/main" xmlns="" id="{28E53148-3913-2AD0-A890-F495951FA9B4}"/>
+              </a:ext>
+            </a:extLst>
+          </p:cNvPr>
+          <p:cNvGraphicFramePr/>
+          <p:nvPr>
+            <p:extLst>
+              <p:ext uri="{D42A27DB-BD31-4B8C-83A1-F6EECF244321}">
+                <p14:modId xmlns:p14="http://schemas.microsoft.com/office/powerpoint/2010/main" val="2812330664"/>
+              </p:ext>
+            </p:extLst>
+          </p:nvPr>
+        </p:nvGraphicFramePr>
+        <p:xfrm>
+          <a:off x="27556870" y="28615477"/>
+          <a:ext cx="4842418" cy="3861513"/>
+        </p:xfrm>
+        <a:graphic>
+          <a:graphicData uri="http://schemas.openxmlformats.org/drawingml/2006/chart">
+            <c:chart xmlns:c="http://schemas.openxmlformats.org/drawingml/2006/chart" xmlns:r="http://schemas.openxmlformats.org/officeDocument/2006/relationships" r:id="rId19"/>
+          </a:graphicData>
+        </a:graphic>
+      </p:graphicFrame>
     </p:spTree>
     <p:extLst>
       <p:ext uri="{BB962C8B-B14F-4D97-AF65-F5344CB8AC3E}">
